--- a/w8_plot3d/0_redirect_error/redirect_error.pptx
+++ b/w8_plot3d/0_redirect_error/redirect_error.pptx
@@ -7850,7 +7850,7 @@
           <a:p>
             <a:fld id="{4FAA8EAC-AC18-4280-B437-8D7D529B497A}" type="datetimeFigureOut">
               <a:rPr kumimoji="1" lang="ja-JP" altLang="en-US" smtClean="0"/>
-              <a:t>2024/11/12</a:t>
+              <a:t>2024/11/14</a:t>
             </a:fld>
             <a:endParaRPr kumimoji="1" lang="ja-JP" altLang="en-US"/>
           </a:p>
@@ -8296,7 +8296,7 @@
           <a:p>
             <a:fld id="{FC181284-30F9-FD49-AF23-54095499FD8C}" type="datetimeFigureOut">
               <a:rPr kumimoji="1" lang="ja-JP" altLang="en-US" smtClean="0"/>
-              <a:t>2024/11/12</a:t>
+              <a:t>2024/11/14</a:t>
             </a:fld>
             <a:endParaRPr kumimoji="1" lang="ja-JP" altLang="en-US"/>
           </a:p>
@@ -8526,7 +8526,7 @@
           <a:p>
             <a:fld id="{FC181284-30F9-FD49-AF23-54095499FD8C}" type="datetimeFigureOut">
               <a:rPr kumimoji="1" lang="ja-JP" altLang="en-US" smtClean="0"/>
-              <a:t>2024/11/12</a:t>
+              <a:t>2024/11/14</a:t>
             </a:fld>
             <a:endParaRPr kumimoji="1" lang="ja-JP" altLang="en-US"/>
           </a:p>
@@ -8766,7 +8766,7 @@
           <a:p>
             <a:fld id="{FC181284-30F9-FD49-AF23-54095499FD8C}" type="datetimeFigureOut">
               <a:rPr kumimoji="1" lang="ja-JP" altLang="en-US" smtClean="0"/>
-              <a:t>2024/11/12</a:t>
+              <a:t>2024/11/14</a:t>
             </a:fld>
             <a:endParaRPr kumimoji="1" lang="ja-JP" altLang="en-US"/>
           </a:p>
@@ -8996,7 +8996,7 @@
           <a:p>
             <a:fld id="{FC181284-30F9-FD49-AF23-54095499FD8C}" type="datetimeFigureOut">
               <a:rPr kumimoji="1" lang="ja-JP" altLang="en-US" smtClean="0"/>
-              <a:t>2024/11/12</a:t>
+              <a:t>2024/11/14</a:t>
             </a:fld>
             <a:endParaRPr kumimoji="1" lang="ja-JP" altLang="en-US"/>
           </a:p>
@@ -9271,7 +9271,7 @@
           <a:p>
             <a:fld id="{FC181284-30F9-FD49-AF23-54095499FD8C}" type="datetimeFigureOut">
               <a:rPr kumimoji="1" lang="ja-JP" altLang="en-US" smtClean="0"/>
-              <a:t>2024/11/12</a:t>
+              <a:t>2024/11/14</a:t>
             </a:fld>
             <a:endParaRPr kumimoji="1" lang="ja-JP" altLang="en-US"/>
           </a:p>
@@ -9600,7 +9600,7 @@
           <a:p>
             <a:fld id="{FC181284-30F9-FD49-AF23-54095499FD8C}" type="datetimeFigureOut">
               <a:rPr kumimoji="1" lang="ja-JP" altLang="en-US" smtClean="0"/>
-              <a:t>2024/11/12</a:t>
+              <a:t>2024/11/14</a:t>
             </a:fld>
             <a:endParaRPr kumimoji="1" lang="ja-JP" altLang="en-US"/>
           </a:p>
@@ -10076,7 +10076,7 @@
           <a:p>
             <a:fld id="{FC181284-30F9-FD49-AF23-54095499FD8C}" type="datetimeFigureOut">
               <a:rPr kumimoji="1" lang="ja-JP" altLang="en-US" smtClean="0"/>
-              <a:t>2024/11/12</a:t>
+              <a:t>2024/11/14</a:t>
             </a:fld>
             <a:endParaRPr kumimoji="1" lang="ja-JP" altLang="en-US"/>
           </a:p>
@@ -10217,7 +10217,7 @@
           <a:p>
             <a:fld id="{FC181284-30F9-FD49-AF23-54095499FD8C}" type="datetimeFigureOut">
               <a:rPr kumimoji="1" lang="ja-JP" altLang="en-US" smtClean="0"/>
-              <a:t>2024/11/12</a:t>
+              <a:t>2024/11/14</a:t>
             </a:fld>
             <a:endParaRPr kumimoji="1" lang="ja-JP" altLang="en-US"/>
           </a:p>
@@ -10330,7 +10330,7 @@
           <a:p>
             <a:fld id="{FC181284-30F9-FD49-AF23-54095499FD8C}" type="datetimeFigureOut">
               <a:rPr kumimoji="1" lang="ja-JP" altLang="en-US" smtClean="0"/>
-              <a:t>2024/11/12</a:t>
+              <a:t>2024/11/14</a:t>
             </a:fld>
             <a:endParaRPr kumimoji="1" lang="ja-JP" altLang="en-US"/>
           </a:p>
@@ -10673,7 +10673,7 @@
           <a:p>
             <a:fld id="{FC181284-30F9-FD49-AF23-54095499FD8C}" type="datetimeFigureOut">
               <a:rPr kumimoji="1" lang="ja-JP" altLang="en-US" smtClean="0"/>
-              <a:t>2024/11/12</a:t>
+              <a:t>2024/11/14</a:t>
             </a:fld>
             <a:endParaRPr kumimoji="1" lang="ja-JP" altLang="en-US"/>
           </a:p>
@@ -10961,7 +10961,7 @@
           <a:p>
             <a:fld id="{FC181284-30F9-FD49-AF23-54095499FD8C}" type="datetimeFigureOut">
               <a:rPr kumimoji="1" lang="ja-JP" altLang="en-US" smtClean="0"/>
-              <a:t>2024/11/12</a:t>
+              <a:t>2024/11/14</a:t>
             </a:fld>
             <a:endParaRPr kumimoji="1" lang="ja-JP" altLang="en-US"/>
           </a:p>
@@ -11234,7 +11234,7 @@
           <a:p>
             <a:fld id="{FC181284-30F9-FD49-AF23-54095499FD8C}" type="datetimeFigureOut">
               <a:rPr kumimoji="1" lang="ja-JP" altLang="en-US" smtClean="0"/>
-              <a:t>2024/11/12</a:t>
+              <a:t>2024/11/14</a:t>
             </a:fld>
             <a:endParaRPr kumimoji="1" lang="ja-JP" altLang="en-US"/>
           </a:p>
@@ -11671,8 +11671,8 @@
             <a:chExt cx="2237760" cy="436320"/>
           </a:xfrm>
         </p:grpSpPr>
-        <mc:AlternateContent xmlns:mc="http://schemas.openxmlformats.org/markup-compatibility/2006">
-          <mc:Choice xmlns:p14="http://schemas.microsoft.com/office/powerpoint/2010/main" Requires="p14">
+        <mc:AlternateContent xmlns:mc="http://schemas.openxmlformats.org/markup-compatibility/2006" xmlns:p14="http://schemas.microsoft.com/office/powerpoint/2010/main">
+          <mc:Choice Requires="p14">
             <p:contentPart p14:bwMode="auto" r:id="rId2">
               <p14:nvContentPartPr>
                 <p14:cNvPr id="63" name="インク 62">
@@ -11691,7 +11691,7 @@
               </p14:xfrm>
             </p:contentPart>
           </mc:Choice>
-          <mc:Fallback>
+          <mc:Fallback xmlns="">
             <p:pic>
               <p:nvPicPr>
                 <p:cNvPr id="63" name="インク 62">
@@ -11722,8 +11722,8 @@
             </p:pic>
           </mc:Fallback>
         </mc:AlternateContent>
-        <mc:AlternateContent xmlns:mc="http://schemas.openxmlformats.org/markup-compatibility/2006">
-          <mc:Choice xmlns:p14="http://schemas.microsoft.com/office/powerpoint/2010/main" Requires="p14">
+        <mc:AlternateContent xmlns:mc="http://schemas.openxmlformats.org/markup-compatibility/2006" xmlns:p14="http://schemas.microsoft.com/office/powerpoint/2010/main">
+          <mc:Choice Requires="p14">
             <p:contentPart p14:bwMode="auto" r:id="rId4">
               <p14:nvContentPartPr>
                 <p14:cNvPr id="64" name="インク 63">
@@ -11742,7 +11742,7 @@
               </p14:xfrm>
             </p:contentPart>
           </mc:Choice>
-          <mc:Fallback>
+          <mc:Fallback xmlns="">
             <p:pic>
               <p:nvPicPr>
                 <p:cNvPr id="64" name="インク 63">
@@ -11773,8 +11773,8 @@
             </p:pic>
           </mc:Fallback>
         </mc:AlternateContent>
-        <mc:AlternateContent xmlns:mc="http://schemas.openxmlformats.org/markup-compatibility/2006">
-          <mc:Choice xmlns:p14="http://schemas.microsoft.com/office/powerpoint/2010/main" Requires="p14">
+        <mc:AlternateContent xmlns:mc="http://schemas.openxmlformats.org/markup-compatibility/2006" xmlns:p14="http://schemas.microsoft.com/office/powerpoint/2010/main">
+          <mc:Choice Requires="p14">
             <p:contentPart p14:bwMode="auto" r:id="rId6">
               <p14:nvContentPartPr>
                 <p14:cNvPr id="65" name="インク 64">
@@ -11793,7 +11793,7 @@
               </p14:xfrm>
             </p:contentPart>
           </mc:Choice>
-          <mc:Fallback>
+          <mc:Fallback xmlns="">
             <p:pic>
               <p:nvPicPr>
                 <p:cNvPr id="65" name="インク 64">
@@ -11824,8 +11824,8 @@
             </p:pic>
           </mc:Fallback>
         </mc:AlternateContent>
-        <mc:AlternateContent xmlns:mc="http://schemas.openxmlformats.org/markup-compatibility/2006">
-          <mc:Choice xmlns:p14="http://schemas.microsoft.com/office/powerpoint/2010/main" Requires="p14">
+        <mc:AlternateContent xmlns:mc="http://schemas.openxmlformats.org/markup-compatibility/2006" xmlns:p14="http://schemas.microsoft.com/office/powerpoint/2010/main">
+          <mc:Choice Requires="p14">
             <p:contentPart p14:bwMode="auto" r:id="rId8">
               <p14:nvContentPartPr>
                 <p14:cNvPr id="66" name="インク 65">
@@ -11844,7 +11844,7 @@
               </p14:xfrm>
             </p:contentPart>
           </mc:Choice>
-          <mc:Fallback>
+          <mc:Fallback xmlns="">
             <p:pic>
               <p:nvPicPr>
                 <p:cNvPr id="66" name="インク 65">
@@ -11875,8 +11875,8 @@
             </p:pic>
           </mc:Fallback>
         </mc:AlternateContent>
-        <mc:AlternateContent xmlns:mc="http://schemas.openxmlformats.org/markup-compatibility/2006">
-          <mc:Choice xmlns:p14="http://schemas.microsoft.com/office/powerpoint/2010/main" Requires="p14">
+        <mc:AlternateContent xmlns:mc="http://schemas.openxmlformats.org/markup-compatibility/2006" xmlns:p14="http://schemas.microsoft.com/office/powerpoint/2010/main">
+          <mc:Choice Requires="p14">
             <p:contentPart p14:bwMode="auto" r:id="rId10">
               <p14:nvContentPartPr>
                 <p14:cNvPr id="67" name="インク 66">
@@ -11895,7 +11895,7 @@
               </p14:xfrm>
             </p:contentPart>
           </mc:Choice>
-          <mc:Fallback>
+          <mc:Fallback xmlns="">
             <p:pic>
               <p:nvPicPr>
                 <p:cNvPr id="67" name="インク 66">
@@ -11926,8 +11926,8 @@
             </p:pic>
           </mc:Fallback>
         </mc:AlternateContent>
-        <mc:AlternateContent xmlns:mc="http://schemas.openxmlformats.org/markup-compatibility/2006">
-          <mc:Choice xmlns:p14="http://schemas.microsoft.com/office/powerpoint/2010/main" Requires="p14">
+        <mc:AlternateContent xmlns:mc="http://schemas.openxmlformats.org/markup-compatibility/2006" xmlns:p14="http://schemas.microsoft.com/office/powerpoint/2010/main">
+          <mc:Choice Requires="p14">
             <p:contentPart p14:bwMode="auto" r:id="rId12">
               <p14:nvContentPartPr>
                 <p14:cNvPr id="68" name="インク 67">
@@ -11946,7 +11946,7 @@
               </p14:xfrm>
             </p:contentPart>
           </mc:Choice>
-          <mc:Fallback>
+          <mc:Fallback xmlns="">
             <p:pic>
               <p:nvPicPr>
                 <p:cNvPr id="68" name="インク 67">
@@ -11977,8 +11977,8 @@
             </p:pic>
           </mc:Fallback>
         </mc:AlternateContent>
-        <mc:AlternateContent xmlns:mc="http://schemas.openxmlformats.org/markup-compatibility/2006">
-          <mc:Choice xmlns:p14="http://schemas.microsoft.com/office/powerpoint/2010/main" Requires="p14">
+        <mc:AlternateContent xmlns:mc="http://schemas.openxmlformats.org/markup-compatibility/2006" xmlns:p14="http://schemas.microsoft.com/office/powerpoint/2010/main">
+          <mc:Choice Requires="p14">
             <p:contentPart p14:bwMode="auto" r:id="rId14">
               <p14:nvContentPartPr>
                 <p14:cNvPr id="69" name="インク 68">
@@ -11997,7 +11997,7 @@
               </p14:xfrm>
             </p:contentPart>
           </mc:Choice>
-          <mc:Fallback>
+          <mc:Fallback xmlns="">
             <p:pic>
               <p:nvPicPr>
                 <p:cNvPr id="69" name="インク 68">
@@ -12028,8 +12028,8 @@
             </p:pic>
           </mc:Fallback>
         </mc:AlternateContent>
-        <mc:AlternateContent xmlns:mc="http://schemas.openxmlformats.org/markup-compatibility/2006">
-          <mc:Choice xmlns:p14="http://schemas.microsoft.com/office/powerpoint/2010/main" Requires="p14">
+        <mc:AlternateContent xmlns:mc="http://schemas.openxmlformats.org/markup-compatibility/2006" xmlns:p14="http://schemas.microsoft.com/office/powerpoint/2010/main">
+          <mc:Choice Requires="p14">
             <p:contentPart p14:bwMode="auto" r:id="rId16">
               <p14:nvContentPartPr>
                 <p14:cNvPr id="70" name="インク 69">
@@ -12048,7 +12048,7 @@
               </p14:xfrm>
             </p:contentPart>
           </mc:Choice>
-          <mc:Fallback>
+          <mc:Fallback xmlns="">
             <p:pic>
               <p:nvPicPr>
                 <p:cNvPr id="70" name="インク 69">
@@ -12079,8 +12079,8 @@
             </p:pic>
           </mc:Fallback>
         </mc:AlternateContent>
-        <mc:AlternateContent xmlns:mc="http://schemas.openxmlformats.org/markup-compatibility/2006">
-          <mc:Choice xmlns:p14="http://schemas.microsoft.com/office/powerpoint/2010/main" Requires="p14">
+        <mc:AlternateContent xmlns:mc="http://schemas.openxmlformats.org/markup-compatibility/2006" xmlns:p14="http://schemas.microsoft.com/office/powerpoint/2010/main">
+          <mc:Choice Requires="p14">
             <p:contentPart p14:bwMode="auto" r:id="rId18">
               <p14:nvContentPartPr>
                 <p14:cNvPr id="71" name="インク 70">
@@ -12099,7 +12099,7 @@
               </p14:xfrm>
             </p:contentPart>
           </mc:Choice>
-          <mc:Fallback>
+          <mc:Fallback xmlns="">
             <p:pic>
               <p:nvPicPr>
                 <p:cNvPr id="71" name="インク 70">
@@ -12130,8 +12130,8 @@
             </p:pic>
           </mc:Fallback>
         </mc:AlternateContent>
-        <mc:AlternateContent xmlns:mc="http://schemas.openxmlformats.org/markup-compatibility/2006">
-          <mc:Choice xmlns:p14="http://schemas.microsoft.com/office/powerpoint/2010/main" Requires="p14">
+        <mc:AlternateContent xmlns:mc="http://schemas.openxmlformats.org/markup-compatibility/2006" xmlns:p14="http://schemas.microsoft.com/office/powerpoint/2010/main">
+          <mc:Choice Requires="p14">
             <p:contentPart p14:bwMode="auto" r:id="rId20">
               <p14:nvContentPartPr>
                 <p14:cNvPr id="72" name="インク 71">
@@ -12150,7 +12150,7 @@
               </p14:xfrm>
             </p:contentPart>
           </mc:Choice>
-          <mc:Fallback>
+          <mc:Fallback xmlns="">
             <p:pic>
               <p:nvPicPr>
                 <p:cNvPr id="72" name="インク 71">
@@ -12181,8 +12181,8 @@
             </p:pic>
           </mc:Fallback>
         </mc:AlternateContent>
-        <mc:AlternateContent xmlns:mc="http://schemas.openxmlformats.org/markup-compatibility/2006">
-          <mc:Choice xmlns:p14="http://schemas.microsoft.com/office/powerpoint/2010/main" Requires="p14">
+        <mc:AlternateContent xmlns:mc="http://schemas.openxmlformats.org/markup-compatibility/2006" xmlns:p14="http://schemas.microsoft.com/office/powerpoint/2010/main">
+          <mc:Choice Requires="p14">
             <p:contentPart p14:bwMode="auto" r:id="rId22">
               <p14:nvContentPartPr>
                 <p14:cNvPr id="73" name="インク 72">
@@ -12201,7 +12201,7 @@
               </p14:xfrm>
             </p:contentPart>
           </mc:Choice>
-          <mc:Fallback>
+          <mc:Fallback xmlns="">
             <p:pic>
               <p:nvPicPr>
                 <p:cNvPr id="73" name="インク 72">
@@ -12232,8 +12232,8 @@
             </p:pic>
           </mc:Fallback>
         </mc:AlternateContent>
-        <mc:AlternateContent xmlns:mc="http://schemas.openxmlformats.org/markup-compatibility/2006">
-          <mc:Choice xmlns:p14="http://schemas.microsoft.com/office/powerpoint/2010/main" Requires="p14">
+        <mc:AlternateContent xmlns:mc="http://schemas.openxmlformats.org/markup-compatibility/2006" xmlns:p14="http://schemas.microsoft.com/office/powerpoint/2010/main">
+          <mc:Choice Requires="p14">
             <p:contentPart p14:bwMode="auto" r:id="rId24">
               <p14:nvContentPartPr>
                 <p14:cNvPr id="74" name="インク 73">
@@ -12252,7 +12252,7 @@
               </p14:xfrm>
             </p:contentPart>
           </mc:Choice>
-          <mc:Fallback>
+          <mc:Fallback xmlns="">
             <p:pic>
               <p:nvPicPr>
                 <p:cNvPr id="74" name="インク 73">
@@ -12283,8 +12283,8 @@
             </p:pic>
           </mc:Fallback>
         </mc:AlternateContent>
-        <mc:AlternateContent xmlns:mc="http://schemas.openxmlformats.org/markup-compatibility/2006">
-          <mc:Choice xmlns:p14="http://schemas.microsoft.com/office/powerpoint/2010/main" Requires="p14">
+        <mc:AlternateContent xmlns:mc="http://schemas.openxmlformats.org/markup-compatibility/2006" xmlns:p14="http://schemas.microsoft.com/office/powerpoint/2010/main">
+          <mc:Choice Requires="p14">
             <p:contentPart p14:bwMode="auto" r:id="rId26">
               <p14:nvContentPartPr>
                 <p14:cNvPr id="75" name="インク 74">
@@ -12303,7 +12303,7 @@
               </p14:xfrm>
             </p:contentPart>
           </mc:Choice>
-          <mc:Fallback>
+          <mc:Fallback xmlns="">
             <p:pic>
               <p:nvPicPr>
                 <p:cNvPr id="75" name="インク 74">
@@ -12334,8 +12334,8 @@
             </p:pic>
           </mc:Fallback>
         </mc:AlternateContent>
-        <mc:AlternateContent xmlns:mc="http://schemas.openxmlformats.org/markup-compatibility/2006">
-          <mc:Choice xmlns:p14="http://schemas.microsoft.com/office/powerpoint/2010/main" Requires="p14">
+        <mc:AlternateContent xmlns:mc="http://schemas.openxmlformats.org/markup-compatibility/2006" xmlns:p14="http://schemas.microsoft.com/office/powerpoint/2010/main">
+          <mc:Choice Requires="p14">
             <p:contentPart p14:bwMode="auto" r:id="rId28">
               <p14:nvContentPartPr>
                 <p14:cNvPr id="76" name="インク 75">
@@ -12354,7 +12354,7 @@
               </p14:xfrm>
             </p:contentPart>
           </mc:Choice>
-          <mc:Fallback>
+          <mc:Fallback xmlns="">
             <p:pic>
               <p:nvPicPr>
                 <p:cNvPr id="76" name="インク 75">
@@ -12385,8 +12385,8 @@
             </p:pic>
           </mc:Fallback>
         </mc:AlternateContent>
-        <mc:AlternateContent xmlns:mc="http://schemas.openxmlformats.org/markup-compatibility/2006">
-          <mc:Choice xmlns:p14="http://schemas.microsoft.com/office/powerpoint/2010/main" Requires="p14">
+        <mc:AlternateContent xmlns:mc="http://schemas.openxmlformats.org/markup-compatibility/2006" xmlns:p14="http://schemas.microsoft.com/office/powerpoint/2010/main">
+          <mc:Choice Requires="p14">
             <p:contentPart p14:bwMode="auto" r:id="rId30">
               <p14:nvContentPartPr>
                 <p14:cNvPr id="77" name="インク 76">
@@ -12405,7 +12405,7 @@
               </p14:xfrm>
             </p:contentPart>
           </mc:Choice>
-          <mc:Fallback>
+          <mc:Fallback xmlns="">
             <p:pic>
               <p:nvPicPr>
                 <p:cNvPr id="77" name="インク 76">
@@ -12436,8 +12436,8 @@
             </p:pic>
           </mc:Fallback>
         </mc:AlternateContent>
-        <mc:AlternateContent xmlns:mc="http://schemas.openxmlformats.org/markup-compatibility/2006">
-          <mc:Choice xmlns:p14="http://schemas.microsoft.com/office/powerpoint/2010/main" Requires="p14">
+        <mc:AlternateContent xmlns:mc="http://schemas.openxmlformats.org/markup-compatibility/2006" xmlns:p14="http://schemas.microsoft.com/office/powerpoint/2010/main">
+          <mc:Choice Requires="p14">
             <p:contentPart p14:bwMode="auto" r:id="rId32">
               <p14:nvContentPartPr>
                 <p14:cNvPr id="78" name="インク 77">
@@ -12456,7 +12456,7 @@
               </p14:xfrm>
             </p:contentPart>
           </mc:Choice>
-          <mc:Fallback>
+          <mc:Fallback xmlns="">
             <p:pic>
               <p:nvPicPr>
                 <p:cNvPr id="78" name="インク 77">
@@ -12487,8 +12487,8 @@
             </p:pic>
           </mc:Fallback>
         </mc:AlternateContent>
-        <mc:AlternateContent xmlns:mc="http://schemas.openxmlformats.org/markup-compatibility/2006">
-          <mc:Choice xmlns:p14="http://schemas.microsoft.com/office/powerpoint/2010/main" Requires="p14">
+        <mc:AlternateContent xmlns:mc="http://schemas.openxmlformats.org/markup-compatibility/2006" xmlns:p14="http://schemas.microsoft.com/office/powerpoint/2010/main">
+          <mc:Choice Requires="p14">
             <p:contentPart p14:bwMode="auto" r:id="rId34">
               <p14:nvContentPartPr>
                 <p14:cNvPr id="79" name="インク 78">
@@ -12507,7 +12507,7 @@
               </p14:xfrm>
             </p:contentPart>
           </mc:Choice>
-          <mc:Fallback>
+          <mc:Fallback xmlns="">
             <p:pic>
               <p:nvPicPr>
                 <p:cNvPr id="79" name="インク 78">
@@ -12538,8 +12538,8 @@
             </p:pic>
           </mc:Fallback>
         </mc:AlternateContent>
-        <mc:AlternateContent xmlns:mc="http://schemas.openxmlformats.org/markup-compatibility/2006">
-          <mc:Choice xmlns:p14="http://schemas.microsoft.com/office/powerpoint/2010/main" Requires="p14">
+        <mc:AlternateContent xmlns:mc="http://schemas.openxmlformats.org/markup-compatibility/2006" xmlns:p14="http://schemas.microsoft.com/office/powerpoint/2010/main">
+          <mc:Choice Requires="p14">
             <p:contentPart p14:bwMode="auto" r:id="rId36">
               <p14:nvContentPartPr>
                 <p14:cNvPr id="80" name="インク 79">
@@ -12558,7 +12558,7 @@
               </p14:xfrm>
             </p:contentPart>
           </mc:Choice>
-          <mc:Fallback>
+          <mc:Fallback xmlns="">
             <p:pic>
               <p:nvPicPr>
                 <p:cNvPr id="80" name="インク 79">
@@ -12589,8 +12589,8 @@
             </p:pic>
           </mc:Fallback>
         </mc:AlternateContent>
-        <mc:AlternateContent xmlns:mc="http://schemas.openxmlformats.org/markup-compatibility/2006">
-          <mc:Choice xmlns:p14="http://schemas.microsoft.com/office/powerpoint/2010/main" Requires="p14">
+        <mc:AlternateContent xmlns:mc="http://schemas.openxmlformats.org/markup-compatibility/2006" xmlns:p14="http://schemas.microsoft.com/office/powerpoint/2010/main">
+          <mc:Choice Requires="p14">
             <p:contentPart p14:bwMode="auto" r:id="rId38">
               <p14:nvContentPartPr>
                 <p14:cNvPr id="81" name="インク 80">
@@ -12609,7 +12609,7 @@
               </p14:xfrm>
             </p:contentPart>
           </mc:Choice>
-          <mc:Fallback>
+          <mc:Fallback xmlns="">
             <p:pic>
               <p:nvPicPr>
                 <p:cNvPr id="81" name="インク 80">
@@ -12640,8 +12640,8 @@
             </p:pic>
           </mc:Fallback>
         </mc:AlternateContent>
-        <mc:AlternateContent xmlns:mc="http://schemas.openxmlformats.org/markup-compatibility/2006">
-          <mc:Choice xmlns:p14="http://schemas.microsoft.com/office/powerpoint/2010/main" Requires="p14">
+        <mc:AlternateContent xmlns:mc="http://schemas.openxmlformats.org/markup-compatibility/2006" xmlns:p14="http://schemas.microsoft.com/office/powerpoint/2010/main">
+          <mc:Choice Requires="p14">
             <p:contentPart p14:bwMode="auto" r:id="rId40">
               <p14:nvContentPartPr>
                 <p14:cNvPr id="82" name="インク 81">
@@ -12660,7 +12660,7 @@
               </p14:xfrm>
             </p:contentPart>
           </mc:Choice>
-          <mc:Fallback>
+          <mc:Fallback xmlns="">
             <p:pic>
               <p:nvPicPr>
                 <p:cNvPr id="82" name="インク 81">
@@ -12691,8 +12691,8 @@
             </p:pic>
           </mc:Fallback>
         </mc:AlternateContent>
-        <mc:AlternateContent xmlns:mc="http://schemas.openxmlformats.org/markup-compatibility/2006">
-          <mc:Choice xmlns:p14="http://schemas.microsoft.com/office/powerpoint/2010/main" Requires="p14">
+        <mc:AlternateContent xmlns:mc="http://schemas.openxmlformats.org/markup-compatibility/2006" xmlns:p14="http://schemas.microsoft.com/office/powerpoint/2010/main">
+          <mc:Choice Requires="p14">
             <p:contentPart p14:bwMode="auto" r:id="rId42">
               <p14:nvContentPartPr>
                 <p14:cNvPr id="83" name="インク 82">
@@ -12711,7 +12711,7 @@
               </p14:xfrm>
             </p:contentPart>
           </mc:Choice>
-          <mc:Fallback>
+          <mc:Fallback xmlns="">
             <p:pic>
               <p:nvPicPr>
                 <p:cNvPr id="83" name="インク 82">
@@ -12742,8 +12742,8 @@
             </p:pic>
           </mc:Fallback>
         </mc:AlternateContent>
-        <mc:AlternateContent xmlns:mc="http://schemas.openxmlformats.org/markup-compatibility/2006">
-          <mc:Choice xmlns:p14="http://schemas.microsoft.com/office/powerpoint/2010/main" Requires="p14">
+        <mc:AlternateContent xmlns:mc="http://schemas.openxmlformats.org/markup-compatibility/2006" xmlns:p14="http://schemas.microsoft.com/office/powerpoint/2010/main">
+          <mc:Choice Requires="p14">
             <p:contentPart p14:bwMode="auto" r:id="rId44">
               <p14:nvContentPartPr>
                 <p14:cNvPr id="84" name="インク 83">
@@ -12762,7 +12762,7 @@
               </p14:xfrm>
             </p:contentPart>
           </mc:Choice>
-          <mc:Fallback>
+          <mc:Fallback xmlns="">
             <p:pic>
               <p:nvPicPr>
                 <p:cNvPr id="84" name="インク 83">
@@ -12793,8 +12793,8 @@
             </p:pic>
           </mc:Fallback>
         </mc:AlternateContent>
-        <mc:AlternateContent xmlns:mc="http://schemas.openxmlformats.org/markup-compatibility/2006">
-          <mc:Choice xmlns:p14="http://schemas.microsoft.com/office/powerpoint/2010/main" Requires="p14">
+        <mc:AlternateContent xmlns:mc="http://schemas.openxmlformats.org/markup-compatibility/2006" xmlns:p14="http://schemas.microsoft.com/office/powerpoint/2010/main">
+          <mc:Choice Requires="p14">
             <p:contentPart p14:bwMode="auto" r:id="rId46">
               <p14:nvContentPartPr>
                 <p14:cNvPr id="85" name="インク 84">
@@ -12813,7 +12813,7 @@
               </p14:xfrm>
             </p:contentPart>
           </mc:Choice>
-          <mc:Fallback>
+          <mc:Fallback xmlns="">
             <p:pic>
               <p:nvPicPr>
                 <p:cNvPr id="85" name="インク 84">
@@ -12844,8 +12844,8 @@
             </p:pic>
           </mc:Fallback>
         </mc:AlternateContent>
-        <mc:AlternateContent xmlns:mc="http://schemas.openxmlformats.org/markup-compatibility/2006">
-          <mc:Choice xmlns:p14="http://schemas.microsoft.com/office/powerpoint/2010/main" Requires="p14">
+        <mc:AlternateContent xmlns:mc="http://schemas.openxmlformats.org/markup-compatibility/2006" xmlns:p14="http://schemas.microsoft.com/office/powerpoint/2010/main">
+          <mc:Choice Requires="p14">
             <p:contentPart p14:bwMode="auto" r:id="rId48">
               <p14:nvContentPartPr>
                 <p14:cNvPr id="86" name="インク 85">
@@ -12864,7 +12864,7 @@
               </p14:xfrm>
             </p:contentPart>
           </mc:Choice>
-          <mc:Fallback>
+          <mc:Fallback xmlns="">
             <p:pic>
               <p:nvPicPr>
                 <p:cNvPr id="86" name="インク 85">
@@ -12895,8 +12895,8 @@
             </p:pic>
           </mc:Fallback>
         </mc:AlternateContent>
-        <mc:AlternateContent xmlns:mc="http://schemas.openxmlformats.org/markup-compatibility/2006">
-          <mc:Choice xmlns:p14="http://schemas.microsoft.com/office/powerpoint/2010/main" Requires="p14">
+        <mc:AlternateContent xmlns:mc="http://schemas.openxmlformats.org/markup-compatibility/2006" xmlns:p14="http://schemas.microsoft.com/office/powerpoint/2010/main">
+          <mc:Choice Requires="p14">
             <p:contentPart p14:bwMode="auto" r:id="rId50">
               <p14:nvContentPartPr>
                 <p14:cNvPr id="88" name="インク 87">
@@ -12915,7 +12915,7 @@
               </p14:xfrm>
             </p:contentPart>
           </mc:Choice>
-          <mc:Fallback>
+          <mc:Fallback xmlns="">
             <p:pic>
               <p:nvPicPr>
                 <p:cNvPr id="88" name="インク 87">
@@ -12946,8 +12946,8 @@
             </p:pic>
           </mc:Fallback>
         </mc:AlternateContent>
-        <mc:AlternateContent xmlns:mc="http://schemas.openxmlformats.org/markup-compatibility/2006">
-          <mc:Choice xmlns:p14="http://schemas.microsoft.com/office/powerpoint/2010/main" Requires="p14">
+        <mc:AlternateContent xmlns:mc="http://schemas.openxmlformats.org/markup-compatibility/2006" xmlns:p14="http://schemas.microsoft.com/office/powerpoint/2010/main">
+          <mc:Choice Requires="p14">
             <p:contentPart p14:bwMode="auto" r:id="rId52">
               <p14:nvContentPartPr>
                 <p14:cNvPr id="89" name="インク 88">
@@ -12966,7 +12966,7 @@
               </p14:xfrm>
             </p:contentPart>
           </mc:Choice>
-          <mc:Fallback>
+          <mc:Fallback xmlns="">
             <p:pic>
               <p:nvPicPr>
                 <p:cNvPr id="89" name="インク 88">
@@ -12997,8 +12997,8 @@
             </p:pic>
           </mc:Fallback>
         </mc:AlternateContent>
-        <mc:AlternateContent xmlns:mc="http://schemas.openxmlformats.org/markup-compatibility/2006">
-          <mc:Choice xmlns:p14="http://schemas.microsoft.com/office/powerpoint/2010/main" Requires="p14">
+        <mc:AlternateContent xmlns:mc="http://schemas.openxmlformats.org/markup-compatibility/2006" xmlns:p14="http://schemas.microsoft.com/office/powerpoint/2010/main">
+          <mc:Choice Requires="p14">
             <p:contentPart p14:bwMode="auto" r:id="rId54">
               <p14:nvContentPartPr>
                 <p14:cNvPr id="90" name="インク 89">
@@ -13017,7 +13017,7 @@
               </p14:xfrm>
             </p:contentPart>
           </mc:Choice>
-          <mc:Fallback>
+          <mc:Fallback xmlns="">
             <p:pic>
               <p:nvPicPr>
                 <p:cNvPr id="90" name="インク 89">
@@ -13048,8 +13048,8 @@
             </p:pic>
           </mc:Fallback>
         </mc:AlternateContent>
-        <mc:AlternateContent xmlns:mc="http://schemas.openxmlformats.org/markup-compatibility/2006">
-          <mc:Choice xmlns:p14="http://schemas.microsoft.com/office/powerpoint/2010/main" Requires="p14">
+        <mc:AlternateContent xmlns:mc="http://schemas.openxmlformats.org/markup-compatibility/2006" xmlns:p14="http://schemas.microsoft.com/office/powerpoint/2010/main">
+          <mc:Choice Requires="p14">
             <p:contentPart p14:bwMode="auto" r:id="rId56">
               <p14:nvContentPartPr>
                 <p14:cNvPr id="91" name="インク 90">
@@ -13068,7 +13068,7 @@
               </p14:xfrm>
             </p:contentPart>
           </mc:Choice>
-          <mc:Fallback>
+          <mc:Fallback xmlns="">
             <p:pic>
               <p:nvPicPr>
                 <p:cNvPr id="91" name="インク 90">
@@ -13099,8 +13099,8 @@
             </p:pic>
           </mc:Fallback>
         </mc:AlternateContent>
-        <mc:AlternateContent xmlns:mc="http://schemas.openxmlformats.org/markup-compatibility/2006">
-          <mc:Choice xmlns:p14="http://schemas.microsoft.com/office/powerpoint/2010/main" Requires="p14">
+        <mc:AlternateContent xmlns:mc="http://schemas.openxmlformats.org/markup-compatibility/2006" xmlns:p14="http://schemas.microsoft.com/office/powerpoint/2010/main">
+          <mc:Choice Requires="p14">
             <p:contentPart p14:bwMode="auto" r:id="rId58">
               <p14:nvContentPartPr>
                 <p14:cNvPr id="92" name="インク 91">
@@ -13119,7 +13119,7 @@
               </p14:xfrm>
             </p:contentPart>
           </mc:Choice>
-          <mc:Fallback>
+          <mc:Fallback xmlns="">
             <p:pic>
               <p:nvPicPr>
                 <p:cNvPr id="92" name="インク 91">
@@ -13150,8 +13150,8 @@
             </p:pic>
           </mc:Fallback>
         </mc:AlternateContent>
-        <mc:AlternateContent xmlns:mc="http://schemas.openxmlformats.org/markup-compatibility/2006">
-          <mc:Choice xmlns:p14="http://schemas.microsoft.com/office/powerpoint/2010/main" Requires="p14">
+        <mc:AlternateContent xmlns:mc="http://schemas.openxmlformats.org/markup-compatibility/2006" xmlns:p14="http://schemas.microsoft.com/office/powerpoint/2010/main">
+          <mc:Choice Requires="p14">
             <p:contentPart p14:bwMode="auto" r:id="rId60">
               <p14:nvContentPartPr>
                 <p14:cNvPr id="93" name="インク 92">
@@ -13170,7 +13170,7 @@
               </p14:xfrm>
             </p:contentPart>
           </mc:Choice>
-          <mc:Fallback>
+          <mc:Fallback xmlns="">
             <p:pic>
               <p:nvPicPr>
                 <p:cNvPr id="93" name="インク 92">
@@ -13201,8 +13201,8 @@
             </p:pic>
           </mc:Fallback>
         </mc:AlternateContent>
-        <mc:AlternateContent xmlns:mc="http://schemas.openxmlformats.org/markup-compatibility/2006">
-          <mc:Choice xmlns:p14="http://schemas.microsoft.com/office/powerpoint/2010/main" Requires="p14">
+        <mc:AlternateContent xmlns:mc="http://schemas.openxmlformats.org/markup-compatibility/2006" xmlns:p14="http://schemas.microsoft.com/office/powerpoint/2010/main">
+          <mc:Choice Requires="p14">
             <p:contentPart p14:bwMode="auto" r:id="rId62">
               <p14:nvContentPartPr>
                 <p14:cNvPr id="94" name="インク 93">
@@ -13221,7 +13221,7 @@
               </p14:xfrm>
             </p:contentPart>
           </mc:Choice>
-          <mc:Fallback>
+          <mc:Fallback xmlns="">
             <p:pic>
               <p:nvPicPr>
                 <p:cNvPr id="94" name="インク 93">
@@ -13252,8 +13252,8 @@
             </p:pic>
           </mc:Fallback>
         </mc:AlternateContent>
-        <mc:AlternateContent xmlns:mc="http://schemas.openxmlformats.org/markup-compatibility/2006">
-          <mc:Choice xmlns:p14="http://schemas.microsoft.com/office/powerpoint/2010/main" Requires="p14">
+        <mc:AlternateContent xmlns:mc="http://schemas.openxmlformats.org/markup-compatibility/2006" xmlns:p14="http://schemas.microsoft.com/office/powerpoint/2010/main">
+          <mc:Choice Requires="p14">
             <p:contentPart p14:bwMode="auto" r:id="rId64">
               <p14:nvContentPartPr>
                 <p14:cNvPr id="95" name="インク 94">
@@ -13272,7 +13272,7 @@
               </p14:xfrm>
             </p:contentPart>
           </mc:Choice>
-          <mc:Fallback>
+          <mc:Fallback xmlns="">
             <p:pic>
               <p:nvPicPr>
                 <p:cNvPr id="95" name="インク 94">
@@ -13303,8 +13303,8 @@
             </p:pic>
           </mc:Fallback>
         </mc:AlternateContent>
-        <mc:AlternateContent xmlns:mc="http://schemas.openxmlformats.org/markup-compatibility/2006">
-          <mc:Choice xmlns:p14="http://schemas.microsoft.com/office/powerpoint/2010/main" Requires="p14">
+        <mc:AlternateContent xmlns:mc="http://schemas.openxmlformats.org/markup-compatibility/2006" xmlns:p14="http://schemas.microsoft.com/office/powerpoint/2010/main">
+          <mc:Choice Requires="p14">
             <p:contentPart p14:bwMode="auto" r:id="rId66">
               <p14:nvContentPartPr>
                 <p14:cNvPr id="96" name="インク 95">
@@ -13323,7 +13323,7 @@
               </p14:xfrm>
             </p:contentPart>
           </mc:Choice>
-          <mc:Fallback>
+          <mc:Fallback xmlns="">
             <p:pic>
               <p:nvPicPr>
                 <p:cNvPr id="96" name="インク 95">
@@ -13354,8 +13354,8 @@
             </p:pic>
           </mc:Fallback>
         </mc:AlternateContent>
-        <mc:AlternateContent xmlns:mc="http://schemas.openxmlformats.org/markup-compatibility/2006">
-          <mc:Choice xmlns:p14="http://schemas.microsoft.com/office/powerpoint/2010/main" Requires="p14">
+        <mc:AlternateContent xmlns:mc="http://schemas.openxmlformats.org/markup-compatibility/2006" xmlns:p14="http://schemas.microsoft.com/office/powerpoint/2010/main">
+          <mc:Choice Requires="p14">
             <p:contentPart p14:bwMode="auto" r:id="rId68">
               <p14:nvContentPartPr>
                 <p14:cNvPr id="97" name="インク 96">
@@ -13374,7 +13374,7 @@
               </p14:xfrm>
             </p:contentPart>
           </mc:Choice>
-          <mc:Fallback>
+          <mc:Fallback xmlns="">
             <p:pic>
               <p:nvPicPr>
                 <p:cNvPr id="97" name="インク 96">
@@ -13405,8 +13405,8 @@
             </p:pic>
           </mc:Fallback>
         </mc:AlternateContent>
-        <mc:AlternateContent xmlns:mc="http://schemas.openxmlformats.org/markup-compatibility/2006">
-          <mc:Choice xmlns:p14="http://schemas.microsoft.com/office/powerpoint/2010/main" Requires="p14">
+        <mc:AlternateContent xmlns:mc="http://schemas.openxmlformats.org/markup-compatibility/2006" xmlns:p14="http://schemas.microsoft.com/office/powerpoint/2010/main">
+          <mc:Choice Requires="p14">
             <p:contentPart p14:bwMode="auto" r:id="rId70">
               <p14:nvContentPartPr>
                 <p14:cNvPr id="98" name="インク 97">
@@ -13425,7 +13425,7 @@
               </p14:xfrm>
             </p:contentPart>
           </mc:Choice>
-          <mc:Fallback>
+          <mc:Fallback xmlns="">
             <p:pic>
               <p:nvPicPr>
                 <p:cNvPr id="98" name="インク 97">
@@ -13456,8 +13456,8 @@
             </p:pic>
           </mc:Fallback>
         </mc:AlternateContent>
-        <mc:AlternateContent xmlns:mc="http://schemas.openxmlformats.org/markup-compatibility/2006">
-          <mc:Choice xmlns:p14="http://schemas.microsoft.com/office/powerpoint/2010/main" Requires="p14">
+        <mc:AlternateContent xmlns:mc="http://schemas.openxmlformats.org/markup-compatibility/2006" xmlns:p14="http://schemas.microsoft.com/office/powerpoint/2010/main">
+          <mc:Choice Requires="p14">
             <p:contentPart p14:bwMode="auto" r:id="rId72">
               <p14:nvContentPartPr>
                 <p14:cNvPr id="99" name="インク 98">
@@ -13476,7 +13476,7 @@
               </p14:xfrm>
             </p:contentPart>
           </mc:Choice>
-          <mc:Fallback>
+          <mc:Fallback xmlns="">
             <p:pic>
               <p:nvPicPr>
                 <p:cNvPr id="99" name="インク 98">
@@ -13508,8 +13508,8 @@
           </mc:Fallback>
         </mc:AlternateContent>
       </p:grpSp>
-      <mc:AlternateContent xmlns:mc="http://schemas.openxmlformats.org/markup-compatibility/2006">
-        <mc:Choice xmlns:p14="http://schemas.microsoft.com/office/powerpoint/2010/main" Requires="p14">
+      <mc:AlternateContent xmlns:mc="http://schemas.openxmlformats.org/markup-compatibility/2006" xmlns:p14="http://schemas.microsoft.com/office/powerpoint/2010/main">
+        <mc:Choice Requires="p14">
           <p:contentPart p14:bwMode="auto" r:id="rId74">
             <p14:nvContentPartPr>
               <p14:cNvPr id="108" name="インク 107">
@@ -13528,7 +13528,7 @@
             </p14:xfrm>
           </p:contentPart>
         </mc:Choice>
-        <mc:Fallback>
+        <mc:Fallback xmlns="">
           <p:pic>
             <p:nvPicPr>
               <p:cNvPr id="108" name="インク 107">
@@ -13559,8 +13559,8 @@
           </p:pic>
         </mc:Fallback>
       </mc:AlternateContent>
-      <mc:AlternateContent xmlns:mc="http://schemas.openxmlformats.org/markup-compatibility/2006">
-        <mc:Choice xmlns:p14="http://schemas.microsoft.com/office/powerpoint/2010/main" Requires="p14">
+      <mc:AlternateContent xmlns:mc="http://schemas.openxmlformats.org/markup-compatibility/2006" xmlns:p14="http://schemas.microsoft.com/office/powerpoint/2010/main">
+        <mc:Choice Requires="p14">
           <p:contentPart p14:bwMode="auto" r:id="rId76">
             <p14:nvContentPartPr>
               <p14:cNvPr id="109" name="インク 108">
@@ -13579,7 +13579,7 @@
             </p14:xfrm>
           </p:contentPart>
         </mc:Choice>
-        <mc:Fallback>
+        <mc:Fallback xmlns="">
           <p:pic>
             <p:nvPicPr>
               <p:cNvPr id="109" name="インク 108">
@@ -13630,8 +13630,8 @@
             <a:chExt cx="1529139" cy="380880"/>
           </a:xfrm>
         </p:grpSpPr>
-        <mc:AlternateContent xmlns:mc="http://schemas.openxmlformats.org/markup-compatibility/2006">
-          <mc:Choice xmlns:p14="http://schemas.microsoft.com/office/powerpoint/2010/main" Requires="p14">
+        <mc:AlternateContent xmlns:mc="http://schemas.openxmlformats.org/markup-compatibility/2006" xmlns:p14="http://schemas.microsoft.com/office/powerpoint/2010/main">
+          <mc:Choice Requires="p14">
             <p:contentPart p14:bwMode="auto" r:id="rId78">
               <p14:nvContentPartPr>
                 <p14:cNvPr id="110" name="インク 109">
@@ -13650,7 +13650,7 @@
               </p14:xfrm>
             </p:contentPart>
           </mc:Choice>
-          <mc:Fallback>
+          <mc:Fallback xmlns="">
             <p:pic>
               <p:nvPicPr>
                 <p:cNvPr id="110" name="インク 109">
@@ -13681,8 +13681,8 @@
             </p:pic>
           </mc:Fallback>
         </mc:AlternateContent>
-        <mc:AlternateContent xmlns:mc="http://schemas.openxmlformats.org/markup-compatibility/2006">
-          <mc:Choice xmlns:p14="http://schemas.microsoft.com/office/powerpoint/2010/main" Requires="p14">
+        <mc:AlternateContent xmlns:mc="http://schemas.openxmlformats.org/markup-compatibility/2006" xmlns:p14="http://schemas.microsoft.com/office/powerpoint/2010/main">
+          <mc:Choice Requires="p14">
             <p:contentPart p14:bwMode="auto" r:id="rId80">
               <p14:nvContentPartPr>
                 <p14:cNvPr id="114" name="インク 113">
@@ -13701,7 +13701,7 @@
               </p14:xfrm>
             </p:contentPart>
           </mc:Choice>
-          <mc:Fallback>
+          <mc:Fallback xmlns="">
             <p:pic>
               <p:nvPicPr>
                 <p:cNvPr id="114" name="インク 113">
@@ -13732,8 +13732,8 @@
             </p:pic>
           </mc:Fallback>
         </mc:AlternateContent>
-        <mc:AlternateContent xmlns:mc="http://schemas.openxmlformats.org/markup-compatibility/2006">
-          <mc:Choice xmlns:p14="http://schemas.microsoft.com/office/powerpoint/2010/main" Requires="p14">
+        <mc:AlternateContent xmlns:mc="http://schemas.openxmlformats.org/markup-compatibility/2006" xmlns:p14="http://schemas.microsoft.com/office/powerpoint/2010/main">
+          <mc:Choice Requires="p14">
             <p:contentPart p14:bwMode="auto" r:id="rId82">
               <p14:nvContentPartPr>
                 <p14:cNvPr id="115" name="インク 114">
@@ -13752,7 +13752,7 @@
               </p14:xfrm>
             </p:contentPart>
           </mc:Choice>
-          <mc:Fallback>
+          <mc:Fallback xmlns="">
             <p:pic>
               <p:nvPicPr>
                 <p:cNvPr id="115" name="インク 114">
@@ -13783,8 +13783,8 @@
             </p:pic>
           </mc:Fallback>
         </mc:AlternateContent>
-        <mc:AlternateContent xmlns:mc="http://schemas.openxmlformats.org/markup-compatibility/2006">
-          <mc:Choice xmlns:p14="http://schemas.microsoft.com/office/powerpoint/2010/main" Requires="p14">
+        <mc:AlternateContent xmlns:mc="http://schemas.openxmlformats.org/markup-compatibility/2006" xmlns:p14="http://schemas.microsoft.com/office/powerpoint/2010/main">
+          <mc:Choice Requires="p14">
             <p:contentPart p14:bwMode="auto" r:id="rId84">
               <p14:nvContentPartPr>
                 <p14:cNvPr id="116" name="インク 115">
@@ -13803,7 +13803,7 @@
               </p14:xfrm>
             </p:contentPart>
           </mc:Choice>
-          <mc:Fallback>
+          <mc:Fallback xmlns="">
             <p:pic>
               <p:nvPicPr>
                 <p:cNvPr id="116" name="インク 115">
@@ -13834,8 +13834,8 @@
             </p:pic>
           </mc:Fallback>
         </mc:AlternateContent>
-        <mc:AlternateContent xmlns:mc="http://schemas.openxmlformats.org/markup-compatibility/2006">
-          <mc:Choice xmlns:p14="http://schemas.microsoft.com/office/powerpoint/2010/main" Requires="p14">
+        <mc:AlternateContent xmlns:mc="http://schemas.openxmlformats.org/markup-compatibility/2006" xmlns:p14="http://schemas.microsoft.com/office/powerpoint/2010/main">
+          <mc:Choice Requires="p14">
             <p:contentPart p14:bwMode="auto" r:id="rId86">
               <p14:nvContentPartPr>
                 <p14:cNvPr id="117" name="インク 116">
@@ -13854,7 +13854,7 @@
               </p14:xfrm>
             </p:contentPart>
           </mc:Choice>
-          <mc:Fallback>
+          <mc:Fallback xmlns="">
             <p:pic>
               <p:nvPicPr>
                 <p:cNvPr id="117" name="インク 116">
@@ -13885,8 +13885,8 @@
             </p:pic>
           </mc:Fallback>
         </mc:AlternateContent>
-        <mc:AlternateContent xmlns:mc="http://schemas.openxmlformats.org/markup-compatibility/2006">
-          <mc:Choice xmlns:p14="http://schemas.microsoft.com/office/powerpoint/2010/main" Requires="p14">
+        <mc:AlternateContent xmlns:mc="http://schemas.openxmlformats.org/markup-compatibility/2006" xmlns:p14="http://schemas.microsoft.com/office/powerpoint/2010/main">
+          <mc:Choice Requires="p14">
             <p:contentPart p14:bwMode="auto" r:id="rId88">
               <p14:nvContentPartPr>
                 <p14:cNvPr id="118" name="インク 117">
@@ -13905,7 +13905,7 @@
               </p14:xfrm>
             </p:contentPart>
           </mc:Choice>
-          <mc:Fallback>
+          <mc:Fallback xmlns="">
             <p:pic>
               <p:nvPicPr>
                 <p:cNvPr id="118" name="インク 117">
@@ -13936,8 +13936,8 @@
             </p:pic>
           </mc:Fallback>
         </mc:AlternateContent>
-        <mc:AlternateContent xmlns:mc="http://schemas.openxmlformats.org/markup-compatibility/2006">
-          <mc:Choice xmlns:p14="http://schemas.microsoft.com/office/powerpoint/2010/main" Requires="p14">
+        <mc:AlternateContent xmlns:mc="http://schemas.openxmlformats.org/markup-compatibility/2006" xmlns:p14="http://schemas.microsoft.com/office/powerpoint/2010/main">
+          <mc:Choice Requires="p14">
             <p:contentPart p14:bwMode="auto" r:id="rId90">
               <p14:nvContentPartPr>
                 <p14:cNvPr id="119" name="インク 118">
@@ -13956,7 +13956,7 @@
               </p14:xfrm>
             </p:contentPart>
           </mc:Choice>
-          <mc:Fallback>
+          <mc:Fallback xmlns="">
             <p:pic>
               <p:nvPicPr>
                 <p:cNvPr id="119" name="インク 118">
@@ -13987,8 +13987,8 @@
             </p:pic>
           </mc:Fallback>
         </mc:AlternateContent>
-        <mc:AlternateContent xmlns:mc="http://schemas.openxmlformats.org/markup-compatibility/2006">
-          <mc:Choice xmlns:p14="http://schemas.microsoft.com/office/powerpoint/2010/main" Requires="p14">
+        <mc:AlternateContent xmlns:mc="http://schemas.openxmlformats.org/markup-compatibility/2006" xmlns:p14="http://schemas.microsoft.com/office/powerpoint/2010/main">
+          <mc:Choice Requires="p14">
             <p:contentPart p14:bwMode="auto" r:id="rId92">
               <p14:nvContentPartPr>
                 <p14:cNvPr id="120" name="インク 119">
@@ -14007,7 +14007,7 @@
               </p14:xfrm>
             </p:contentPart>
           </mc:Choice>
-          <mc:Fallback>
+          <mc:Fallback xmlns="">
             <p:pic>
               <p:nvPicPr>
                 <p:cNvPr id="120" name="インク 119">
@@ -14038,8 +14038,8 @@
             </p:pic>
           </mc:Fallback>
         </mc:AlternateContent>
-        <mc:AlternateContent xmlns:mc="http://schemas.openxmlformats.org/markup-compatibility/2006">
-          <mc:Choice xmlns:p14="http://schemas.microsoft.com/office/powerpoint/2010/main" Requires="p14">
+        <mc:AlternateContent xmlns:mc="http://schemas.openxmlformats.org/markup-compatibility/2006" xmlns:p14="http://schemas.microsoft.com/office/powerpoint/2010/main">
+          <mc:Choice Requires="p14">
             <p:contentPart p14:bwMode="auto" r:id="rId94">
               <p14:nvContentPartPr>
                 <p14:cNvPr id="121" name="インク 120">
@@ -14058,7 +14058,7 @@
               </p14:xfrm>
             </p:contentPart>
           </mc:Choice>
-          <mc:Fallback>
+          <mc:Fallback xmlns="">
             <p:pic>
               <p:nvPicPr>
                 <p:cNvPr id="121" name="インク 120">
@@ -14110,8 +14110,8 @@
             <a:chExt cx="528480" cy="232200"/>
           </a:xfrm>
         </p:grpSpPr>
-        <mc:AlternateContent xmlns:mc="http://schemas.openxmlformats.org/markup-compatibility/2006">
-          <mc:Choice xmlns:p14="http://schemas.microsoft.com/office/powerpoint/2010/main" Requires="p14">
+        <mc:AlternateContent xmlns:mc="http://schemas.openxmlformats.org/markup-compatibility/2006" xmlns:p14="http://schemas.microsoft.com/office/powerpoint/2010/main">
+          <mc:Choice Requires="p14">
             <p:contentPart p14:bwMode="auto" r:id="rId96">
               <p14:nvContentPartPr>
                 <p14:cNvPr id="123" name="インク 122">
@@ -14130,7 +14130,7 @@
               </p14:xfrm>
             </p:contentPart>
           </mc:Choice>
-          <mc:Fallback>
+          <mc:Fallback xmlns="">
             <p:pic>
               <p:nvPicPr>
                 <p:cNvPr id="123" name="インク 122">
@@ -14161,8 +14161,8 @@
             </p:pic>
           </mc:Fallback>
         </mc:AlternateContent>
-        <mc:AlternateContent xmlns:mc="http://schemas.openxmlformats.org/markup-compatibility/2006">
-          <mc:Choice xmlns:p14="http://schemas.microsoft.com/office/powerpoint/2010/main" Requires="p14">
+        <mc:AlternateContent xmlns:mc="http://schemas.openxmlformats.org/markup-compatibility/2006" xmlns:p14="http://schemas.microsoft.com/office/powerpoint/2010/main">
+          <mc:Choice Requires="p14">
             <p:contentPart p14:bwMode="auto" r:id="rId98">
               <p14:nvContentPartPr>
                 <p14:cNvPr id="124" name="インク 123">
@@ -14181,7 +14181,7 @@
               </p14:xfrm>
             </p:contentPart>
           </mc:Choice>
-          <mc:Fallback>
+          <mc:Fallback xmlns="">
             <p:pic>
               <p:nvPicPr>
                 <p:cNvPr id="124" name="インク 123">
@@ -14233,8 +14233,8 @@
             <a:chExt cx="1493280" cy="677160"/>
           </a:xfrm>
         </p:grpSpPr>
-        <mc:AlternateContent xmlns:mc="http://schemas.openxmlformats.org/markup-compatibility/2006">
-          <mc:Choice xmlns:p14="http://schemas.microsoft.com/office/powerpoint/2010/main" Requires="p14">
+        <mc:AlternateContent xmlns:mc="http://schemas.openxmlformats.org/markup-compatibility/2006" xmlns:p14="http://schemas.microsoft.com/office/powerpoint/2010/main">
+          <mc:Choice Requires="p14">
             <p:contentPart p14:bwMode="auto" r:id="rId100">
               <p14:nvContentPartPr>
                 <p14:cNvPr id="126" name="インク 125">
@@ -14253,7 +14253,7 @@
               </p14:xfrm>
             </p:contentPart>
           </mc:Choice>
-          <mc:Fallback>
+          <mc:Fallback xmlns="">
             <p:pic>
               <p:nvPicPr>
                 <p:cNvPr id="126" name="インク 125">
@@ -14284,8 +14284,8 @@
             </p:pic>
           </mc:Fallback>
         </mc:AlternateContent>
-        <mc:AlternateContent xmlns:mc="http://schemas.openxmlformats.org/markup-compatibility/2006">
-          <mc:Choice xmlns:p14="http://schemas.microsoft.com/office/powerpoint/2010/main" Requires="p14">
+        <mc:AlternateContent xmlns:mc="http://schemas.openxmlformats.org/markup-compatibility/2006" xmlns:p14="http://schemas.microsoft.com/office/powerpoint/2010/main">
+          <mc:Choice Requires="p14">
             <p:contentPart p14:bwMode="auto" r:id="rId102">
               <p14:nvContentPartPr>
                 <p14:cNvPr id="127" name="インク 126">
@@ -14304,7 +14304,7 @@
               </p14:xfrm>
             </p:contentPart>
           </mc:Choice>
-          <mc:Fallback>
+          <mc:Fallback xmlns="">
             <p:pic>
               <p:nvPicPr>
                 <p:cNvPr id="127" name="インク 126">
@@ -14335,8 +14335,8 @@
             </p:pic>
           </mc:Fallback>
         </mc:AlternateContent>
-        <mc:AlternateContent xmlns:mc="http://schemas.openxmlformats.org/markup-compatibility/2006">
-          <mc:Choice xmlns:p14="http://schemas.microsoft.com/office/powerpoint/2010/main" Requires="p14">
+        <mc:AlternateContent xmlns:mc="http://schemas.openxmlformats.org/markup-compatibility/2006" xmlns:p14="http://schemas.microsoft.com/office/powerpoint/2010/main">
+          <mc:Choice Requires="p14">
             <p:contentPart p14:bwMode="auto" r:id="rId104">
               <p14:nvContentPartPr>
                 <p14:cNvPr id="128" name="インク 127">
@@ -14355,7 +14355,7 @@
               </p14:xfrm>
             </p:contentPart>
           </mc:Choice>
-          <mc:Fallback>
+          <mc:Fallback xmlns="">
             <p:pic>
               <p:nvPicPr>
                 <p:cNvPr id="128" name="インク 127">
@@ -14386,8 +14386,8 @@
             </p:pic>
           </mc:Fallback>
         </mc:AlternateContent>
-        <mc:AlternateContent xmlns:mc="http://schemas.openxmlformats.org/markup-compatibility/2006">
-          <mc:Choice xmlns:p14="http://schemas.microsoft.com/office/powerpoint/2010/main" Requires="p14">
+        <mc:AlternateContent xmlns:mc="http://schemas.openxmlformats.org/markup-compatibility/2006" xmlns:p14="http://schemas.microsoft.com/office/powerpoint/2010/main">
+          <mc:Choice Requires="p14">
             <p:contentPart p14:bwMode="auto" r:id="rId106">
               <p14:nvContentPartPr>
                 <p14:cNvPr id="129" name="インク 128">
@@ -14406,7 +14406,7 @@
               </p14:xfrm>
             </p:contentPart>
           </mc:Choice>
-          <mc:Fallback>
+          <mc:Fallback xmlns="">
             <p:pic>
               <p:nvPicPr>
                 <p:cNvPr id="129" name="インク 128">
@@ -14437,8 +14437,8 @@
             </p:pic>
           </mc:Fallback>
         </mc:AlternateContent>
-        <mc:AlternateContent xmlns:mc="http://schemas.openxmlformats.org/markup-compatibility/2006">
-          <mc:Choice xmlns:p14="http://schemas.microsoft.com/office/powerpoint/2010/main" Requires="p14">
+        <mc:AlternateContent xmlns:mc="http://schemas.openxmlformats.org/markup-compatibility/2006" xmlns:p14="http://schemas.microsoft.com/office/powerpoint/2010/main">
+          <mc:Choice Requires="p14">
             <p:contentPart p14:bwMode="auto" r:id="rId108">
               <p14:nvContentPartPr>
                 <p14:cNvPr id="130" name="インク 129">
@@ -14457,7 +14457,7 @@
               </p14:xfrm>
             </p:contentPart>
           </mc:Choice>
-          <mc:Fallback>
+          <mc:Fallback xmlns="">
             <p:pic>
               <p:nvPicPr>
                 <p:cNvPr id="130" name="インク 129">
@@ -14488,8 +14488,8 @@
             </p:pic>
           </mc:Fallback>
         </mc:AlternateContent>
-        <mc:AlternateContent xmlns:mc="http://schemas.openxmlformats.org/markup-compatibility/2006">
-          <mc:Choice xmlns:p14="http://schemas.microsoft.com/office/powerpoint/2010/main" Requires="p14">
+        <mc:AlternateContent xmlns:mc="http://schemas.openxmlformats.org/markup-compatibility/2006" xmlns:p14="http://schemas.microsoft.com/office/powerpoint/2010/main">
+          <mc:Choice Requires="p14">
             <p:contentPart p14:bwMode="auto" r:id="rId110">
               <p14:nvContentPartPr>
                 <p14:cNvPr id="131" name="インク 130">
@@ -14508,7 +14508,7 @@
               </p14:xfrm>
             </p:contentPart>
           </mc:Choice>
-          <mc:Fallback>
+          <mc:Fallback xmlns="">
             <p:pic>
               <p:nvPicPr>
                 <p:cNvPr id="131" name="インク 130">
@@ -14539,8 +14539,8 @@
             </p:pic>
           </mc:Fallback>
         </mc:AlternateContent>
-        <mc:AlternateContent xmlns:mc="http://schemas.openxmlformats.org/markup-compatibility/2006">
-          <mc:Choice xmlns:p14="http://schemas.microsoft.com/office/powerpoint/2010/main" Requires="p14">
+        <mc:AlternateContent xmlns:mc="http://schemas.openxmlformats.org/markup-compatibility/2006" xmlns:p14="http://schemas.microsoft.com/office/powerpoint/2010/main">
+          <mc:Choice Requires="p14">
             <p:contentPart p14:bwMode="auto" r:id="rId112">
               <p14:nvContentPartPr>
                 <p14:cNvPr id="132" name="インク 131">
@@ -14559,7 +14559,7 @@
               </p14:xfrm>
             </p:contentPart>
           </mc:Choice>
-          <mc:Fallback>
+          <mc:Fallback xmlns="">
             <p:pic>
               <p:nvPicPr>
                 <p:cNvPr id="132" name="インク 131">
@@ -14590,8 +14590,8 @@
             </p:pic>
           </mc:Fallback>
         </mc:AlternateContent>
-        <mc:AlternateContent xmlns:mc="http://schemas.openxmlformats.org/markup-compatibility/2006">
-          <mc:Choice xmlns:p14="http://schemas.microsoft.com/office/powerpoint/2010/main" Requires="p14">
+        <mc:AlternateContent xmlns:mc="http://schemas.openxmlformats.org/markup-compatibility/2006" xmlns:p14="http://schemas.microsoft.com/office/powerpoint/2010/main">
+          <mc:Choice Requires="p14">
             <p:contentPart p14:bwMode="auto" r:id="rId114">
               <p14:nvContentPartPr>
                 <p14:cNvPr id="134" name="インク 133">
@@ -14610,7 +14610,7 @@
               </p14:xfrm>
             </p:contentPart>
           </mc:Choice>
-          <mc:Fallback>
+          <mc:Fallback xmlns="">
             <p:pic>
               <p:nvPicPr>
                 <p:cNvPr id="134" name="インク 133">
@@ -14641,8 +14641,8 @@
             </p:pic>
           </mc:Fallback>
         </mc:AlternateContent>
-        <mc:AlternateContent xmlns:mc="http://schemas.openxmlformats.org/markup-compatibility/2006">
-          <mc:Choice xmlns:p14="http://schemas.microsoft.com/office/powerpoint/2010/main" Requires="p14">
+        <mc:AlternateContent xmlns:mc="http://schemas.openxmlformats.org/markup-compatibility/2006" xmlns:p14="http://schemas.microsoft.com/office/powerpoint/2010/main">
+          <mc:Choice Requires="p14">
             <p:contentPart p14:bwMode="auto" r:id="rId116">
               <p14:nvContentPartPr>
                 <p14:cNvPr id="135" name="インク 134">
@@ -14661,7 +14661,7 @@
               </p14:xfrm>
             </p:contentPart>
           </mc:Choice>
-          <mc:Fallback>
+          <mc:Fallback xmlns="">
             <p:pic>
               <p:nvPicPr>
                 <p:cNvPr id="135" name="インク 134">
@@ -14692,8 +14692,8 @@
             </p:pic>
           </mc:Fallback>
         </mc:AlternateContent>
-        <mc:AlternateContent xmlns:mc="http://schemas.openxmlformats.org/markup-compatibility/2006">
-          <mc:Choice xmlns:p14="http://schemas.microsoft.com/office/powerpoint/2010/main" Requires="p14">
+        <mc:AlternateContent xmlns:mc="http://schemas.openxmlformats.org/markup-compatibility/2006" xmlns:p14="http://schemas.microsoft.com/office/powerpoint/2010/main">
+          <mc:Choice Requires="p14">
             <p:contentPart p14:bwMode="auto" r:id="rId118">
               <p14:nvContentPartPr>
                 <p14:cNvPr id="136" name="インク 135">
@@ -14712,7 +14712,7 @@
               </p14:xfrm>
             </p:contentPart>
           </mc:Choice>
-          <mc:Fallback>
+          <mc:Fallback xmlns="">
             <p:pic>
               <p:nvPicPr>
                 <p:cNvPr id="136" name="インク 135">
@@ -14743,8 +14743,8 @@
             </p:pic>
           </mc:Fallback>
         </mc:AlternateContent>
-        <mc:AlternateContent xmlns:mc="http://schemas.openxmlformats.org/markup-compatibility/2006">
-          <mc:Choice xmlns:p14="http://schemas.microsoft.com/office/powerpoint/2010/main" Requires="p14">
+        <mc:AlternateContent xmlns:mc="http://schemas.openxmlformats.org/markup-compatibility/2006" xmlns:p14="http://schemas.microsoft.com/office/powerpoint/2010/main">
+          <mc:Choice Requires="p14">
             <p:contentPart p14:bwMode="auto" r:id="rId120">
               <p14:nvContentPartPr>
                 <p14:cNvPr id="137" name="インク 136">
@@ -14763,7 +14763,7 @@
               </p14:xfrm>
             </p:contentPart>
           </mc:Choice>
-          <mc:Fallback>
+          <mc:Fallback xmlns="">
             <p:pic>
               <p:nvPicPr>
                 <p:cNvPr id="137" name="インク 136">
@@ -14794,8 +14794,8 @@
             </p:pic>
           </mc:Fallback>
         </mc:AlternateContent>
-        <mc:AlternateContent xmlns:mc="http://schemas.openxmlformats.org/markup-compatibility/2006">
-          <mc:Choice xmlns:p14="http://schemas.microsoft.com/office/powerpoint/2010/main" Requires="p14">
+        <mc:AlternateContent xmlns:mc="http://schemas.openxmlformats.org/markup-compatibility/2006" xmlns:p14="http://schemas.microsoft.com/office/powerpoint/2010/main">
+          <mc:Choice Requires="p14">
             <p:contentPart p14:bwMode="auto" r:id="rId122">
               <p14:nvContentPartPr>
                 <p14:cNvPr id="138" name="インク 137">
@@ -14814,7 +14814,7 @@
               </p14:xfrm>
             </p:contentPart>
           </mc:Choice>
-          <mc:Fallback>
+          <mc:Fallback xmlns="">
             <p:pic>
               <p:nvPicPr>
                 <p:cNvPr id="138" name="インク 137">
@@ -14845,8 +14845,8 @@
             </p:pic>
           </mc:Fallback>
         </mc:AlternateContent>
-        <mc:AlternateContent xmlns:mc="http://schemas.openxmlformats.org/markup-compatibility/2006">
-          <mc:Choice xmlns:p14="http://schemas.microsoft.com/office/powerpoint/2010/main" Requires="p14">
+        <mc:AlternateContent xmlns:mc="http://schemas.openxmlformats.org/markup-compatibility/2006" xmlns:p14="http://schemas.microsoft.com/office/powerpoint/2010/main">
+          <mc:Choice Requires="p14">
             <p:contentPart p14:bwMode="auto" r:id="rId124">
               <p14:nvContentPartPr>
                 <p14:cNvPr id="139" name="インク 138">
@@ -14865,7 +14865,7 @@
               </p14:xfrm>
             </p:contentPart>
           </mc:Choice>
-          <mc:Fallback>
+          <mc:Fallback xmlns="">
             <p:pic>
               <p:nvPicPr>
                 <p:cNvPr id="139" name="インク 138">
@@ -14896,8 +14896,8 @@
             </p:pic>
           </mc:Fallback>
         </mc:AlternateContent>
-        <mc:AlternateContent xmlns:mc="http://schemas.openxmlformats.org/markup-compatibility/2006">
-          <mc:Choice xmlns:p14="http://schemas.microsoft.com/office/powerpoint/2010/main" Requires="p14">
+        <mc:AlternateContent xmlns:mc="http://schemas.openxmlformats.org/markup-compatibility/2006" xmlns:p14="http://schemas.microsoft.com/office/powerpoint/2010/main">
+          <mc:Choice Requires="p14">
             <p:contentPart p14:bwMode="auto" r:id="rId126">
               <p14:nvContentPartPr>
                 <p14:cNvPr id="140" name="インク 139">
@@ -14916,7 +14916,7 @@
               </p14:xfrm>
             </p:contentPart>
           </mc:Choice>
-          <mc:Fallback>
+          <mc:Fallback xmlns="">
             <p:pic>
               <p:nvPicPr>
                 <p:cNvPr id="140" name="インク 139">
@@ -14947,8 +14947,8 @@
             </p:pic>
           </mc:Fallback>
         </mc:AlternateContent>
-        <mc:AlternateContent xmlns:mc="http://schemas.openxmlformats.org/markup-compatibility/2006">
-          <mc:Choice xmlns:p14="http://schemas.microsoft.com/office/powerpoint/2010/main" Requires="p14">
+        <mc:AlternateContent xmlns:mc="http://schemas.openxmlformats.org/markup-compatibility/2006" xmlns:p14="http://schemas.microsoft.com/office/powerpoint/2010/main">
+          <mc:Choice Requires="p14">
             <p:contentPart p14:bwMode="auto" r:id="rId128">
               <p14:nvContentPartPr>
                 <p14:cNvPr id="141" name="インク 140">
@@ -14967,7 +14967,7 @@
               </p14:xfrm>
             </p:contentPart>
           </mc:Choice>
-          <mc:Fallback>
+          <mc:Fallback xmlns="">
             <p:pic>
               <p:nvPicPr>
                 <p:cNvPr id="141" name="インク 140">
@@ -14998,8 +14998,8 @@
             </p:pic>
           </mc:Fallback>
         </mc:AlternateContent>
-        <mc:AlternateContent xmlns:mc="http://schemas.openxmlformats.org/markup-compatibility/2006">
-          <mc:Choice xmlns:p14="http://schemas.microsoft.com/office/powerpoint/2010/main" Requires="p14">
+        <mc:AlternateContent xmlns:mc="http://schemas.openxmlformats.org/markup-compatibility/2006" xmlns:p14="http://schemas.microsoft.com/office/powerpoint/2010/main">
+          <mc:Choice Requires="p14">
             <p:contentPart p14:bwMode="auto" r:id="rId130">
               <p14:nvContentPartPr>
                 <p14:cNvPr id="142" name="インク 141">
@@ -15018,7 +15018,7 @@
               </p14:xfrm>
             </p:contentPart>
           </mc:Choice>
-          <mc:Fallback>
+          <mc:Fallback xmlns="">
             <p:pic>
               <p:nvPicPr>
                 <p:cNvPr id="142" name="インク 141">
@@ -15049,8 +15049,8 @@
             </p:pic>
           </mc:Fallback>
         </mc:AlternateContent>
-        <mc:AlternateContent xmlns:mc="http://schemas.openxmlformats.org/markup-compatibility/2006">
-          <mc:Choice xmlns:p14="http://schemas.microsoft.com/office/powerpoint/2010/main" Requires="p14">
+        <mc:AlternateContent xmlns:mc="http://schemas.openxmlformats.org/markup-compatibility/2006" xmlns:p14="http://schemas.microsoft.com/office/powerpoint/2010/main">
+          <mc:Choice Requires="p14">
             <p:contentPart p14:bwMode="auto" r:id="rId132">
               <p14:nvContentPartPr>
                 <p14:cNvPr id="143" name="インク 142">
@@ -15069,7 +15069,7 @@
               </p14:xfrm>
             </p:contentPart>
           </mc:Choice>
-          <mc:Fallback>
+          <mc:Fallback xmlns="">
             <p:pic>
               <p:nvPicPr>
                 <p:cNvPr id="143" name="インク 142">
@@ -15121,8 +15121,8 @@
             <a:chExt cx="1071000" cy="392760"/>
           </a:xfrm>
         </p:grpSpPr>
-        <mc:AlternateContent xmlns:mc="http://schemas.openxmlformats.org/markup-compatibility/2006">
-          <mc:Choice xmlns:p14="http://schemas.microsoft.com/office/powerpoint/2010/main" Requires="p14">
+        <mc:AlternateContent xmlns:mc="http://schemas.openxmlformats.org/markup-compatibility/2006" xmlns:p14="http://schemas.microsoft.com/office/powerpoint/2010/main">
+          <mc:Choice Requires="p14">
             <p:contentPart p14:bwMode="auto" r:id="rId134">
               <p14:nvContentPartPr>
                 <p14:cNvPr id="145" name="インク 144">
@@ -15141,7 +15141,7 @@
               </p14:xfrm>
             </p:contentPart>
           </mc:Choice>
-          <mc:Fallback>
+          <mc:Fallback xmlns="">
             <p:pic>
               <p:nvPicPr>
                 <p:cNvPr id="145" name="インク 144">
@@ -15172,8 +15172,8 @@
             </p:pic>
           </mc:Fallback>
         </mc:AlternateContent>
-        <mc:AlternateContent xmlns:mc="http://schemas.openxmlformats.org/markup-compatibility/2006">
-          <mc:Choice xmlns:p14="http://schemas.microsoft.com/office/powerpoint/2010/main" Requires="p14">
+        <mc:AlternateContent xmlns:mc="http://schemas.openxmlformats.org/markup-compatibility/2006" xmlns:p14="http://schemas.microsoft.com/office/powerpoint/2010/main">
+          <mc:Choice Requires="p14">
             <p:contentPart p14:bwMode="auto" r:id="rId136">
               <p14:nvContentPartPr>
                 <p14:cNvPr id="146" name="インク 145">
@@ -15192,7 +15192,7 @@
               </p14:xfrm>
             </p:contentPart>
           </mc:Choice>
-          <mc:Fallback>
+          <mc:Fallback xmlns="">
             <p:pic>
               <p:nvPicPr>
                 <p:cNvPr id="146" name="インク 145">
@@ -15244,8 +15244,8 @@
             <a:chExt cx="1335600" cy="372960"/>
           </a:xfrm>
         </p:grpSpPr>
-        <mc:AlternateContent xmlns:mc="http://schemas.openxmlformats.org/markup-compatibility/2006">
-          <mc:Choice xmlns:p14="http://schemas.microsoft.com/office/powerpoint/2010/main" Requires="p14">
+        <mc:AlternateContent xmlns:mc="http://schemas.openxmlformats.org/markup-compatibility/2006" xmlns:p14="http://schemas.microsoft.com/office/powerpoint/2010/main">
+          <mc:Choice Requires="p14">
             <p:contentPart p14:bwMode="auto" r:id="rId138">
               <p14:nvContentPartPr>
                 <p14:cNvPr id="148" name="インク 147">
@@ -15264,7 +15264,7 @@
               </p14:xfrm>
             </p:contentPart>
           </mc:Choice>
-          <mc:Fallback>
+          <mc:Fallback xmlns="">
             <p:pic>
               <p:nvPicPr>
                 <p:cNvPr id="148" name="インク 147">
@@ -15295,8 +15295,8 @@
             </p:pic>
           </mc:Fallback>
         </mc:AlternateContent>
-        <mc:AlternateContent xmlns:mc="http://schemas.openxmlformats.org/markup-compatibility/2006">
-          <mc:Choice xmlns:p14="http://schemas.microsoft.com/office/powerpoint/2010/main" Requires="p14">
+        <mc:AlternateContent xmlns:mc="http://schemas.openxmlformats.org/markup-compatibility/2006" xmlns:p14="http://schemas.microsoft.com/office/powerpoint/2010/main">
+          <mc:Choice Requires="p14">
             <p:contentPart p14:bwMode="auto" r:id="rId140">
               <p14:nvContentPartPr>
                 <p14:cNvPr id="149" name="インク 148">
@@ -15315,7 +15315,7 @@
               </p14:xfrm>
             </p:contentPart>
           </mc:Choice>
-          <mc:Fallback>
+          <mc:Fallback xmlns="">
             <p:pic>
               <p:nvPicPr>
                 <p:cNvPr id="149" name="インク 148">
@@ -15346,8 +15346,8 @@
             </p:pic>
           </mc:Fallback>
         </mc:AlternateContent>
-        <mc:AlternateContent xmlns:mc="http://schemas.openxmlformats.org/markup-compatibility/2006">
-          <mc:Choice xmlns:p14="http://schemas.microsoft.com/office/powerpoint/2010/main" Requires="p14">
+        <mc:AlternateContent xmlns:mc="http://schemas.openxmlformats.org/markup-compatibility/2006" xmlns:p14="http://schemas.microsoft.com/office/powerpoint/2010/main">
+          <mc:Choice Requires="p14">
             <p:contentPart p14:bwMode="auto" r:id="rId142">
               <p14:nvContentPartPr>
                 <p14:cNvPr id="151" name="インク 150">
@@ -15366,7 +15366,7 @@
               </p14:xfrm>
             </p:contentPart>
           </mc:Choice>
-          <mc:Fallback>
+          <mc:Fallback xmlns="">
             <p:pic>
               <p:nvPicPr>
                 <p:cNvPr id="151" name="インク 150">
@@ -15418,8 +15418,8 @@
             <a:chExt cx="2160720" cy="378720"/>
           </a:xfrm>
         </p:grpSpPr>
-        <mc:AlternateContent xmlns:mc="http://schemas.openxmlformats.org/markup-compatibility/2006">
-          <mc:Choice xmlns:p14="http://schemas.microsoft.com/office/powerpoint/2010/main" Requires="p14">
+        <mc:AlternateContent xmlns:mc="http://schemas.openxmlformats.org/markup-compatibility/2006" xmlns:p14="http://schemas.microsoft.com/office/powerpoint/2010/main">
+          <mc:Choice Requires="p14">
             <p:contentPart p14:bwMode="auto" r:id="rId144">
               <p14:nvContentPartPr>
                 <p14:cNvPr id="156" name="インク 155">
@@ -15438,7 +15438,7 @@
               </p14:xfrm>
             </p:contentPart>
           </mc:Choice>
-          <mc:Fallback>
+          <mc:Fallback xmlns="">
             <p:pic>
               <p:nvPicPr>
                 <p:cNvPr id="156" name="インク 155">
@@ -15469,8 +15469,8 @@
             </p:pic>
           </mc:Fallback>
         </mc:AlternateContent>
-        <mc:AlternateContent xmlns:mc="http://schemas.openxmlformats.org/markup-compatibility/2006">
-          <mc:Choice xmlns:p14="http://schemas.microsoft.com/office/powerpoint/2010/main" Requires="p14">
+        <mc:AlternateContent xmlns:mc="http://schemas.openxmlformats.org/markup-compatibility/2006" xmlns:p14="http://schemas.microsoft.com/office/powerpoint/2010/main">
+          <mc:Choice Requires="p14">
             <p:contentPart p14:bwMode="auto" r:id="rId146">
               <p14:nvContentPartPr>
                 <p14:cNvPr id="157" name="インク 156">
@@ -15489,7 +15489,7 @@
               </p14:xfrm>
             </p:contentPart>
           </mc:Choice>
-          <mc:Fallback>
+          <mc:Fallback xmlns="">
             <p:pic>
               <p:nvPicPr>
                 <p:cNvPr id="157" name="インク 156">
@@ -15520,8 +15520,8 @@
             </p:pic>
           </mc:Fallback>
         </mc:AlternateContent>
-        <mc:AlternateContent xmlns:mc="http://schemas.openxmlformats.org/markup-compatibility/2006">
-          <mc:Choice xmlns:p14="http://schemas.microsoft.com/office/powerpoint/2010/main" Requires="p14">
+        <mc:AlternateContent xmlns:mc="http://schemas.openxmlformats.org/markup-compatibility/2006" xmlns:p14="http://schemas.microsoft.com/office/powerpoint/2010/main">
+          <mc:Choice Requires="p14">
             <p:contentPart p14:bwMode="auto" r:id="rId148">
               <p14:nvContentPartPr>
                 <p14:cNvPr id="158" name="インク 157">
@@ -15540,7 +15540,7 @@
               </p14:xfrm>
             </p:contentPart>
           </mc:Choice>
-          <mc:Fallback>
+          <mc:Fallback xmlns="">
             <p:pic>
               <p:nvPicPr>
                 <p:cNvPr id="158" name="インク 157">
@@ -15571,8 +15571,8 @@
             </p:pic>
           </mc:Fallback>
         </mc:AlternateContent>
-        <mc:AlternateContent xmlns:mc="http://schemas.openxmlformats.org/markup-compatibility/2006">
-          <mc:Choice xmlns:p14="http://schemas.microsoft.com/office/powerpoint/2010/main" Requires="p14">
+        <mc:AlternateContent xmlns:mc="http://schemas.openxmlformats.org/markup-compatibility/2006" xmlns:p14="http://schemas.microsoft.com/office/powerpoint/2010/main">
+          <mc:Choice Requires="p14">
             <p:contentPart p14:bwMode="auto" r:id="rId150">
               <p14:nvContentPartPr>
                 <p14:cNvPr id="159" name="インク 158">
@@ -15591,7 +15591,7 @@
               </p14:xfrm>
             </p:contentPart>
           </mc:Choice>
-          <mc:Fallback>
+          <mc:Fallback xmlns="">
             <p:pic>
               <p:nvPicPr>
                 <p:cNvPr id="159" name="インク 158">
@@ -15622,8 +15622,8 @@
             </p:pic>
           </mc:Fallback>
         </mc:AlternateContent>
-        <mc:AlternateContent xmlns:mc="http://schemas.openxmlformats.org/markup-compatibility/2006">
-          <mc:Choice xmlns:p14="http://schemas.microsoft.com/office/powerpoint/2010/main" Requires="p14">
+        <mc:AlternateContent xmlns:mc="http://schemas.openxmlformats.org/markup-compatibility/2006" xmlns:p14="http://schemas.microsoft.com/office/powerpoint/2010/main">
+          <mc:Choice Requires="p14">
             <p:contentPart p14:bwMode="auto" r:id="rId152">
               <p14:nvContentPartPr>
                 <p14:cNvPr id="160" name="インク 159">
@@ -15642,7 +15642,7 @@
               </p14:xfrm>
             </p:contentPart>
           </mc:Choice>
-          <mc:Fallback>
+          <mc:Fallback xmlns="">
             <p:pic>
               <p:nvPicPr>
                 <p:cNvPr id="160" name="インク 159">
@@ -15673,8 +15673,8 @@
             </p:pic>
           </mc:Fallback>
         </mc:AlternateContent>
-        <mc:AlternateContent xmlns:mc="http://schemas.openxmlformats.org/markup-compatibility/2006">
-          <mc:Choice xmlns:p14="http://schemas.microsoft.com/office/powerpoint/2010/main" Requires="p14">
+        <mc:AlternateContent xmlns:mc="http://schemas.openxmlformats.org/markup-compatibility/2006" xmlns:p14="http://schemas.microsoft.com/office/powerpoint/2010/main">
+          <mc:Choice Requires="p14">
             <p:contentPart p14:bwMode="auto" r:id="rId154">
               <p14:nvContentPartPr>
                 <p14:cNvPr id="162" name="インク 161">
@@ -15693,7 +15693,7 @@
               </p14:xfrm>
             </p:contentPart>
           </mc:Choice>
-          <mc:Fallback>
+          <mc:Fallback xmlns="">
             <p:pic>
               <p:nvPicPr>
                 <p:cNvPr id="162" name="インク 161">
@@ -15724,8 +15724,8 @@
             </p:pic>
           </mc:Fallback>
         </mc:AlternateContent>
-        <mc:AlternateContent xmlns:mc="http://schemas.openxmlformats.org/markup-compatibility/2006">
-          <mc:Choice xmlns:p14="http://schemas.microsoft.com/office/powerpoint/2010/main" Requires="p14">
+        <mc:AlternateContent xmlns:mc="http://schemas.openxmlformats.org/markup-compatibility/2006" xmlns:p14="http://schemas.microsoft.com/office/powerpoint/2010/main">
+          <mc:Choice Requires="p14">
             <p:contentPart p14:bwMode="auto" r:id="rId156">
               <p14:nvContentPartPr>
                 <p14:cNvPr id="163" name="インク 162">
@@ -15744,7 +15744,7 @@
               </p14:xfrm>
             </p:contentPart>
           </mc:Choice>
-          <mc:Fallback>
+          <mc:Fallback xmlns="">
             <p:pic>
               <p:nvPicPr>
                 <p:cNvPr id="163" name="インク 162">
@@ -15775,8 +15775,8 @@
             </p:pic>
           </mc:Fallback>
         </mc:AlternateContent>
-        <mc:AlternateContent xmlns:mc="http://schemas.openxmlformats.org/markup-compatibility/2006">
-          <mc:Choice xmlns:p14="http://schemas.microsoft.com/office/powerpoint/2010/main" Requires="p14">
+        <mc:AlternateContent xmlns:mc="http://schemas.openxmlformats.org/markup-compatibility/2006" xmlns:p14="http://schemas.microsoft.com/office/powerpoint/2010/main">
+          <mc:Choice Requires="p14">
             <p:contentPart p14:bwMode="auto" r:id="rId158">
               <p14:nvContentPartPr>
                 <p14:cNvPr id="164" name="インク 163">
@@ -15795,7 +15795,7 @@
               </p14:xfrm>
             </p:contentPart>
           </mc:Choice>
-          <mc:Fallback>
+          <mc:Fallback xmlns="">
             <p:pic>
               <p:nvPicPr>
                 <p:cNvPr id="164" name="インク 163">
@@ -15826,8 +15826,8 @@
             </p:pic>
           </mc:Fallback>
         </mc:AlternateContent>
-        <mc:AlternateContent xmlns:mc="http://schemas.openxmlformats.org/markup-compatibility/2006">
-          <mc:Choice xmlns:p14="http://schemas.microsoft.com/office/powerpoint/2010/main" Requires="p14">
+        <mc:AlternateContent xmlns:mc="http://schemas.openxmlformats.org/markup-compatibility/2006" xmlns:p14="http://schemas.microsoft.com/office/powerpoint/2010/main">
+          <mc:Choice Requires="p14">
             <p:contentPart p14:bwMode="auto" r:id="rId160">
               <p14:nvContentPartPr>
                 <p14:cNvPr id="165" name="インク 164">
@@ -15846,7 +15846,7 @@
               </p14:xfrm>
             </p:contentPart>
           </mc:Choice>
-          <mc:Fallback>
+          <mc:Fallback xmlns="">
             <p:pic>
               <p:nvPicPr>
                 <p:cNvPr id="165" name="インク 164">
@@ -15877,8 +15877,8 @@
             </p:pic>
           </mc:Fallback>
         </mc:AlternateContent>
-        <mc:AlternateContent xmlns:mc="http://schemas.openxmlformats.org/markup-compatibility/2006">
-          <mc:Choice xmlns:p14="http://schemas.microsoft.com/office/powerpoint/2010/main" Requires="p14">
+        <mc:AlternateContent xmlns:mc="http://schemas.openxmlformats.org/markup-compatibility/2006" xmlns:p14="http://schemas.microsoft.com/office/powerpoint/2010/main">
+          <mc:Choice Requires="p14">
             <p:contentPart p14:bwMode="auto" r:id="rId162">
               <p14:nvContentPartPr>
                 <p14:cNvPr id="166" name="インク 165">
@@ -15897,7 +15897,7 @@
               </p14:xfrm>
             </p:contentPart>
           </mc:Choice>
-          <mc:Fallback>
+          <mc:Fallback xmlns="">
             <p:pic>
               <p:nvPicPr>
                 <p:cNvPr id="166" name="インク 165">
@@ -15928,8 +15928,8 @@
             </p:pic>
           </mc:Fallback>
         </mc:AlternateContent>
-        <mc:AlternateContent xmlns:mc="http://schemas.openxmlformats.org/markup-compatibility/2006">
-          <mc:Choice xmlns:p14="http://schemas.microsoft.com/office/powerpoint/2010/main" Requires="p14">
+        <mc:AlternateContent xmlns:mc="http://schemas.openxmlformats.org/markup-compatibility/2006" xmlns:p14="http://schemas.microsoft.com/office/powerpoint/2010/main">
+          <mc:Choice Requires="p14">
             <p:contentPart p14:bwMode="auto" r:id="rId164">
               <p14:nvContentPartPr>
                 <p14:cNvPr id="167" name="インク 166">
@@ -15948,7 +15948,7 @@
               </p14:xfrm>
             </p:contentPart>
           </mc:Choice>
-          <mc:Fallback>
+          <mc:Fallback xmlns="">
             <p:pic>
               <p:nvPicPr>
                 <p:cNvPr id="167" name="インク 166">
@@ -15979,8 +15979,8 @@
             </p:pic>
           </mc:Fallback>
         </mc:AlternateContent>
-        <mc:AlternateContent xmlns:mc="http://schemas.openxmlformats.org/markup-compatibility/2006">
-          <mc:Choice xmlns:p14="http://schemas.microsoft.com/office/powerpoint/2010/main" Requires="p14">
+        <mc:AlternateContent xmlns:mc="http://schemas.openxmlformats.org/markup-compatibility/2006" xmlns:p14="http://schemas.microsoft.com/office/powerpoint/2010/main">
+          <mc:Choice Requires="p14">
             <p:contentPart p14:bwMode="auto" r:id="rId166">
               <p14:nvContentPartPr>
                 <p14:cNvPr id="168" name="インク 167">
@@ -15999,7 +15999,7 @@
               </p14:xfrm>
             </p:contentPart>
           </mc:Choice>
-          <mc:Fallback>
+          <mc:Fallback xmlns="">
             <p:pic>
               <p:nvPicPr>
                 <p:cNvPr id="168" name="インク 167">
@@ -16030,8 +16030,8 @@
             </p:pic>
           </mc:Fallback>
         </mc:AlternateContent>
-        <mc:AlternateContent xmlns:mc="http://schemas.openxmlformats.org/markup-compatibility/2006">
-          <mc:Choice xmlns:p14="http://schemas.microsoft.com/office/powerpoint/2010/main" Requires="p14">
+        <mc:AlternateContent xmlns:mc="http://schemas.openxmlformats.org/markup-compatibility/2006" xmlns:p14="http://schemas.microsoft.com/office/powerpoint/2010/main">
+          <mc:Choice Requires="p14">
             <p:contentPart p14:bwMode="auto" r:id="rId168">
               <p14:nvContentPartPr>
                 <p14:cNvPr id="169" name="インク 168">
@@ -16050,7 +16050,7 @@
               </p14:xfrm>
             </p:contentPart>
           </mc:Choice>
-          <mc:Fallback>
+          <mc:Fallback xmlns="">
             <p:pic>
               <p:nvPicPr>
                 <p:cNvPr id="169" name="インク 168">
@@ -16081,8 +16081,8 @@
             </p:pic>
           </mc:Fallback>
         </mc:AlternateContent>
-        <mc:AlternateContent xmlns:mc="http://schemas.openxmlformats.org/markup-compatibility/2006">
-          <mc:Choice xmlns:p14="http://schemas.microsoft.com/office/powerpoint/2010/main" Requires="p14">
+        <mc:AlternateContent xmlns:mc="http://schemas.openxmlformats.org/markup-compatibility/2006" xmlns:p14="http://schemas.microsoft.com/office/powerpoint/2010/main">
+          <mc:Choice Requires="p14">
             <p:contentPart p14:bwMode="auto" r:id="rId170">
               <p14:nvContentPartPr>
                 <p14:cNvPr id="170" name="インク 169">
@@ -16101,7 +16101,7 @@
               </p14:xfrm>
             </p:contentPart>
           </mc:Choice>
-          <mc:Fallback>
+          <mc:Fallback xmlns="">
             <p:pic>
               <p:nvPicPr>
                 <p:cNvPr id="170" name="インク 169">
@@ -16132,8 +16132,8 @@
             </p:pic>
           </mc:Fallback>
         </mc:AlternateContent>
-        <mc:AlternateContent xmlns:mc="http://schemas.openxmlformats.org/markup-compatibility/2006">
-          <mc:Choice xmlns:p14="http://schemas.microsoft.com/office/powerpoint/2010/main" Requires="p14">
+        <mc:AlternateContent xmlns:mc="http://schemas.openxmlformats.org/markup-compatibility/2006" xmlns:p14="http://schemas.microsoft.com/office/powerpoint/2010/main">
+          <mc:Choice Requires="p14">
             <p:contentPart p14:bwMode="auto" r:id="rId172">
               <p14:nvContentPartPr>
                 <p14:cNvPr id="171" name="インク 170">
@@ -16152,7 +16152,7 @@
               </p14:xfrm>
             </p:contentPart>
           </mc:Choice>
-          <mc:Fallback>
+          <mc:Fallback xmlns="">
             <p:pic>
               <p:nvPicPr>
                 <p:cNvPr id="171" name="インク 170">
@@ -16183,8 +16183,8 @@
             </p:pic>
           </mc:Fallback>
         </mc:AlternateContent>
-        <mc:AlternateContent xmlns:mc="http://schemas.openxmlformats.org/markup-compatibility/2006">
-          <mc:Choice xmlns:p14="http://schemas.microsoft.com/office/powerpoint/2010/main" Requires="p14">
+        <mc:AlternateContent xmlns:mc="http://schemas.openxmlformats.org/markup-compatibility/2006" xmlns:p14="http://schemas.microsoft.com/office/powerpoint/2010/main">
+          <mc:Choice Requires="p14">
             <p:contentPart p14:bwMode="auto" r:id="rId174">
               <p14:nvContentPartPr>
                 <p14:cNvPr id="172" name="インク 171">
@@ -16203,7 +16203,7 @@
               </p14:xfrm>
             </p:contentPart>
           </mc:Choice>
-          <mc:Fallback>
+          <mc:Fallback xmlns="">
             <p:pic>
               <p:nvPicPr>
                 <p:cNvPr id="172" name="インク 171">
@@ -16234,8 +16234,8 @@
             </p:pic>
           </mc:Fallback>
         </mc:AlternateContent>
-        <mc:AlternateContent xmlns:mc="http://schemas.openxmlformats.org/markup-compatibility/2006">
-          <mc:Choice xmlns:p14="http://schemas.microsoft.com/office/powerpoint/2010/main" Requires="p14">
+        <mc:AlternateContent xmlns:mc="http://schemas.openxmlformats.org/markup-compatibility/2006" xmlns:p14="http://schemas.microsoft.com/office/powerpoint/2010/main">
+          <mc:Choice Requires="p14">
             <p:contentPart p14:bwMode="auto" r:id="rId176">
               <p14:nvContentPartPr>
                 <p14:cNvPr id="173" name="インク 172">
@@ -16254,7 +16254,7 @@
               </p14:xfrm>
             </p:contentPart>
           </mc:Choice>
-          <mc:Fallback>
+          <mc:Fallback xmlns="">
             <p:pic>
               <p:nvPicPr>
                 <p:cNvPr id="173" name="インク 172">
@@ -16306,8 +16306,8 @@
             <a:chExt cx="1501920" cy="325080"/>
           </a:xfrm>
         </p:grpSpPr>
-        <mc:AlternateContent xmlns:mc="http://schemas.openxmlformats.org/markup-compatibility/2006">
-          <mc:Choice xmlns:p14="http://schemas.microsoft.com/office/powerpoint/2010/main" Requires="p14">
+        <mc:AlternateContent xmlns:mc="http://schemas.openxmlformats.org/markup-compatibility/2006" xmlns:p14="http://schemas.microsoft.com/office/powerpoint/2010/main">
+          <mc:Choice Requires="p14">
             <p:contentPart p14:bwMode="auto" r:id="rId178">
               <p14:nvContentPartPr>
                 <p14:cNvPr id="176" name="インク 175">
@@ -16326,7 +16326,7 @@
               </p14:xfrm>
             </p:contentPart>
           </mc:Choice>
-          <mc:Fallback>
+          <mc:Fallback xmlns="">
             <p:pic>
               <p:nvPicPr>
                 <p:cNvPr id="176" name="インク 175">
@@ -16357,8 +16357,8 @@
             </p:pic>
           </mc:Fallback>
         </mc:AlternateContent>
-        <mc:AlternateContent xmlns:mc="http://schemas.openxmlformats.org/markup-compatibility/2006">
-          <mc:Choice xmlns:p14="http://schemas.microsoft.com/office/powerpoint/2010/main" Requires="p14">
+        <mc:AlternateContent xmlns:mc="http://schemas.openxmlformats.org/markup-compatibility/2006" xmlns:p14="http://schemas.microsoft.com/office/powerpoint/2010/main">
+          <mc:Choice Requires="p14">
             <p:contentPart p14:bwMode="auto" r:id="rId180">
               <p14:nvContentPartPr>
                 <p14:cNvPr id="177" name="インク 176">
@@ -16377,7 +16377,7 @@
               </p14:xfrm>
             </p:contentPart>
           </mc:Choice>
-          <mc:Fallback>
+          <mc:Fallback xmlns="">
             <p:pic>
               <p:nvPicPr>
                 <p:cNvPr id="177" name="インク 176">
@@ -16408,8 +16408,8 @@
             </p:pic>
           </mc:Fallback>
         </mc:AlternateContent>
-        <mc:AlternateContent xmlns:mc="http://schemas.openxmlformats.org/markup-compatibility/2006">
-          <mc:Choice xmlns:p14="http://schemas.microsoft.com/office/powerpoint/2010/main" Requires="p14">
+        <mc:AlternateContent xmlns:mc="http://schemas.openxmlformats.org/markup-compatibility/2006" xmlns:p14="http://schemas.microsoft.com/office/powerpoint/2010/main">
+          <mc:Choice Requires="p14">
             <p:contentPart p14:bwMode="auto" r:id="rId182">
               <p14:nvContentPartPr>
                 <p14:cNvPr id="178" name="インク 177">
@@ -16428,7 +16428,7 @@
               </p14:xfrm>
             </p:contentPart>
           </mc:Choice>
-          <mc:Fallback>
+          <mc:Fallback xmlns="">
             <p:pic>
               <p:nvPicPr>
                 <p:cNvPr id="178" name="インク 177">
@@ -16459,8 +16459,8 @@
             </p:pic>
           </mc:Fallback>
         </mc:AlternateContent>
-        <mc:AlternateContent xmlns:mc="http://schemas.openxmlformats.org/markup-compatibility/2006">
-          <mc:Choice xmlns:p14="http://schemas.microsoft.com/office/powerpoint/2010/main" Requires="p14">
+        <mc:AlternateContent xmlns:mc="http://schemas.openxmlformats.org/markup-compatibility/2006" xmlns:p14="http://schemas.microsoft.com/office/powerpoint/2010/main">
+          <mc:Choice Requires="p14">
             <p:contentPart p14:bwMode="auto" r:id="rId184">
               <p14:nvContentPartPr>
                 <p14:cNvPr id="179" name="インク 178">
@@ -16479,7 +16479,7 @@
               </p14:xfrm>
             </p:contentPart>
           </mc:Choice>
-          <mc:Fallback>
+          <mc:Fallback xmlns="">
             <p:pic>
               <p:nvPicPr>
                 <p:cNvPr id="179" name="インク 178">
@@ -16510,8 +16510,8 @@
             </p:pic>
           </mc:Fallback>
         </mc:AlternateContent>
-        <mc:AlternateContent xmlns:mc="http://schemas.openxmlformats.org/markup-compatibility/2006">
-          <mc:Choice xmlns:p14="http://schemas.microsoft.com/office/powerpoint/2010/main" Requires="p14">
+        <mc:AlternateContent xmlns:mc="http://schemas.openxmlformats.org/markup-compatibility/2006" xmlns:p14="http://schemas.microsoft.com/office/powerpoint/2010/main">
+          <mc:Choice Requires="p14">
             <p:contentPart p14:bwMode="auto" r:id="rId186">
               <p14:nvContentPartPr>
                 <p14:cNvPr id="180" name="インク 179">
@@ -16530,7 +16530,7 @@
               </p14:xfrm>
             </p:contentPart>
           </mc:Choice>
-          <mc:Fallback>
+          <mc:Fallback xmlns="">
             <p:pic>
               <p:nvPicPr>
                 <p:cNvPr id="180" name="インク 179">
@@ -16561,8 +16561,8 @@
             </p:pic>
           </mc:Fallback>
         </mc:AlternateContent>
-        <mc:AlternateContent xmlns:mc="http://schemas.openxmlformats.org/markup-compatibility/2006">
-          <mc:Choice xmlns:p14="http://schemas.microsoft.com/office/powerpoint/2010/main" Requires="p14">
+        <mc:AlternateContent xmlns:mc="http://schemas.openxmlformats.org/markup-compatibility/2006" xmlns:p14="http://schemas.microsoft.com/office/powerpoint/2010/main">
+          <mc:Choice Requires="p14">
             <p:contentPart p14:bwMode="auto" r:id="rId188">
               <p14:nvContentPartPr>
                 <p14:cNvPr id="181" name="インク 180">
@@ -16581,7 +16581,7 @@
               </p14:xfrm>
             </p:contentPart>
           </mc:Choice>
-          <mc:Fallback>
+          <mc:Fallback xmlns="">
             <p:pic>
               <p:nvPicPr>
                 <p:cNvPr id="181" name="インク 180">
@@ -16612,8 +16612,8 @@
             </p:pic>
           </mc:Fallback>
         </mc:AlternateContent>
-        <mc:AlternateContent xmlns:mc="http://schemas.openxmlformats.org/markup-compatibility/2006">
-          <mc:Choice xmlns:p14="http://schemas.microsoft.com/office/powerpoint/2010/main" Requires="p14">
+        <mc:AlternateContent xmlns:mc="http://schemas.openxmlformats.org/markup-compatibility/2006" xmlns:p14="http://schemas.microsoft.com/office/powerpoint/2010/main">
+          <mc:Choice Requires="p14">
             <p:contentPart p14:bwMode="auto" r:id="rId190">
               <p14:nvContentPartPr>
                 <p14:cNvPr id="182" name="インク 181">
@@ -16632,7 +16632,7 @@
               </p14:xfrm>
             </p:contentPart>
           </mc:Choice>
-          <mc:Fallback>
+          <mc:Fallback xmlns="">
             <p:pic>
               <p:nvPicPr>
                 <p:cNvPr id="182" name="インク 181">
@@ -16663,8 +16663,8 @@
             </p:pic>
           </mc:Fallback>
         </mc:AlternateContent>
-        <mc:AlternateContent xmlns:mc="http://schemas.openxmlformats.org/markup-compatibility/2006">
-          <mc:Choice xmlns:p14="http://schemas.microsoft.com/office/powerpoint/2010/main" Requires="p14">
+        <mc:AlternateContent xmlns:mc="http://schemas.openxmlformats.org/markup-compatibility/2006" xmlns:p14="http://schemas.microsoft.com/office/powerpoint/2010/main">
+          <mc:Choice Requires="p14">
             <p:contentPart p14:bwMode="auto" r:id="rId192">
               <p14:nvContentPartPr>
                 <p14:cNvPr id="183" name="インク 182">
@@ -16683,7 +16683,7 @@
               </p14:xfrm>
             </p:contentPart>
           </mc:Choice>
-          <mc:Fallback>
+          <mc:Fallback xmlns="">
             <p:pic>
               <p:nvPicPr>
                 <p:cNvPr id="183" name="インク 182">
@@ -16714,8 +16714,8 @@
             </p:pic>
           </mc:Fallback>
         </mc:AlternateContent>
-        <mc:AlternateContent xmlns:mc="http://schemas.openxmlformats.org/markup-compatibility/2006">
-          <mc:Choice xmlns:p14="http://schemas.microsoft.com/office/powerpoint/2010/main" Requires="p14">
+        <mc:AlternateContent xmlns:mc="http://schemas.openxmlformats.org/markup-compatibility/2006" xmlns:p14="http://schemas.microsoft.com/office/powerpoint/2010/main">
+          <mc:Choice Requires="p14">
             <p:contentPart p14:bwMode="auto" r:id="rId194">
               <p14:nvContentPartPr>
                 <p14:cNvPr id="184" name="インク 183">
@@ -16734,7 +16734,7 @@
               </p14:xfrm>
             </p:contentPart>
           </mc:Choice>
-          <mc:Fallback>
+          <mc:Fallback xmlns="">
             <p:pic>
               <p:nvPicPr>
                 <p:cNvPr id="184" name="インク 183">
@@ -16765,8 +16765,8 @@
             </p:pic>
           </mc:Fallback>
         </mc:AlternateContent>
-        <mc:AlternateContent xmlns:mc="http://schemas.openxmlformats.org/markup-compatibility/2006">
-          <mc:Choice xmlns:p14="http://schemas.microsoft.com/office/powerpoint/2010/main" Requires="p14">
+        <mc:AlternateContent xmlns:mc="http://schemas.openxmlformats.org/markup-compatibility/2006" xmlns:p14="http://schemas.microsoft.com/office/powerpoint/2010/main">
+          <mc:Choice Requires="p14">
             <p:contentPart p14:bwMode="auto" r:id="rId196">
               <p14:nvContentPartPr>
                 <p14:cNvPr id="185" name="インク 184">
@@ -16785,7 +16785,7 @@
               </p14:xfrm>
             </p:contentPart>
           </mc:Choice>
-          <mc:Fallback>
+          <mc:Fallback xmlns="">
             <p:pic>
               <p:nvPicPr>
                 <p:cNvPr id="185" name="インク 184">
@@ -16837,8 +16837,8 @@
             <a:chExt cx="884160" cy="420120"/>
           </a:xfrm>
         </p:grpSpPr>
-        <mc:AlternateContent xmlns:mc="http://schemas.openxmlformats.org/markup-compatibility/2006">
-          <mc:Choice xmlns:p14="http://schemas.microsoft.com/office/powerpoint/2010/main" Requires="p14">
+        <mc:AlternateContent xmlns:mc="http://schemas.openxmlformats.org/markup-compatibility/2006" xmlns:p14="http://schemas.microsoft.com/office/powerpoint/2010/main">
+          <mc:Choice Requires="p14">
             <p:contentPart p14:bwMode="auto" r:id="rId198">
               <p14:nvContentPartPr>
                 <p14:cNvPr id="187" name="インク 186">
@@ -16857,7 +16857,7 @@
               </p14:xfrm>
             </p:contentPart>
           </mc:Choice>
-          <mc:Fallback>
+          <mc:Fallback xmlns="">
             <p:pic>
               <p:nvPicPr>
                 <p:cNvPr id="187" name="インク 186">
@@ -16888,8 +16888,8 @@
             </p:pic>
           </mc:Fallback>
         </mc:AlternateContent>
-        <mc:AlternateContent xmlns:mc="http://schemas.openxmlformats.org/markup-compatibility/2006">
-          <mc:Choice xmlns:p14="http://schemas.microsoft.com/office/powerpoint/2010/main" Requires="p14">
+        <mc:AlternateContent xmlns:mc="http://schemas.openxmlformats.org/markup-compatibility/2006" xmlns:p14="http://schemas.microsoft.com/office/powerpoint/2010/main">
+          <mc:Choice Requires="p14">
             <p:contentPart p14:bwMode="auto" r:id="rId200">
               <p14:nvContentPartPr>
                 <p14:cNvPr id="188" name="インク 187">
@@ -16908,7 +16908,7 @@
               </p14:xfrm>
             </p:contentPart>
           </mc:Choice>
-          <mc:Fallback>
+          <mc:Fallback xmlns="">
             <p:pic>
               <p:nvPicPr>
                 <p:cNvPr id="188" name="インク 187">
@@ -16939,8 +16939,8 @@
             </p:pic>
           </mc:Fallback>
         </mc:AlternateContent>
-        <mc:AlternateContent xmlns:mc="http://schemas.openxmlformats.org/markup-compatibility/2006">
-          <mc:Choice xmlns:p14="http://schemas.microsoft.com/office/powerpoint/2010/main" Requires="p14">
+        <mc:AlternateContent xmlns:mc="http://schemas.openxmlformats.org/markup-compatibility/2006" xmlns:p14="http://schemas.microsoft.com/office/powerpoint/2010/main">
+          <mc:Choice Requires="p14">
             <p:contentPart p14:bwMode="auto" r:id="rId202">
               <p14:nvContentPartPr>
                 <p14:cNvPr id="189" name="インク 188">
@@ -16959,7 +16959,7 @@
               </p14:xfrm>
             </p:contentPart>
           </mc:Choice>
-          <mc:Fallback>
+          <mc:Fallback xmlns="">
             <p:pic>
               <p:nvPicPr>
                 <p:cNvPr id="189" name="インク 188">
@@ -16990,8 +16990,8 @@
             </p:pic>
           </mc:Fallback>
         </mc:AlternateContent>
-        <mc:AlternateContent xmlns:mc="http://schemas.openxmlformats.org/markup-compatibility/2006">
-          <mc:Choice xmlns:p14="http://schemas.microsoft.com/office/powerpoint/2010/main" Requires="p14">
+        <mc:AlternateContent xmlns:mc="http://schemas.openxmlformats.org/markup-compatibility/2006" xmlns:p14="http://schemas.microsoft.com/office/powerpoint/2010/main">
+          <mc:Choice Requires="p14">
             <p:contentPart p14:bwMode="auto" r:id="rId204">
               <p14:nvContentPartPr>
                 <p14:cNvPr id="190" name="インク 189">
@@ -17010,7 +17010,7 @@
               </p14:xfrm>
             </p:contentPart>
           </mc:Choice>
-          <mc:Fallback>
+          <mc:Fallback xmlns="">
             <p:pic>
               <p:nvPicPr>
                 <p:cNvPr id="190" name="インク 189">
@@ -17041,8 +17041,8 @@
             </p:pic>
           </mc:Fallback>
         </mc:AlternateContent>
-        <mc:AlternateContent xmlns:mc="http://schemas.openxmlformats.org/markup-compatibility/2006">
-          <mc:Choice xmlns:p14="http://schemas.microsoft.com/office/powerpoint/2010/main" Requires="p14">
+        <mc:AlternateContent xmlns:mc="http://schemas.openxmlformats.org/markup-compatibility/2006" xmlns:p14="http://schemas.microsoft.com/office/powerpoint/2010/main">
+          <mc:Choice Requires="p14">
             <p:contentPart p14:bwMode="auto" r:id="rId206">
               <p14:nvContentPartPr>
                 <p14:cNvPr id="191" name="インク 190">
@@ -17061,7 +17061,7 @@
               </p14:xfrm>
             </p:contentPart>
           </mc:Choice>
-          <mc:Fallback>
+          <mc:Fallback xmlns="">
             <p:pic>
               <p:nvPicPr>
                 <p:cNvPr id="191" name="インク 190">
@@ -17113,8 +17113,8 @@
             <a:chExt cx="1106280" cy="441360"/>
           </a:xfrm>
         </p:grpSpPr>
-        <mc:AlternateContent xmlns:mc="http://schemas.openxmlformats.org/markup-compatibility/2006">
-          <mc:Choice xmlns:p14="http://schemas.microsoft.com/office/powerpoint/2010/main" Requires="p14">
+        <mc:AlternateContent xmlns:mc="http://schemas.openxmlformats.org/markup-compatibility/2006" xmlns:p14="http://schemas.microsoft.com/office/powerpoint/2010/main">
+          <mc:Choice Requires="p14">
             <p:contentPart p14:bwMode="auto" r:id="rId208">
               <p14:nvContentPartPr>
                 <p14:cNvPr id="193" name="インク 192">
@@ -17133,7 +17133,7 @@
               </p14:xfrm>
             </p:contentPart>
           </mc:Choice>
-          <mc:Fallback>
+          <mc:Fallback xmlns="">
             <p:pic>
               <p:nvPicPr>
                 <p:cNvPr id="193" name="インク 192">
@@ -17164,8 +17164,8 @@
             </p:pic>
           </mc:Fallback>
         </mc:AlternateContent>
-        <mc:AlternateContent xmlns:mc="http://schemas.openxmlformats.org/markup-compatibility/2006">
-          <mc:Choice xmlns:p14="http://schemas.microsoft.com/office/powerpoint/2010/main" Requires="p14">
+        <mc:AlternateContent xmlns:mc="http://schemas.openxmlformats.org/markup-compatibility/2006" xmlns:p14="http://schemas.microsoft.com/office/powerpoint/2010/main">
+          <mc:Choice Requires="p14">
             <p:contentPart p14:bwMode="auto" r:id="rId210">
               <p14:nvContentPartPr>
                 <p14:cNvPr id="194" name="インク 193">
@@ -17184,7 +17184,7 @@
               </p14:xfrm>
             </p:contentPart>
           </mc:Choice>
-          <mc:Fallback>
+          <mc:Fallback xmlns="">
             <p:pic>
               <p:nvPicPr>
                 <p:cNvPr id="194" name="インク 193">
@@ -17215,8 +17215,8 @@
             </p:pic>
           </mc:Fallback>
         </mc:AlternateContent>
-        <mc:AlternateContent xmlns:mc="http://schemas.openxmlformats.org/markup-compatibility/2006">
-          <mc:Choice xmlns:p14="http://schemas.microsoft.com/office/powerpoint/2010/main" Requires="p14">
+        <mc:AlternateContent xmlns:mc="http://schemas.openxmlformats.org/markup-compatibility/2006" xmlns:p14="http://schemas.microsoft.com/office/powerpoint/2010/main">
+          <mc:Choice Requires="p14">
             <p:contentPart p14:bwMode="auto" r:id="rId212">
               <p14:nvContentPartPr>
                 <p14:cNvPr id="195" name="インク 194">
@@ -17235,7 +17235,7 @@
               </p14:xfrm>
             </p:contentPart>
           </mc:Choice>
-          <mc:Fallback>
+          <mc:Fallback xmlns="">
             <p:pic>
               <p:nvPicPr>
                 <p:cNvPr id="195" name="インク 194">
@@ -17266,8 +17266,8 @@
             </p:pic>
           </mc:Fallback>
         </mc:AlternateContent>
-        <mc:AlternateContent xmlns:mc="http://schemas.openxmlformats.org/markup-compatibility/2006">
-          <mc:Choice xmlns:p14="http://schemas.microsoft.com/office/powerpoint/2010/main" Requires="p14">
+        <mc:AlternateContent xmlns:mc="http://schemas.openxmlformats.org/markup-compatibility/2006" xmlns:p14="http://schemas.microsoft.com/office/powerpoint/2010/main">
+          <mc:Choice Requires="p14">
             <p:contentPart p14:bwMode="auto" r:id="rId214">
               <p14:nvContentPartPr>
                 <p14:cNvPr id="196" name="インク 195">
@@ -17286,7 +17286,7 @@
               </p14:xfrm>
             </p:contentPart>
           </mc:Choice>
-          <mc:Fallback>
+          <mc:Fallback xmlns="">
             <p:pic>
               <p:nvPicPr>
                 <p:cNvPr id="196" name="インク 195">
@@ -17317,8 +17317,8 @@
             </p:pic>
           </mc:Fallback>
         </mc:AlternateContent>
-        <mc:AlternateContent xmlns:mc="http://schemas.openxmlformats.org/markup-compatibility/2006">
-          <mc:Choice xmlns:p14="http://schemas.microsoft.com/office/powerpoint/2010/main" Requires="p14">
+        <mc:AlternateContent xmlns:mc="http://schemas.openxmlformats.org/markup-compatibility/2006" xmlns:p14="http://schemas.microsoft.com/office/powerpoint/2010/main">
+          <mc:Choice Requires="p14">
             <p:contentPart p14:bwMode="auto" r:id="rId216">
               <p14:nvContentPartPr>
                 <p14:cNvPr id="197" name="インク 196">
@@ -17337,7 +17337,7 @@
               </p14:xfrm>
             </p:contentPart>
           </mc:Choice>
-          <mc:Fallback>
+          <mc:Fallback xmlns="">
             <p:pic>
               <p:nvPicPr>
                 <p:cNvPr id="197" name="インク 196">
@@ -17368,8 +17368,8 @@
             </p:pic>
           </mc:Fallback>
         </mc:AlternateContent>
-        <mc:AlternateContent xmlns:mc="http://schemas.openxmlformats.org/markup-compatibility/2006">
-          <mc:Choice xmlns:p14="http://schemas.microsoft.com/office/powerpoint/2010/main" Requires="p14">
+        <mc:AlternateContent xmlns:mc="http://schemas.openxmlformats.org/markup-compatibility/2006" xmlns:p14="http://schemas.microsoft.com/office/powerpoint/2010/main">
+          <mc:Choice Requires="p14">
             <p:contentPart p14:bwMode="auto" r:id="rId218">
               <p14:nvContentPartPr>
                 <p14:cNvPr id="198" name="インク 197">
@@ -17388,7 +17388,7 @@
               </p14:xfrm>
             </p:contentPart>
           </mc:Choice>
-          <mc:Fallback>
+          <mc:Fallback xmlns="">
             <p:pic>
               <p:nvPicPr>
                 <p:cNvPr id="198" name="インク 197">
@@ -17419,8 +17419,8 @@
             </p:pic>
           </mc:Fallback>
         </mc:AlternateContent>
-        <mc:AlternateContent xmlns:mc="http://schemas.openxmlformats.org/markup-compatibility/2006">
-          <mc:Choice xmlns:p14="http://schemas.microsoft.com/office/powerpoint/2010/main" Requires="p14">
+        <mc:AlternateContent xmlns:mc="http://schemas.openxmlformats.org/markup-compatibility/2006" xmlns:p14="http://schemas.microsoft.com/office/powerpoint/2010/main">
+          <mc:Choice Requires="p14">
             <p:contentPart p14:bwMode="auto" r:id="rId220">
               <p14:nvContentPartPr>
                 <p14:cNvPr id="199" name="インク 198">
@@ -17439,7 +17439,7 @@
               </p14:xfrm>
             </p:contentPart>
           </mc:Choice>
-          <mc:Fallback>
+          <mc:Fallback xmlns="">
             <p:pic>
               <p:nvPicPr>
                 <p:cNvPr id="199" name="インク 198">
@@ -17491,8 +17491,8 @@
             <a:chExt cx="947520" cy="198720"/>
           </a:xfrm>
         </p:grpSpPr>
-        <mc:AlternateContent xmlns:mc="http://schemas.openxmlformats.org/markup-compatibility/2006">
-          <mc:Choice xmlns:p14="http://schemas.microsoft.com/office/powerpoint/2010/main" Requires="p14">
+        <mc:AlternateContent xmlns:mc="http://schemas.openxmlformats.org/markup-compatibility/2006" xmlns:p14="http://schemas.microsoft.com/office/powerpoint/2010/main">
+          <mc:Choice Requires="p14">
             <p:contentPart p14:bwMode="auto" r:id="rId222">
               <p14:nvContentPartPr>
                 <p14:cNvPr id="201" name="インク 200">
@@ -17511,7 +17511,7 @@
               </p14:xfrm>
             </p:contentPart>
           </mc:Choice>
-          <mc:Fallback>
+          <mc:Fallback xmlns="">
             <p:pic>
               <p:nvPicPr>
                 <p:cNvPr id="201" name="インク 200">
@@ -17542,8 +17542,8 @@
             </p:pic>
           </mc:Fallback>
         </mc:AlternateContent>
-        <mc:AlternateContent xmlns:mc="http://schemas.openxmlformats.org/markup-compatibility/2006">
-          <mc:Choice xmlns:p14="http://schemas.microsoft.com/office/powerpoint/2010/main" Requires="p14">
+        <mc:AlternateContent xmlns:mc="http://schemas.openxmlformats.org/markup-compatibility/2006" xmlns:p14="http://schemas.microsoft.com/office/powerpoint/2010/main">
+          <mc:Choice Requires="p14">
             <p:contentPart p14:bwMode="auto" r:id="rId224">
               <p14:nvContentPartPr>
                 <p14:cNvPr id="202" name="インク 201">
@@ -17562,7 +17562,7 @@
               </p14:xfrm>
             </p:contentPart>
           </mc:Choice>
-          <mc:Fallback>
+          <mc:Fallback xmlns="">
             <p:pic>
               <p:nvPicPr>
                 <p:cNvPr id="202" name="インク 201">
@@ -17593,8 +17593,8 @@
             </p:pic>
           </mc:Fallback>
         </mc:AlternateContent>
-        <mc:AlternateContent xmlns:mc="http://schemas.openxmlformats.org/markup-compatibility/2006">
-          <mc:Choice xmlns:p14="http://schemas.microsoft.com/office/powerpoint/2010/main" Requires="p14">
+        <mc:AlternateContent xmlns:mc="http://schemas.openxmlformats.org/markup-compatibility/2006" xmlns:p14="http://schemas.microsoft.com/office/powerpoint/2010/main">
+          <mc:Choice Requires="p14">
             <p:contentPart p14:bwMode="auto" r:id="rId226">
               <p14:nvContentPartPr>
                 <p14:cNvPr id="203" name="インク 202">
@@ -17613,7 +17613,7 @@
               </p14:xfrm>
             </p:contentPart>
           </mc:Choice>
-          <mc:Fallback>
+          <mc:Fallback xmlns="">
             <p:pic>
               <p:nvPicPr>
                 <p:cNvPr id="203" name="インク 202">
@@ -17644,8 +17644,8 @@
             </p:pic>
           </mc:Fallback>
         </mc:AlternateContent>
-        <mc:AlternateContent xmlns:mc="http://schemas.openxmlformats.org/markup-compatibility/2006">
-          <mc:Choice xmlns:p14="http://schemas.microsoft.com/office/powerpoint/2010/main" Requires="p14">
+        <mc:AlternateContent xmlns:mc="http://schemas.openxmlformats.org/markup-compatibility/2006" xmlns:p14="http://schemas.microsoft.com/office/powerpoint/2010/main">
+          <mc:Choice Requires="p14">
             <p:contentPart p14:bwMode="auto" r:id="rId228">
               <p14:nvContentPartPr>
                 <p14:cNvPr id="204" name="インク 203">
@@ -17664,7 +17664,7 @@
               </p14:xfrm>
             </p:contentPart>
           </mc:Choice>
-          <mc:Fallback>
+          <mc:Fallback xmlns="">
             <p:pic>
               <p:nvPicPr>
                 <p:cNvPr id="204" name="インク 203">
@@ -17716,8 +17716,8 @@
             <a:chExt cx="597240" cy="274320"/>
           </a:xfrm>
         </p:grpSpPr>
-        <mc:AlternateContent xmlns:mc="http://schemas.openxmlformats.org/markup-compatibility/2006">
-          <mc:Choice xmlns:p14="http://schemas.microsoft.com/office/powerpoint/2010/main" Requires="p14">
+        <mc:AlternateContent xmlns:mc="http://schemas.openxmlformats.org/markup-compatibility/2006" xmlns:p14="http://schemas.microsoft.com/office/powerpoint/2010/main">
+          <mc:Choice Requires="p14">
             <p:contentPart p14:bwMode="auto" r:id="rId230">
               <p14:nvContentPartPr>
                 <p14:cNvPr id="206" name="インク 205">
@@ -17736,7 +17736,7 @@
               </p14:xfrm>
             </p:contentPart>
           </mc:Choice>
-          <mc:Fallback>
+          <mc:Fallback xmlns="">
             <p:pic>
               <p:nvPicPr>
                 <p:cNvPr id="206" name="インク 205">
@@ -17767,8 +17767,8 @@
             </p:pic>
           </mc:Fallback>
         </mc:AlternateContent>
-        <mc:AlternateContent xmlns:mc="http://schemas.openxmlformats.org/markup-compatibility/2006">
-          <mc:Choice xmlns:p14="http://schemas.microsoft.com/office/powerpoint/2010/main" Requires="p14">
+        <mc:AlternateContent xmlns:mc="http://schemas.openxmlformats.org/markup-compatibility/2006" xmlns:p14="http://schemas.microsoft.com/office/powerpoint/2010/main">
+          <mc:Choice Requires="p14">
             <p:contentPart p14:bwMode="auto" r:id="rId232">
               <p14:nvContentPartPr>
                 <p14:cNvPr id="207" name="インク 206">
@@ -17787,7 +17787,7 @@
               </p14:xfrm>
             </p:contentPart>
           </mc:Choice>
-          <mc:Fallback>
+          <mc:Fallback xmlns="">
             <p:pic>
               <p:nvPicPr>
                 <p:cNvPr id="207" name="インク 206">
@@ -17818,8 +17818,8 @@
             </p:pic>
           </mc:Fallback>
         </mc:AlternateContent>
-        <mc:AlternateContent xmlns:mc="http://schemas.openxmlformats.org/markup-compatibility/2006">
-          <mc:Choice xmlns:p14="http://schemas.microsoft.com/office/powerpoint/2010/main" Requires="p14">
+        <mc:AlternateContent xmlns:mc="http://schemas.openxmlformats.org/markup-compatibility/2006" xmlns:p14="http://schemas.microsoft.com/office/powerpoint/2010/main">
+          <mc:Choice Requires="p14">
             <p:contentPart p14:bwMode="auto" r:id="rId234">
               <p14:nvContentPartPr>
                 <p14:cNvPr id="208" name="インク 207">
@@ -17838,7 +17838,7 @@
               </p14:xfrm>
             </p:contentPart>
           </mc:Choice>
-          <mc:Fallback>
+          <mc:Fallback xmlns="">
             <p:pic>
               <p:nvPicPr>
                 <p:cNvPr id="208" name="インク 207">
@@ -17869,8 +17869,8 @@
             </p:pic>
           </mc:Fallback>
         </mc:AlternateContent>
-        <mc:AlternateContent xmlns:mc="http://schemas.openxmlformats.org/markup-compatibility/2006">
-          <mc:Choice xmlns:p14="http://schemas.microsoft.com/office/powerpoint/2010/main" Requires="p14">
+        <mc:AlternateContent xmlns:mc="http://schemas.openxmlformats.org/markup-compatibility/2006" xmlns:p14="http://schemas.microsoft.com/office/powerpoint/2010/main">
+          <mc:Choice Requires="p14">
             <p:contentPart p14:bwMode="auto" r:id="rId236">
               <p14:nvContentPartPr>
                 <p14:cNvPr id="209" name="インク 208">
@@ -17889,7 +17889,7 @@
               </p14:xfrm>
             </p:contentPart>
           </mc:Choice>
-          <mc:Fallback>
+          <mc:Fallback xmlns="">
             <p:pic>
               <p:nvPicPr>
                 <p:cNvPr id="209" name="インク 208">
@@ -17920,8 +17920,8 @@
             </p:pic>
           </mc:Fallback>
         </mc:AlternateContent>
-        <mc:AlternateContent xmlns:mc="http://schemas.openxmlformats.org/markup-compatibility/2006">
-          <mc:Choice xmlns:p14="http://schemas.microsoft.com/office/powerpoint/2010/main" Requires="p14">
+        <mc:AlternateContent xmlns:mc="http://schemas.openxmlformats.org/markup-compatibility/2006" xmlns:p14="http://schemas.microsoft.com/office/powerpoint/2010/main">
+          <mc:Choice Requires="p14">
             <p:contentPart p14:bwMode="auto" r:id="rId238">
               <p14:nvContentPartPr>
                 <p14:cNvPr id="210" name="インク 209">
@@ -17940,7 +17940,7 @@
               </p14:xfrm>
             </p:contentPart>
           </mc:Choice>
-          <mc:Fallback>
+          <mc:Fallback xmlns="">
             <p:pic>
               <p:nvPicPr>
                 <p:cNvPr id="210" name="インク 209">
@@ -17971,8 +17971,8 @@
             </p:pic>
           </mc:Fallback>
         </mc:AlternateContent>
-        <mc:AlternateContent xmlns:mc="http://schemas.openxmlformats.org/markup-compatibility/2006">
-          <mc:Choice xmlns:p14="http://schemas.microsoft.com/office/powerpoint/2010/main" Requires="p14">
+        <mc:AlternateContent xmlns:mc="http://schemas.openxmlformats.org/markup-compatibility/2006" xmlns:p14="http://schemas.microsoft.com/office/powerpoint/2010/main">
+          <mc:Choice Requires="p14">
             <p:contentPart p14:bwMode="auto" r:id="rId240">
               <p14:nvContentPartPr>
                 <p14:cNvPr id="211" name="インク 210">
@@ -17991,7 +17991,7 @@
               </p14:xfrm>
             </p:contentPart>
           </mc:Choice>
-          <mc:Fallback>
+          <mc:Fallback xmlns="">
             <p:pic>
               <p:nvPicPr>
                 <p:cNvPr id="211" name="インク 210">
@@ -18022,8 +18022,8 @@
             </p:pic>
           </mc:Fallback>
         </mc:AlternateContent>
-        <mc:AlternateContent xmlns:mc="http://schemas.openxmlformats.org/markup-compatibility/2006">
-          <mc:Choice xmlns:p14="http://schemas.microsoft.com/office/powerpoint/2010/main" Requires="p14">
+        <mc:AlternateContent xmlns:mc="http://schemas.openxmlformats.org/markup-compatibility/2006" xmlns:p14="http://schemas.microsoft.com/office/powerpoint/2010/main">
+          <mc:Choice Requires="p14">
             <p:contentPart p14:bwMode="auto" r:id="rId242">
               <p14:nvContentPartPr>
                 <p14:cNvPr id="212" name="インク 211">
@@ -18042,7 +18042,7 @@
               </p14:xfrm>
             </p:contentPart>
           </mc:Choice>
-          <mc:Fallback>
+          <mc:Fallback xmlns="">
             <p:pic>
               <p:nvPicPr>
                 <p:cNvPr id="212" name="インク 211">
@@ -18094,8 +18094,8 @@
             <a:chExt cx="1817280" cy="589320"/>
           </a:xfrm>
         </p:grpSpPr>
-        <mc:AlternateContent xmlns:mc="http://schemas.openxmlformats.org/markup-compatibility/2006">
-          <mc:Choice xmlns:p14="http://schemas.microsoft.com/office/powerpoint/2010/main" Requires="p14">
+        <mc:AlternateContent xmlns:mc="http://schemas.openxmlformats.org/markup-compatibility/2006" xmlns:p14="http://schemas.microsoft.com/office/powerpoint/2010/main">
+          <mc:Choice Requires="p14">
             <p:contentPart p14:bwMode="auto" r:id="rId244">
               <p14:nvContentPartPr>
                 <p14:cNvPr id="214" name="インク 213">
@@ -18114,7 +18114,7 @@
               </p14:xfrm>
             </p:contentPart>
           </mc:Choice>
-          <mc:Fallback>
+          <mc:Fallback xmlns="">
             <p:pic>
               <p:nvPicPr>
                 <p:cNvPr id="214" name="インク 213">
@@ -18145,8 +18145,8 @@
             </p:pic>
           </mc:Fallback>
         </mc:AlternateContent>
-        <mc:AlternateContent xmlns:mc="http://schemas.openxmlformats.org/markup-compatibility/2006">
-          <mc:Choice xmlns:p14="http://schemas.microsoft.com/office/powerpoint/2010/main" Requires="p14">
+        <mc:AlternateContent xmlns:mc="http://schemas.openxmlformats.org/markup-compatibility/2006" xmlns:p14="http://schemas.microsoft.com/office/powerpoint/2010/main">
+          <mc:Choice Requires="p14">
             <p:contentPart p14:bwMode="auto" r:id="rId246">
               <p14:nvContentPartPr>
                 <p14:cNvPr id="215" name="インク 214">
@@ -18165,7 +18165,7 @@
               </p14:xfrm>
             </p:contentPart>
           </mc:Choice>
-          <mc:Fallback>
+          <mc:Fallback xmlns="">
             <p:pic>
               <p:nvPicPr>
                 <p:cNvPr id="215" name="インク 214">
@@ -18196,8 +18196,8 @@
             </p:pic>
           </mc:Fallback>
         </mc:AlternateContent>
-        <mc:AlternateContent xmlns:mc="http://schemas.openxmlformats.org/markup-compatibility/2006">
-          <mc:Choice xmlns:p14="http://schemas.microsoft.com/office/powerpoint/2010/main" Requires="p14">
+        <mc:AlternateContent xmlns:mc="http://schemas.openxmlformats.org/markup-compatibility/2006" xmlns:p14="http://schemas.microsoft.com/office/powerpoint/2010/main">
+          <mc:Choice Requires="p14">
             <p:contentPart p14:bwMode="auto" r:id="rId248">
               <p14:nvContentPartPr>
                 <p14:cNvPr id="216" name="インク 215">
@@ -18216,7 +18216,7 @@
               </p14:xfrm>
             </p:contentPart>
           </mc:Choice>
-          <mc:Fallback>
+          <mc:Fallback xmlns="">
             <p:pic>
               <p:nvPicPr>
                 <p:cNvPr id="216" name="インク 215">
@@ -18247,8 +18247,8 @@
             </p:pic>
           </mc:Fallback>
         </mc:AlternateContent>
-        <mc:AlternateContent xmlns:mc="http://schemas.openxmlformats.org/markup-compatibility/2006">
-          <mc:Choice xmlns:p14="http://schemas.microsoft.com/office/powerpoint/2010/main" Requires="p14">
+        <mc:AlternateContent xmlns:mc="http://schemas.openxmlformats.org/markup-compatibility/2006" xmlns:p14="http://schemas.microsoft.com/office/powerpoint/2010/main">
+          <mc:Choice Requires="p14">
             <p:contentPart p14:bwMode="auto" r:id="rId250">
               <p14:nvContentPartPr>
                 <p14:cNvPr id="217" name="インク 216">
@@ -18267,7 +18267,7 @@
               </p14:xfrm>
             </p:contentPart>
           </mc:Choice>
-          <mc:Fallback>
+          <mc:Fallback xmlns="">
             <p:pic>
               <p:nvPicPr>
                 <p:cNvPr id="217" name="インク 216">
@@ -18298,8 +18298,8 @@
             </p:pic>
           </mc:Fallback>
         </mc:AlternateContent>
-        <mc:AlternateContent xmlns:mc="http://schemas.openxmlformats.org/markup-compatibility/2006">
-          <mc:Choice xmlns:p14="http://schemas.microsoft.com/office/powerpoint/2010/main" Requires="p14">
+        <mc:AlternateContent xmlns:mc="http://schemas.openxmlformats.org/markup-compatibility/2006" xmlns:p14="http://schemas.microsoft.com/office/powerpoint/2010/main">
+          <mc:Choice Requires="p14">
             <p:contentPart p14:bwMode="auto" r:id="rId252">
               <p14:nvContentPartPr>
                 <p14:cNvPr id="218" name="インク 217">
@@ -18318,7 +18318,7 @@
               </p14:xfrm>
             </p:contentPart>
           </mc:Choice>
-          <mc:Fallback>
+          <mc:Fallback xmlns="">
             <p:pic>
               <p:nvPicPr>
                 <p:cNvPr id="218" name="インク 217">
@@ -18349,8 +18349,8 @@
             </p:pic>
           </mc:Fallback>
         </mc:AlternateContent>
-        <mc:AlternateContent xmlns:mc="http://schemas.openxmlformats.org/markup-compatibility/2006">
-          <mc:Choice xmlns:p14="http://schemas.microsoft.com/office/powerpoint/2010/main" Requires="p14">
+        <mc:AlternateContent xmlns:mc="http://schemas.openxmlformats.org/markup-compatibility/2006" xmlns:p14="http://schemas.microsoft.com/office/powerpoint/2010/main">
+          <mc:Choice Requires="p14">
             <p:contentPart p14:bwMode="auto" r:id="rId254">
               <p14:nvContentPartPr>
                 <p14:cNvPr id="219" name="インク 218">
@@ -18369,7 +18369,7 @@
               </p14:xfrm>
             </p:contentPart>
           </mc:Choice>
-          <mc:Fallback>
+          <mc:Fallback xmlns="">
             <p:pic>
               <p:nvPicPr>
                 <p:cNvPr id="219" name="インク 218">
@@ -18400,8 +18400,8 @@
             </p:pic>
           </mc:Fallback>
         </mc:AlternateContent>
-        <mc:AlternateContent xmlns:mc="http://schemas.openxmlformats.org/markup-compatibility/2006">
-          <mc:Choice xmlns:p14="http://schemas.microsoft.com/office/powerpoint/2010/main" Requires="p14">
+        <mc:AlternateContent xmlns:mc="http://schemas.openxmlformats.org/markup-compatibility/2006" xmlns:p14="http://schemas.microsoft.com/office/powerpoint/2010/main">
+          <mc:Choice Requires="p14">
             <p:contentPart p14:bwMode="auto" r:id="rId256">
               <p14:nvContentPartPr>
                 <p14:cNvPr id="220" name="インク 219">
@@ -18420,7 +18420,7 @@
               </p14:xfrm>
             </p:contentPart>
           </mc:Choice>
-          <mc:Fallback>
+          <mc:Fallback xmlns="">
             <p:pic>
               <p:nvPicPr>
                 <p:cNvPr id="220" name="インク 219">
@@ -18451,8 +18451,8 @@
             </p:pic>
           </mc:Fallback>
         </mc:AlternateContent>
-        <mc:AlternateContent xmlns:mc="http://schemas.openxmlformats.org/markup-compatibility/2006">
-          <mc:Choice xmlns:p14="http://schemas.microsoft.com/office/powerpoint/2010/main" Requires="p14">
+        <mc:AlternateContent xmlns:mc="http://schemas.openxmlformats.org/markup-compatibility/2006" xmlns:p14="http://schemas.microsoft.com/office/powerpoint/2010/main">
+          <mc:Choice Requires="p14">
             <p:contentPart p14:bwMode="auto" r:id="rId258">
               <p14:nvContentPartPr>
                 <p14:cNvPr id="222" name="インク 221">
@@ -18471,7 +18471,7 @@
               </p14:xfrm>
             </p:contentPart>
           </mc:Choice>
-          <mc:Fallback>
+          <mc:Fallback xmlns="">
             <p:pic>
               <p:nvPicPr>
                 <p:cNvPr id="222" name="インク 221">
@@ -18502,8 +18502,8 @@
             </p:pic>
           </mc:Fallback>
         </mc:AlternateContent>
-        <mc:AlternateContent xmlns:mc="http://schemas.openxmlformats.org/markup-compatibility/2006">
-          <mc:Choice xmlns:p14="http://schemas.microsoft.com/office/powerpoint/2010/main" Requires="p14">
+        <mc:AlternateContent xmlns:mc="http://schemas.openxmlformats.org/markup-compatibility/2006" xmlns:p14="http://schemas.microsoft.com/office/powerpoint/2010/main">
+          <mc:Choice Requires="p14">
             <p:contentPart p14:bwMode="auto" r:id="rId260">
               <p14:nvContentPartPr>
                 <p14:cNvPr id="223" name="インク 222">
@@ -18522,7 +18522,7 @@
               </p14:xfrm>
             </p:contentPart>
           </mc:Choice>
-          <mc:Fallback>
+          <mc:Fallback xmlns="">
             <p:pic>
               <p:nvPicPr>
                 <p:cNvPr id="223" name="インク 222">
@@ -18553,8 +18553,8 @@
             </p:pic>
           </mc:Fallback>
         </mc:AlternateContent>
-        <mc:AlternateContent xmlns:mc="http://schemas.openxmlformats.org/markup-compatibility/2006">
-          <mc:Choice xmlns:p14="http://schemas.microsoft.com/office/powerpoint/2010/main" Requires="p14">
+        <mc:AlternateContent xmlns:mc="http://schemas.openxmlformats.org/markup-compatibility/2006" xmlns:p14="http://schemas.microsoft.com/office/powerpoint/2010/main">
+          <mc:Choice Requires="p14">
             <p:contentPart p14:bwMode="auto" r:id="rId262">
               <p14:nvContentPartPr>
                 <p14:cNvPr id="224" name="インク 223">
@@ -18573,7 +18573,7 @@
               </p14:xfrm>
             </p:contentPart>
           </mc:Choice>
-          <mc:Fallback>
+          <mc:Fallback xmlns="">
             <p:pic>
               <p:nvPicPr>
                 <p:cNvPr id="224" name="インク 223">
@@ -18604,8 +18604,8 @@
             </p:pic>
           </mc:Fallback>
         </mc:AlternateContent>
-        <mc:AlternateContent xmlns:mc="http://schemas.openxmlformats.org/markup-compatibility/2006">
-          <mc:Choice xmlns:p14="http://schemas.microsoft.com/office/powerpoint/2010/main" Requires="p14">
+        <mc:AlternateContent xmlns:mc="http://schemas.openxmlformats.org/markup-compatibility/2006" xmlns:p14="http://schemas.microsoft.com/office/powerpoint/2010/main">
+          <mc:Choice Requires="p14">
             <p:contentPart p14:bwMode="auto" r:id="rId264">
               <p14:nvContentPartPr>
                 <p14:cNvPr id="225" name="インク 224">
@@ -18624,7 +18624,7 @@
               </p14:xfrm>
             </p:contentPart>
           </mc:Choice>
-          <mc:Fallback>
+          <mc:Fallback xmlns="">
             <p:pic>
               <p:nvPicPr>
                 <p:cNvPr id="225" name="インク 224">
@@ -18655,8 +18655,8 @@
             </p:pic>
           </mc:Fallback>
         </mc:AlternateContent>
-        <mc:AlternateContent xmlns:mc="http://schemas.openxmlformats.org/markup-compatibility/2006">
-          <mc:Choice xmlns:p14="http://schemas.microsoft.com/office/powerpoint/2010/main" Requires="p14">
+        <mc:AlternateContent xmlns:mc="http://schemas.openxmlformats.org/markup-compatibility/2006" xmlns:p14="http://schemas.microsoft.com/office/powerpoint/2010/main">
+          <mc:Choice Requires="p14">
             <p:contentPart p14:bwMode="auto" r:id="rId266">
               <p14:nvContentPartPr>
                 <p14:cNvPr id="226" name="インク 225">
@@ -18675,7 +18675,7 @@
               </p14:xfrm>
             </p:contentPart>
           </mc:Choice>
-          <mc:Fallback>
+          <mc:Fallback xmlns="">
             <p:pic>
               <p:nvPicPr>
                 <p:cNvPr id="226" name="インク 225">
@@ -18706,8 +18706,8 @@
             </p:pic>
           </mc:Fallback>
         </mc:AlternateContent>
-        <mc:AlternateContent xmlns:mc="http://schemas.openxmlformats.org/markup-compatibility/2006">
-          <mc:Choice xmlns:p14="http://schemas.microsoft.com/office/powerpoint/2010/main" Requires="p14">
+        <mc:AlternateContent xmlns:mc="http://schemas.openxmlformats.org/markup-compatibility/2006" xmlns:p14="http://schemas.microsoft.com/office/powerpoint/2010/main">
+          <mc:Choice Requires="p14">
             <p:contentPart p14:bwMode="auto" r:id="rId268">
               <p14:nvContentPartPr>
                 <p14:cNvPr id="227" name="インク 226">
@@ -18726,7 +18726,7 @@
               </p14:xfrm>
             </p:contentPart>
           </mc:Choice>
-          <mc:Fallback>
+          <mc:Fallback xmlns="">
             <p:pic>
               <p:nvPicPr>
                 <p:cNvPr id="227" name="インク 226">
@@ -18757,8 +18757,8 @@
             </p:pic>
           </mc:Fallback>
         </mc:AlternateContent>
-        <mc:AlternateContent xmlns:mc="http://schemas.openxmlformats.org/markup-compatibility/2006">
-          <mc:Choice xmlns:p14="http://schemas.microsoft.com/office/powerpoint/2010/main" Requires="p14">
+        <mc:AlternateContent xmlns:mc="http://schemas.openxmlformats.org/markup-compatibility/2006" xmlns:p14="http://schemas.microsoft.com/office/powerpoint/2010/main">
+          <mc:Choice Requires="p14">
             <p:contentPart p14:bwMode="auto" r:id="rId270">
               <p14:nvContentPartPr>
                 <p14:cNvPr id="228" name="インク 227">
@@ -18777,7 +18777,7 @@
               </p14:xfrm>
             </p:contentPart>
           </mc:Choice>
-          <mc:Fallback>
+          <mc:Fallback xmlns="">
             <p:pic>
               <p:nvPicPr>
                 <p:cNvPr id="228" name="インク 227">
@@ -18808,8 +18808,8 @@
             </p:pic>
           </mc:Fallback>
         </mc:AlternateContent>
-        <mc:AlternateContent xmlns:mc="http://schemas.openxmlformats.org/markup-compatibility/2006">
-          <mc:Choice xmlns:p14="http://schemas.microsoft.com/office/powerpoint/2010/main" Requires="p14">
+        <mc:AlternateContent xmlns:mc="http://schemas.openxmlformats.org/markup-compatibility/2006" xmlns:p14="http://schemas.microsoft.com/office/powerpoint/2010/main">
+          <mc:Choice Requires="p14">
             <p:contentPart p14:bwMode="auto" r:id="rId272">
               <p14:nvContentPartPr>
                 <p14:cNvPr id="229" name="インク 228">
@@ -18828,7 +18828,7 @@
               </p14:xfrm>
             </p:contentPart>
           </mc:Choice>
-          <mc:Fallback>
+          <mc:Fallback xmlns="">
             <p:pic>
               <p:nvPicPr>
                 <p:cNvPr id="229" name="インク 228">
@@ -18859,8 +18859,8 @@
             </p:pic>
           </mc:Fallback>
         </mc:AlternateContent>
-        <mc:AlternateContent xmlns:mc="http://schemas.openxmlformats.org/markup-compatibility/2006">
-          <mc:Choice xmlns:p14="http://schemas.microsoft.com/office/powerpoint/2010/main" Requires="p14">
+        <mc:AlternateContent xmlns:mc="http://schemas.openxmlformats.org/markup-compatibility/2006" xmlns:p14="http://schemas.microsoft.com/office/powerpoint/2010/main">
+          <mc:Choice Requires="p14">
             <p:contentPart p14:bwMode="auto" r:id="rId274">
               <p14:nvContentPartPr>
                 <p14:cNvPr id="230" name="インク 229">
@@ -18879,7 +18879,7 @@
               </p14:xfrm>
             </p:contentPart>
           </mc:Choice>
-          <mc:Fallback>
+          <mc:Fallback xmlns="">
             <p:pic>
               <p:nvPicPr>
                 <p:cNvPr id="230" name="インク 229">
@@ -18911,8 +18911,8 @@
           </mc:Fallback>
         </mc:AlternateContent>
       </p:grpSp>
-      <mc:AlternateContent xmlns:mc="http://schemas.openxmlformats.org/markup-compatibility/2006">
-        <mc:Choice xmlns:p14="http://schemas.microsoft.com/office/powerpoint/2010/main" Requires="p14">
+      <mc:AlternateContent xmlns:mc="http://schemas.openxmlformats.org/markup-compatibility/2006" xmlns:p14="http://schemas.microsoft.com/office/powerpoint/2010/main">
+        <mc:Choice Requires="p14">
           <p:contentPart p14:bwMode="auto" r:id="rId276">
             <p14:nvContentPartPr>
               <p14:cNvPr id="232" name="インク 231">
@@ -18931,7 +18931,7 @@
             </p14:xfrm>
           </p:contentPart>
         </mc:Choice>
-        <mc:Fallback>
+        <mc:Fallback xmlns="">
           <p:pic>
             <p:nvPicPr>
               <p:cNvPr id="232" name="インク 231">
@@ -18982,8 +18982,8 @@
             <a:chExt cx="822103" cy="178970"/>
           </a:xfrm>
         </p:grpSpPr>
-        <mc:AlternateContent xmlns:mc="http://schemas.openxmlformats.org/markup-compatibility/2006">
-          <mc:Choice xmlns:p14="http://schemas.microsoft.com/office/powerpoint/2010/main" Requires="p14">
+        <mc:AlternateContent xmlns:mc="http://schemas.openxmlformats.org/markup-compatibility/2006" xmlns:p14="http://schemas.microsoft.com/office/powerpoint/2010/main">
+          <mc:Choice Requires="p14">
             <p:contentPart p14:bwMode="auto" r:id="rId278">
               <p14:nvContentPartPr>
                 <p14:cNvPr id="250" name="インク 249">
@@ -19002,7 +19002,7 @@
               </p14:xfrm>
             </p:contentPart>
           </mc:Choice>
-          <mc:Fallback>
+          <mc:Fallback xmlns="">
             <p:pic>
               <p:nvPicPr>
                 <p:cNvPr id="250" name="インク 249">
@@ -19033,8 +19033,8 @@
             </p:pic>
           </mc:Fallback>
         </mc:AlternateContent>
-        <mc:AlternateContent xmlns:mc="http://schemas.openxmlformats.org/markup-compatibility/2006">
-          <mc:Choice xmlns:p14="http://schemas.microsoft.com/office/powerpoint/2010/main" Requires="p14">
+        <mc:AlternateContent xmlns:mc="http://schemas.openxmlformats.org/markup-compatibility/2006" xmlns:p14="http://schemas.microsoft.com/office/powerpoint/2010/main">
+          <mc:Choice Requires="p14">
             <p:contentPart p14:bwMode="auto" r:id="rId280">
               <p14:nvContentPartPr>
                 <p14:cNvPr id="251" name="インク 250">
@@ -19053,7 +19053,7 @@
               </p14:xfrm>
             </p:contentPart>
           </mc:Choice>
-          <mc:Fallback>
+          <mc:Fallback xmlns="">
             <p:pic>
               <p:nvPicPr>
                 <p:cNvPr id="251" name="インク 250">
@@ -19084,8 +19084,8 @@
             </p:pic>
           </mc:Fallback>
         </mc:AlternateContent>
-        <mc:AlternateContent xmlns:mc="http://schemas.openxmlformats.org/markup-compatibility/2006">
-          <mc:Choice xmlns:p14="http://schemas.microsoft.com/office/powerpoint/2010/main" Requires="p14">
+        <mc:AlternateContent xmlns:mc="http://schemas.openxmlformats.org/markup-compatibility/2006" xmlns:p14="http://schemas.microsoft.com/office/powerpoint/2010/main">
+          <mc:Choice Requires="p14">
             <p:contentPart p14:bwMode="auto" r:id="rId282">
               <p14:nvContentPartPr>
                 <p14:cNvPr id="252" name="インク 251">
@@ -19104,7 +19104,7 @@
               </p14:xfrm>
             </p:contentPart>
           </mc:Choice>
-          <mc:Fallback>
+          <mc:Fallback xmlns="">
             <p:pic>
               <p:nvPicPr>
                 <p:cNvPr id="252" name="インク 251">
@@ -19156,8 +19156,8 @@
             <a:chExt cx="3099240" cy="759108"/>
           </a:xfrm>
         </p:grpSpPr>
-        <mc:AlternateContent xmlns:mc="http://schemas.openxmlformats.org/markup-compatibility/2006">
-          <mc:Choice xmlns:p14="http://schemas.microsoft.com/office/powerpoint/2010/main" Requires="p14">
+        <mc:AlternateContent xmlns:mc="http://schemas.openxmlformats.org/markup-compatibility/2006" xmlns:p14="http://schemas.microsoft.com/office/powerpoint/2010/main">
+          <mc:Choice Requires="p14">
             <p:contentPart p14:bwMode="auto" r:id="rId284">
               <p14:nvContentPartPr>
                 <p14:cNvPr id="233" name="インク 232">
@@ -19176,7 +19176,7 @@
               </p14:xfrm>
             </p:contentPart>
           </mc:Choice>
-          <mc:Fallback>
+          <mc:Fallback xmlns="">
             <p:pic>
               <p:nvPicPr>
                 <p:cNvPr id="233" name="インク 232">
@@ -19207,8 +19207,8 @@
             </p:pic>
           </mc:Fallback>
         </mc:AlternateContent>
-        <mc:AlternateContent xmlns:mc="http://schemas.openxmlformats.org/markup-compatibility/2006">
-          <mc:Choice xmlns:p14="http://schemas.microsoft.com/office/powerpoint/2010/main" Requires="p14">
+        <mc:AlternateContent xmlns:mc="http://schemas.openxmlformats.org/markup-compatibility/2006" xmlns:p14="http://schemas.microsoft.com/office/powerpoint/2010/main">
+          <mc:Choice Requires="p14">
             <p:contentPart p14:bwMode="auto" r:id="rId286">
               <p14:nvContentPartPr>
                 <p14:cNvPr id="234" name="インク 233">
@@ -19227,7 +19227,7 @@
               </p14:xfrm>
             </p:contentPart>
           </mc:Choice>
-          <mc:Fallback>
+          <mc:Fallback xmlns="">
             <p:pic>
               <p:nvPicPr>
                 <p:cNvPr id="234" name="インク 233">
@@ -19258,8 +19258,8 @@
             </p:pic>
           </mc:Fallback>
         </mc:AlternateContent>
-        <mc:AlternateContent xmlns:mc="http://schemas.openxmlformats.org/markup-compatibility/2006">
-          <mc:Choice xmlns:p14="http://schemas.microsoft.com/office/powerpoint/2010/main" Requires="p14">
+        <mc:AlternateContent xmlns:mc="http://schemas.openxmlformats.org/markup-compatibility/2006" xmlns:p14="http://schemas.microsoft.com/office/powerpoint/2010/main">
+          <mc:Choice Requires="p14">
             <p:contentPart p14:bwMode="auto" r:id="rId288">
               <p14:nvContentPartPr>
                 <p14:cNvPr id="235" name="インク 234">
@@ -19278,7 +19278,7 @@
               </p14:xfrm>
             </p:contentPart>
           </mc:Choice>
-          <mc:Fallback>
+          <mc:Fallback xmlns="">
             <p:pic>
               <p:nvPicPr>
                 <p:cNvPr id="235" name="インク 234">
@@ -19309,8 +19309,8 @@
             </p:pic>
           </mc:Fallback>
         </mc:AlternateContent>
-        <mc:AlternateContent xmlns:mc="http://schemas.openxmlformats.org/markup-compatibility/2006">
-          <mc:Choice xmlns:p14="http://schemas.microsoft.com/office/powerpoint/2010/main" Requires="p14">
+        <mc:AlternateContent xmlns:mc="http://schemas.openxmlformats.org/markup-compatibility/2006" xmlns:p14="http://schemas.microsoft.com/office/powerpoint/2010/main">
+          <mc:Choice Requires="p14">
             <p:contentPart p14:bwMode="auto" r:id="rId290">
               <p14:nvContentPartPr>
                 <p14:cNvPr id="237" name="インク 236">
@@ -19329,7 +19329,7 @@
               </p14:xfrm>
             </p:contentPart>
           </mc:Choice>
-          <mc:Fallback>
+          <mc:Fallback xmlns="">
             <p:pic>
               <p:nvPicPr>
                 <p:cNvPr id="237" name="インク 236">
@@ -19360,8 +19360,8 @@
             </p:pic>
           </mc:Fallback>
         </mc:AlternateContent>
-        <mc:AlternateContent xmlns:mc="http://schemas.openxmlformats.org/markup-compatibility/2006">
-          <mc:Choice xmlns:p14="http://schemas.microsoft.com/office/powerpoint/2010/main" Requires="p14">
+        <mc:AlternateContent xmlns:mc="http://schemas.openxmlformats.org/markup-compatibility/2006" xmlns:p14="http://schemas.microsoft.com/office/powerpoint/2010/main">
+          <mc:Choice Requires="p14">
             <p:contentPart p14:bwMode="auto" r:id="rId292">
               <p14:nvContentPartPr>
                 <p14:cNvPr id="238" name="インク 237">
@@ -19380,7 +19380,7 @@
               </p14:xfrm>
             </p:contentPart>
           </mc:Choice>
-          <mc:Fallback>
+          <mc:Fallback xmlns="">
             <p:pic>
               <p:nvPicPr>
                 <p:cNvPr id="238" name="インク 237">
@@ -19411,8 +19411,8 @@
             </p:pic>
           </mc:Fallback>
         </mc:AlternateContent>
-        <mc:AlternateContent xmlns:mc="http://schemas.openxmlformats.org/markup-compatibility/2006">
-          <mc:Choice xmlns:p14="http://schemas.microsoft.com/office/powerpoint/2010/main" Requires="p14">
+        <mc:AlternateContent xmlns:mc="http://schemas.openxmlformats.org/markup-compatibility/2006" xmlns:p14="http://schemas.microsoft.com/office/powerpoint/2010/main">
+          <mc:Choice Requires="p14">
             <p:contentPart p14:bwMode="auto" r:id="rId294">
               <p14:nvContentPartPr>
                 <p14:cNvPr id="239" name="インク 238">
@@ -19431,7 +19431,7 @@
               </p14:xfrm>
             </p:contentPart>
           </mc:Choice>
-          <mc:Fallback>
+          <mc:Fallback xmlns="">
             <p:pic>
               <p:nvPicPr>
                 <p:cNvPr id="239" name="インク 238">
@@ -19462,8 +19462,8 @@
             </p:pic>
           </mc:Fallback>
         </mc:AlternateContent>
-        <mc:AlternateContent xmlns:mc="http://schemas.openxmlformats.org/markup-compatibility/2006">
-          <mc:Choice xmlns:p14="http://schemas.microsoft.com/office/powerpoint/2010/main" Requires="p14">
+        <mc:AlternateContent xmlns:mc="http://schemas.openxmlformats.org/markup-compatibility/2006" xmlns:p14="http://schemas.microsoft.com/office/powerpoint/2010/main">
+          <mc:Choice Requires="p14">
             <p:contentPart p14:bwMode="auto" r:id="rId296">
               <p14:nvContentPartPr>
                 <p14:cNvPr id="240" name="インク 239">
@@ -19482,7 +19482,7 @@
               </p14:xfrm>
             </p:contentPart>
           </mc:Choice>
-          <mc:Fallback>
+          <mc:Fallback xmlns="">
             <p:pic>
               <p:nvPicPr>
                 <p:cNvPr id="240" name="インク 239">
@@ -19513,8 +19513,8 @@
             </p:pic>
           </mc:Fallback>
         </mc:AlternateContent>
-        <mc:AlternateContent xmlns:mc="http://schemas.openxmlformats.org/markup-compatibility/2006">
-          <mc:Choice xmlns:p14="http://schemas.microsoft.com/office/powerpoint/2010/main" Requires="p14">
+        <mc:AlternateContent xmlns:mc="http://schemas.openxmlformats.org/markup-compatibility/2006" xmlns:p14="http://schemas.microsoft.com/office/powerpoint/2010/main">
+          <mc:Choice Requires="p14">
             <p:contentPart p14:bwMode="auto" r:id="rId298">
               <p14:nvContentPartPr>
                 <p14:cNvPr id="241" name="インク 240">
@@ -19533,7 +19533,7 @@
               </p14:xfrm>
             </p:contentPart>
           </mc:Choice>
-          <mc:Fallback>
+          <mc:Fallback xmlns="">
             <p:pic>
               <p:nvPicPr>
                 <p:cNvPr id="241" name="インク 240">
@@ -19564,8 +19564,8 @@
             </p:pic>
           </mc:Fallback>
         </mc:AlternateContent>
-        <mc:AlternateContent xmlns:mc="http://schemas.openxmlformats.org/markup-compatibility/2006">
-          <mc:Choice xmlns:p14="http://schemas.microsoft.com/office/powerpoint/2010/main" Requires="p14">
+        <mc:AlternateContent xmlns:mc="http://schemas.openxmlformats.org/markup-compatibility/2006" xmlns:p14="http://schemas.microsoft.com/office/powerpoint/2010/main">
+          <mc:Choice Requires="p14">
             <p:contentPart p14:bwMode="auto" r:id="rId300">
               <p14:nvContentPartPr>
                 <p14:cNvPr id="243" name="インク 242">
@@ -19584,7 +19584,7 @@
               </p14:xfrm>
             </p:contentPart>
           </mc:Choice>
-          <mc:Fallback>
+          <mc:Fallback xmlns="">
             <p:pic>
               <p:nvPicPr>
                 <p:cNvPr id="243" name="インク 242">
@@ -19615,8 +19615,8 @@
             </p:pic>
           </mc:Fallback>
         </mc:AlternateContent>
-        <mc:AlternateContent xmlns:mc="http://schemas.openxmlformats.org/markup-compatibility/2006">
-          <mc:Choice xmlns:p14="http://schemas.microsoft.com/office/powerpoint/2010/main" Requires="p14">
+        <mc:AlternateContent xmlns:mc="http://schemas.openxmlformats.org/markup-compatibility/2006" xmlns:p14="http://schemas.microsoft.com/office/powerpoint/2010/main">
+          <mc:Choice Requires="p14">
             <p:contentPart p14:bwMode="auto" r:id="rId302">
               <p14:nvContentPartPr>
                 <p14:cNvPr id="244" name="インク 243">
@@ -19635,7 +19635,7 @@
               </p14:xfrm>
             </p:contentPart>
           </mc:Choice>
-          <mc:Fallback>
+          <mc:Fallback xmlns="">
             <p:pic>
               <p:nvPicPr>
                 <p:cNvPr id="244" name="インク 243">
@@ -19666,8 +19666,8 @@
             </p:pic>
           </mc:Fallback>
         </mc:AlternateContent>
-        <mc:AlternateContent xmlns:mc="http://schemas.openxmlformats.org/markup-compatibility/2006">
-          <mc:Choice xmlns:p14="http://schemas.microsoft.com/office/powerpoint/2010/main" Requires="p14">
+        <mc:AlternateContent xmlns:mc="http://schemas.openxmlformats.org/markup-compatibility/2006" xmlns:p14="http://schemas.microsoft.com/office/powerpoint/2010/main">
+          <mc:Choice Requires="p14">
             <p:contentPart p14:bwMode="auto" r:id="rId304">
               <p14:nvContentPartPr>
                 <p14:cNvPr id="245" name="インク 244">
@@ -19686,7 +19686,7 @@
               </p14:xfrm>
             </p:contentPart>
           </mc:Choice>
-          <mc:Fallback>
+          <mc:Fallback xmlns="">
             <p:pic>
               <p:nvPicPr>
                 <p:cNvPr id="245" name="インク 244">
@@ -19717,8 +19717,8 @@
             </p:pic>
           </mc:Fallback>
         </mc:AlternateContent>
-        <mc:AlternateContent xmlns:mc="http://schemas.openxmlformats.org/markup-compatibility/2006">
-          <mc:Choice xmlns:p14="http://schemas.microsoft.com/office/powerpoint/2010/main" Requires="p14">
+        <mc:AlternateContent xmlns:mc="http://schemas.openxmlformats.org/markup-compatibility/2006" xmlns:p14="http://schemas.microsoft.com/office/powerpoint/2010/main">
+          <mc:Choice Requires="p14">
             <p:contentPart p14:bwMode="auto" r:id="rId306">
               <p14:nvContentPartPr>
                 <p14:cNvPr id="247" name="インク 246">
@@ -19737,7 +19737,7 @@
               </p14:xfrm>
             </p:contentPart>
           </mc:Choice>
-          <mc:Fallback>
+          <mc:Fallback xmlns="">
             <p:pic>
               <p:nvPicPr>
                 <p:cNvPr id="247" name="インク 246">
@@ -19768,8 +19768,8 @@
             </p:pic>
           </mc:Fallback>
         </mc:AlternateContent>
-        <mc:AlternateContent xmlns:mc="http://schemas.openxmlformats.org/markup-compatibility/2006">
-          <mc:Choice xmlns:p14="http://schemas.microsoft.com/office/powerpoint/2010/main" Requires="p14">
+        <mc:AlternateContent xmlns:mc="http://schemas.openxmlformats.org/markup-compatibility/2006" xmlns:p14="http://schemas.microsoft.com/office/powerpoint/2010/main">
+          <mc:Choice Requires="p14">
             <p:contentPart p14:bwMode="auto" r:id="rId308">
               <p14:nvContentPartPr>
                 <p14:cNvPr id="248" name="インク 247">
@@ -19788,7 +19788,7 @@
               </p14:xfrm>
             </p:contentPart>
           </mc:Choice>
-          <mc:Fallback>
+          <mc:Fallback xmlns="">
             <p:pic>
               <p:nvPicPr>
                 <p:cNvPr id="248" name="インク 247">
@@ -19819,8 +19819,8 @@
             </p:pic>
           </mc:Fallback>
         </mc:AlternateContent>
-        <mc:AlternateContent xmlns:mc="http://schemas.openxmlformats.org/markup-compatibility/2006">
-          <mc:Choice xmlns:p14="http://schemas.microsoft.com/office/powerpoint/2010/main" Requires="p14">
+        <mc:AlternateContent xmlns:mc="http://schemas.openxmlformats.org/markup-compatibility/2006" xmlns:p14="http://schemas.microsoft.com/office/powerpoint/2010/main">
+          <mc:Choice Requires="p14">
             <p:contentPart p14:bwMode="auto" r:id="rId310">
               <p14:nvContentPartPr>
                 <p14:cNvPr id="254" name="インク 253">
@@ -19839,7 +19839,7 @@
               </p14:xfrm>
             </p:contentPart>
           </mc:Choice>
-          <mc:Fallback>
+          <mc:Fallback xmlns="">
             <p:pic>
               <p:nvPicPr>
                 <p:cNvPr id="254" name="インク 253">
@@ -19870,8 +19870,8 @@
             </p:pic>
           </mc:Fallback>
         </mc:AlternateContent>
-        <mc:AlternateContent xmlns:mc="http://schemas.openxmlformats.org/markup-compatibility/2006">
-          <mc:Choice xmlns:p14="http://schemas.microsoft.com/office/powerpoint/2010/main" Requires="p14">
+        <mc:AlternateContent xmlns:mc="http://schemas.openxmlformats.org/markup-compatibility/2006" xmlns:p14="http://schemas.microsoft.com/office/powerpoint/2010/main">
+          <mc:Choice Requires="p14">
             <p:contentPart p14:bwMode="auto" r:id="rId312">
               <p14:nvContentPartPr>
                 <p14:cNvPr id="255" name="インク 254">
@@ -19890,7 +19890,7 @@
               </p14:xfrm>
             </p:contentPart>
           </mc:Choice>
-          <mc:Fallback>
+          <mc:Fallback xmlns="">
             <p:pic>
               <p:nvPicPr>
                 <p:cNvPr id="255" name="インク 254">
@@ -19921,8 +19921,8 @@
             </p:pic>
           </mc:Fallback>
         </mc:AlternateContent>
-        <mc:AlternateContent xmlns:mc="http://schemas.openxmlformats.org/markup-compatibility/2006">
-          <mc:Choice xmlns:p14="http://schemas.microsoft.com/office/powerpoint/2010/main" Requires="p14">
+        <mc:AlternateContent xmlns:mc="http://schemas.openxmlformats.org/markup-compatibility/2006" xmlns:p14="http://schemas.microsoft.com/office/powerpoint/2010/main">
+          <mc:Choice Requires="p14">
             <p:contentPart p14:bwMode="auto" r:id="rId314">
               <p14:nvContentPartPr>
                 <p14:cNvPr id="256" name="インク 255">
@@ -19941,7 +19941,7 @@
               </p14:xfrm>
             </p:contentPart>
           </mc:Choice>
-          <mc:Fallback>
+          <mc:Fallback xmlns="">
             <p:pic>
               <p:nvPicPr>
                 <p:cNvPr id="256" name="インク 255">
@@ -19972,8 +19972,8 @@
             </p:pic>
           </mc:Fallback>
         </mc:AlternateContent>
-        <mc:AlternateContent xmlns:mc="http://schemas.openxmlformats.org/markup-compatibility/2006">
-          <mc:Choice xmlns:p14="http://schemas.microsoft.com/office/powerpoint/2010/main" Requires="p14">
+        <mc:AlternateContent xmlns:mc="http://schemas.openxmlformats.org/markup-compatibility/2006" xmlns:p14="http://schemas.microsoft.com/office/powerpoint/2010/main">
+          <mc:Choice Requires="p14">
             <p:contentPart p14:bwMode="auto" r:id="rId316">
               <p14:nvContentPartPr>
                 <p14:cNvPr id="257" name="インク 256">
@@ -19992,7 +19992,7 @@
               </p14:xfrm>
             </p:contentPart>
           </mc:Choice>
-          <mc:Fallback>
+          <mc:Fallback xmlns="">
             <p:pic>
               <p:nvPicPr>
                 <p:cNvPr id="257" name="インク 256">
@@ -20023,8 +20023,8 @@
             </p:pic>
           </mc:Fallback>
         </mc:AlternateContent>
-        <mc:AlternateContent xmlns:mc="http://schemas.openxmlformats.org/markup-compatibility/2006">
-          <mc:Choice xmlns:p14="http://schemas.microsoft.com/office/powerpoint/2010/main" Requires="p14">
+        <mc:AlternateContent xmlns:mc="http://schemas.openxmlformats.org/markup-compatibility/2006" xmlns:p14="http://schemas.microsoft.com/office/powerpoint/2010/main">
+          <mc:Choice Requires="p14">
             <p:contentPart p14:bwMode="auto" r:id="rId318">
               <p14:nvContentPartPr>
                 <p14:cNvPr id="258" name="インク 257">
@@ -20043,7 +20043,7 @@
               </p14:xfrm>
             </p:contentPart>
           </mc:Choice>
-          <mc:Fallback>
+          <mc:Fallback xmlns="">
             <p:pic>
               <p:nvPicPr>
                 <p:cNvPr id="258" name="インク 257">
@@ -20074,8 +20074,8 @@
             </p:pic>
           </mc:Fallback>
         </mc:AlternateContent>
-        <mc:AlternateContent xmlns:mc="http://schemas.openxmlformats.org/markup-compatibility/2006">
-          <mc:Choice xmlns:p14="http://schemas.microsoft.com/office/powerpoint/2010/main" Requires="p14">
+        <mc:AlternateContent xmlns:mc="http://schemas.openxmlformats.org/markup-compatibility/2006" xmlns:p14="http://schemas.microsoft.com/office/powerpoint/2010/main">
+          <mc:Choice Requires="p14">
             <p:contentPart p14:bwMode="auto" r:id="rId320">
               <p14:nvContentPartPr>
                 <p14:cNvPr id="259" name="インク 258">
@@ -20094,7 +20094,7 @@
               </p14:xfrm>
             </p:contentPart>
           </mc:Choice>
-          <mc:Fallback>
+          <mc:Fallback xmlns="">
             <p:pic>
               <p:nvPicPr>
                 <p:cNvPr id="259" name="インク 258">
@@ -20125,8 +20125,8 @@
             </p:pic>
           </mc:Fallback>
         </mc:AlternateContent>
-        <mc:AlternateContent xmlns:mc="http://schemas.openxmlformats.org/markup-compatibility/2006">
-          <mc:Choice xmlns:p14="http://schemas.microsoft.com/office/powerpoint/2010/main" Requires="p14">
+        <mc:AlternateContent xmlns:mc="http://schemas.openxmlformats.org/markup-compatibility/2006" xmlns:p14="http://schemas.microsoft.com/office/powerpoint/2010/main">
+          <mc:Choice Requires="p14">
             <p:contentPart p14:bwMode="auto" r:id="rId322">
               <p14:nvContentPartPr>
                 <p14:cNvPr id="260" name="インク 259">
@@ -20145,7 +20145,7 @@
               </p14:xfrm>
             </p:contentPart>
           </mc:Choice>
-          <mc:Fallback>
+          <mc:Fallback xmlns="">
             <p:pic>
               <p:nvPicPr>
                 <p:cNvPr id="260" name="インク 259">
@@ -20176,8 +20176,8 @@
             </p:pic>
           </mc:Fallback>
         </mc:AlternateContent>
-        <mc:AlternateContent xmlns:mc="http://schemas.openxmlformats.org/markup-compatibility/2006">
-          <mc:Choice xmlns:p14="http://schemas.microsoft.com/office/powerpoint/2010/main" Requires="p14">
+        <mc:AlternateContent xmlns:mc="http://schemas.openxmlformats.org/markup-compatibility/2006" xmlns:p14="http://schemas.microsoft.com/office/powerpoint/2010/main">
+          <mc:Choice Requires="p14">
             <p:contentPart p14:bwMode="auto" r:id="rId324">
               <p14:nvContentPartPr>
                 <p14:cNvPr id="261" name="インク 260">
@@ -20196,7 +20196,7 @@
               </p14:xfrm>
             </p:contentPart>
           </mc:Choice>
-          <mc:Fallback>
+          <mc:Fallback xmlns="">
             <p:pic>
               <p:nvPicPr>
                 <p:cNvPr id="261" name="インク 260">
@@ -20227,8 +20227,8 @@
             </p:pic>
           </mc:Fallback>
         </mc:AlternateContent>
-        <mc:AlternateContent xmlns:mc="http://schemas.openxmlformats.org/markup-compatibility/2006">
-          <mc:Choice xmlns:p14="http://schemas.microsoft.com/office/powerpoint/2010/main" Requires="p14">
+        <mc:AlternateContent xmlns:mc="http://schemas.openxmlformats.org/markup-compatibility/2006" xmlns:p14="http://schemas.microsoft.com/office/powerpoint/2010/main">
+          <mc:Choice Requires="p14">
             <p:contentPart p14:bwMode="auto" r:id="rId326">
               <p14:nvContentPartPr>
                 <p14:cNvPr id="262" name="インク 261">
@@ -20247,7 +20247,7 @@
               </p14:xfrm>
             </p:contentPart>
           </mc:Choice>
-          <mc:Fallback>
+          <mc:Fallback xmlns="">
             <p:pic>
               <p:nvPicPr>
                 <p:cNvPr id="262" name="インク 261">
@@ -20278,8 +20278,8 @@
             </p:pic>
           </mc:Fallback>
         </mc:AlternateContent>
-        <mc:AlternateContent xmlns:mc="http://schemas.openxmlformats.org/markup-compatibility/2006">
-          <mc:Choice xmlns:p14="http://schemas.microsoft.com/office/powerpoint/2010/main" Requires="p14">
+        <mc:AlternateContent xmlns:mc="http://schemas.openxmlformats.org/markup-compatibility/2006" xmlns:p14="http://schemas.microsoft.com/office/powerpoint/2010/main">
+          <mc:Choice Requires="p14">
             <p:contentPart p14:bwMode="auto" r:id="rId328">
               <p14:nvContentPartPr>
                 <p14:cNvPr id="263" name="インク 262">
@@ -20298,7 +20298,7 @@
               </p14:xfrm>
             </p:contentPart>
           </mc:Choice>
-          <mc:Fallback>
+          <mc:Fallback xmlns="">
             <p:pic>
               <p:nvPicPr>
                 <p:cNvPr id="263" name="インク 262">
@@ -20329,8 +20329,8 @@
             </p:pic>
           </mc:Fallback>
         </mc:AlternateContent>
-        <mc:AlternateContent xmlns:mc="http://schemas.openxmlformats.org/markup-compatibility/2006">
-          <mc:Choice xmlns:p14="http://schemas.microsoft.com/office/powerpoint/2010/main" Requires="p14">
+        <mc:AlternateContent xmlns:mc="http://schemas.openxmlformats.org/markup-compatibility/2006" xmlns:p14="http://schemas.microsoft.com/office/powerpoint/2010/main">
+          <mc:Choice Requires="p14">
             <p:contentPart p14:bwMode="auto" r:id="rId330">
               <p14:nvContentPartPr>
                 <p14:cNvPr id="264" name="インク 263">
@@ -20349,7 +20349,7 @@
               </p14:xfrm>
             </p:contentPart>
           </mc:Choice>
-          <mc:Fallback>
+          <mc:Fallback xmlns="">
             <p:pic>
               <p:nvPicPr>
                 <p:cNvPr id="264" name="インク 263">
@@ -20380,8 +20380,8 @@
             </p:pic>
           </mc:Fallback>
         </mc:AlternateContent>
-        <mc:AlternateContent xmlns:mc="http://schemas.openxmlformats.org/markup-compatibility/2006">
-          <mc:Choice xmlns:p14="http://schemas.microsoft.com/office/powerpoint/2010/main" Requires="p14">
+        <mc:AlternateContent xmlns:mc="http://schemas.openxmlformats.org/markup-compatibility/2006" xmlns:p14="http://schemas.microsoft.com/office/powerpoint/2010/main">
+          <mc:Choice Requires="p14">
             <p:contentPart p14:bwMode="auto" r:id="rId332">
               <p14:nvContentPartPr>
                 <p14:cNvPr id="265" name="インク 264">
@@ -20400,7 +20400,7 @@
               </p14:xfrm>
             </p:contentPart>
           </mc:Choice>
-          <mc:Fallback>
+          <mc:Fallback xmlns="">
             <p:pic>
               <p:nvPicPr>
                 <p:cNvPr id="265" name="インク 264">
@@ -20452,8 +20452,8 @@
             <a:chExt cx="592200" cy="703080"/>
           </a:xfrm>
         </p:grpSpPr>
-        <mc:AlternateContent xmlns:mc="http://schemas.openxmlformats.org/markup-compatibility/2006">
-          <mc:Choice xmlns:p14="http://schemas.microsoft.com/office/powerpoint/2010/main" Requires="p14">
+        <mc:AlternateContent xmlns:mc="http://schemas.openxmlformats.org/markup-compatibility/2006" xmlns:p14="http://schemas.microsoft.com/office/powerpoint/2010/main">
+          <mc:Choice Requires="p14">
             <p:contentPart p14:bwMode="auto" r:id="rId334">
               <p14:nvContentPartPr>
                 <p14:cNvPr id="270" name="インク 269">
@@ -20472,7 +20472,7 @@
               </p14:xfrm>
             </p:contentPart>
           </mc:Choice>
-          <mc:Fallback>
+          <mc:Fallback xmlns="">
             <p:pic>
               <p:nvPicPr>
                 <p:cNvPr id="270" name="インク 269">
@@ -20503,8 +20503,8 @@
             </p:pic>
           </mc:Fallback>
         </mc:AlternateContent>
-        <mc:AlternateContent xmlns:mc="http://schemas.openxmlformats.org/markup-compatibility/2006">
-          <mc:Choice xmlns:p14="http://schemas.microsoft.com/office/powerpoint/2010/main" Requires="p14">
+        <mc:AlternateContent xmlns:mc="http://schemas.openxmlformats.org/markup-compatibility/2006" xmlns:p14="http://schemas.microsoft.com/office/powerpoint/2010/main">
+          <mc:Choice Requires="p14">
             <p:contentPart p14:bwMode="auto" r:id="rId336">
               <p14:nvContentPartPr>
                 <p14:cNvPr id="271" name="インク 270">
@@ -20523,7 +20523,7 @@
               </p14:xfrm>
             </p:contentPart>
           </mc:Choice>
-          <mc:Fallback>
+          <mc:Fallback xmlns="">
             <p:pic>
               <p:nvPicPr>
                 <p:cNvPr id="271" name="インク 270">
@@ -20554,8 +20554,8 @@
             </p:pic>
           </mc:Fallback>
         </mc:AlternateContent>
-        <mc:AlternateContent xmlns:mc="http://schemas.openxmlformats.org/markup-compatibility/2006">
-          <mc:Choice xmlns:p14="http://schemas.microsoft.com/office/powerpoint/2010/main" Requires="p14">
+        <mc:AlternateContent xmlns:mc="http://schemas.openxmlformats.org/markup-compatibility/2006" xmlns:p14="http://schemas.microsoft.com/office/powerpoint/2010/main">
+          <mc:Choice Requires="p14">
             <p:contentPart p14:bwMode="auto" r:id="rId338">
               <p14:nvContentPartPr>
                 <p14:cNvPr id="272" name="インク 271">
@@ -20574,7 +20574,7 @@
               </p14:xfrm>
             </p:contentPart>
           </mc:Choice>
-          <mc:Fallback>
+          <mc:Fallback xmlns="">
             <p:pic>
               <p:nvPicPr>
                 <p:cNvPr id="272" name="インク 271">
@@ -20605,8 +20605,8 @@
             </p:pic>
           </mc:Fallback>
         </mc:AlternateContent>
-        <mc:AlternateContent xmlns:mc="http://schemas.openxmlformats.org/markup-compatibility/2006">
-          <mc:Choice xmlns:p14="http://schemas.microsoft.com/office/powerpoint/2010/main" Requires="p14">
+        <mc:AlternateContent xmlns:mc="http://schemas.openxmlformats.org/markup-compatibility/2006" xmlns:p14="http://schemas.microsoft.com/office/powerpoint/2010/main">
+          <mc:Choice Requires="p14">
             <p:contentPart p14:bwMode="auto" r:id="rId340">
               <p14:nvContentPartPr>
                 <p14:cNvPr id="273" name="インク 272">
@@ -20625,7 +20625,7 @@
               </p14:xfrm>
             </p:contentPart>
           </mc:Choice>
-          <mc:Fallback>
+          <mc:Fallback xmlns="">
             <p:pic>
               <p:nvPicPr>
                 <p:cNvPr id="273" name="インク 272">
@@ -20677,8 +20677,8 @@
             <a:chExt cx="1714680" cy="333360"/>
           </a:xfrm>
         </p:grpSpPr>
-        <mc:AlternateContent xmlns:mc="http://schemas.openxmlformats.org/markup-compatibility/2006">
-          <mc:Choice xmlns:p14="http://schemas.microsoft.com/office/powerpoint/2010/main" Requires="p14">
+        <mc:AlternateContent xmlns:mc="http://schemas.openxmlformats.org/markup-compatibility/2006" xmlns:p14="http://schemas.microsoft.com/office/powerpoint/2010/main">
+          <mc:Choice Requires="p14">
             <p:contentPart p14:bwMode="auto" r:id="rId342">
               <p14:nvContentPartPr>
                 <p14:cNvPr id="267" name="インク 266">
@@ -20697,7 +20697,7 @@
               </p14:xfrm>
             </p:contentPart>
           </mc:Choice>
-          <mc:Fallback>
+          <mc:Fallback xmlns="">
             <p:pic>
               <p:nvPicPr>
                 <p:cNvPr id="267" name="インク 266">
@@ -20728,8 +20728,8 @@
             </p:pic>
           </mc:Fallback>
         </mc:AlternateContent>
-        <mc:AlternateContent xmlns:mc="http://schemas.openxmlformats.org/markup-compatibility/2006">
-          <mc:Choice xmlns:p14="http://schemas.microsoft.com/office/powerpoint/2010/main" Requires="p14">
+        <mc:AlternateContent xmlns:mc="http://schemas.openxmlformats.org/markup-compatibility/2006" xmlns:p14="http://schemas.microsoft.com/office/powerpoint/2010/main">
+          <mc:Choice Requires="p14">
             <p:contentPart p14:bwMode="auto" r:id="rId344">
               <p14:nvContentPartPr>
                 <p14:cNvPr id="268" name="インク 267">
@@ -20748,7 +20748,7 @@
               </p14:xfrm>
             </p:contentPart>
           </mc:Choice>
-          <mc:Fallback>
+          <mc:Fallback xmlns="">
             <p:pic>
               <p:nvPicPr>
                 <p:cNvPr id="268" name="インク 267">
@@ -20779,8 +20779,8 @@
             </p:pic>
           </mc:Fallback>
         </mc:AlternateContent>
-        <mc:AlternateContent xmlns:mc="http://schemas.openxmlformats.org/markup-compatibility/2006">
-          <mc:Choice xmlns:p14="http://schemas.microsoft.com/office/powerpoint/2010/main" Requires="p14">
+        <mc:AlternateContent xmlns:mc="http://schemas.openxmlformats.org/markup-compatibility/2006" xmlns:p14="http://schemas.microsoft.com/office/powerpoint/2010/main">
+          <mc:Choice Requires="p14">
             <p:contentPart p14:bwMode="auto" r:id="rId346">
               <p14:nvContentPartPr>
                 <p14:cNvPr id="269" name="インク 268">
@@ -20799,7 +20799,7 @@
               </p14:xfrm>
             </p:contentPart>
           </mc:Choice>
-          <mc:Fallback>
+          <mc:Fallback xmlns="">
             <p:pic>
               <p:nvPicPr>
                 <p:cNvPr id="269" name="インク 268">
@@ -20830,8 +20830,8 @@
             </p:pic>
           </mc:Fallback>
         </mc:AlternateContent>
-        <mc:AlternateContent xmlns:mc="http://schemas.openxmlformats.org/markup-compatibility/2006">
-          <mc:Choice xmlns:p14="http://schemas.microsoft.com/office/powerpoint/2010/main" Requires="p14">
+        <mc:AlternateContent xmlns:mc="http://schemas.openxmlformats.org/markup-compatibility/2006" xmlns:p14="http://schemas.microsoft.com/office/powerpoint/2010/main">
+          <mc:Choice Requires="p14">
             <p:contentPart p14:bwMode="auto" r:id="rId348">
               <p14:nvContentPartPr>
                 <p14:cNvPr id="276" name="インク 275">
@@ -20850,7 +20850,7 @@
               </p14:xfrm>
             </p:contentPart>
           </mc:Choice>
-          <mc:Fallback>
+          <mc:Fallback xmlns="">
             <p:pic>
               <p:nvPicPr>
                 <p:cNvPr id="276" name="インク 275">
@@ -20881,8 +20881,8 @@
             </p:pic>
           </mc:Fallback>
         </mc:AlternateContent>
-        <mc:AlternateContent xmlns:mc="http://schemas.openxmlformats.org/markup-compatibility/2006">
-          <mc:Choice xmlns:p14="http://schemas.microsoft.com/office/powerpoint/2010/main" Requires="p14">
+        <mc:AlternateContent xmlns:mc="http://schemas.openxmlformats.org/markup-compatibility/2006" xmlns:p14="http://schemas.microsoft.com/office/powerpoint/2010/main">
+          <mc:Choice Requires="p14">
             <p:contentPart p14:bwMode="auto" r:id="rId350">
               <p14:nvContentPartPr>
                 <p14:cNvPr id="277" name="インク 276">
@@ -20901,7 +20901,7 @@
               </p14:xfrm>
             </p:contentPart>
           </mc:Choice>
-          <mc:Fallback>
+          <mc:Fallback xmlns="">
             <p:pic>
               <p:nvPicPr>
                 <p:cNvPr id="277" name="インク 276">
@@ -20932,8 +20932,8 @@
             </p:pic>
           </mc:Fallback>
         </mc:AlternateContent>
-        <mc:AlternateContent xmlns:mc="http://schemas.openxmlformats.org/markup-compatibility/2006">
-          <mc:Choice xmlns:p14="http://schemas.microsoft.com/office/powerpoint/2010/main" Requires="p14">
+        <mc:AlternateContent xmlns:mc="http://schemas.openxmlformats.org/markup-compatibility/2006" xmlns:p14="http://schemas.microsoft.com/office/powerpoint/2010/main">
+          <mc:Choice Requires="p14">
             <p:contentPart p14:bwMode="auto" r:id="rId352">
               <p14:nvContentPartPr>
                 <p14:cNvPr id="278" name="インク 277">
@@ -20952,7 +20952,7 @@
               </p14:xfrm>
             </p:contentPart>
           </mc:Choice>
-          <mc:Fallback>
+          <mc:Fallback xmlns="">
             <p:pic>
               <p:nvPicPr>
                 <p:cNvPr id="278" name="インク 277">
@@ -20983,8 +20983,8 @@
             </p:pic>
           </mc:Fallback>
         </mc:AlternateContent>
-        <mc:AlternateContent xmlns:mc="http://schemas.openxmlformats.org/markup-compatibility/2006">
-          <mc:Choice xmlns:p14="http://schemas.microsoft.com/office/powerpoint/2010/main" Requires="p14">
+        <mc:AlternateContent xmlns:mc="http://schemas.openxmlformats.org/markup-compatibility/2006" xmlns:p14="http://schemas.microsoft.com/office/powerpoint/2010/main">
+          <mc:Choice Requires="p14">
             <p:contentPart p14:bwMode="auto" r:id="rId354">
               <p14:nvContentPartPr>
                 <p14:cNvPr id="279" name="インク 278">
@@ -21003,7 +21003,7 @@
               </p14:xfrm>
             </p:contentPart>
           </mc:Choice>
-          <mc:Fallback>
+          <mc:Fallback xmlns="">
             <p:pic>
               <p:nvPicPr>
                 <p:cNvPr id="279" name="インク 278">
@@ -21034,8 +21034,8 @@
             </p:pic>
           </mc:Fallback>
         </mc:AlternateContent>
-        <mc:AlternateContent xmlns:mc="http://schemas.openxmlformats.org/markup-compatibility/2006">
-          <mc:Choice xmlns:p14="http://schemas.microsoft.com/office/powerpoint/2010/main" Requires="p14">
+        <mc:AlternateContent xmlns:mc="http://schemas.openxmlformats.org/markup-compatibility/2006" xmlns:p14="http://schemas.microsoft.com/office/powerpoint/2010/main">
+          <mc:Choice Requires="p14">
             <p:contentPart p14:bwMode="auto" r:id="rId356">
               <p14:nvContentPartPr>
                 <p14:cNvPr id="280" name="インク 279">
@@ -21054,7 +21054,7 @@
               </p14:xfrm>
             </p:contentPart>
           </mc:Choice>
-          <mc:Fallback>
+          <mc:Fallback xmlns="">
             <p:pic>
               <p:nvPicPr>
                 <p:cNvPr id="280" name="インク 279">
@@ -21085,8 +21085,8 @@
             </p:pic>
           </mc:Fallback>
         </mc:AlternateContent>
-        <mc:AlternateContent xmlns:mc="http://schemas.openxmlformats.org/markup-compatibility/2006">
-          <mc:Choice xmlns:p14="http://schemas.microsoft.com/office/powerpoint/2010/main" Requires="p14">
+        <mc:AlternateContent xmlns:mc="http://schemas.openxmlformats.org/markup-compatibility/2006" xmlns:p14="http://schemas.microsoft.com/office/powerpoint/2010/main">
+          <mc:Choice Requires="p14">
             <p:contentPart p14:bwMode="auto" r:id="rId358">
               <p14:nvContentPartPr>
                 <p14:cNvPr id="281" name="インク 280">
@@ -21105,7 +21105,7 @@
               </p14:xfrm>
             </p:contentPart>
           </mc:Choice>
-          <mc:Fallback>
+          <mc:Fallback xmlns="">
             <p:pic>
               <p:nvPicPr>
                 <p:cNvPr id="281" name="インク 280">
@@ -21136,8 +21136,8 @@
             </p:pic>
           </mc:Fallback>
         </mc:AlternateContent>
-        <mc:AlternateContent xmlns:mc="http://schemas.openxmlformats.org/markup-compatibility/2006">
-          <mc:Choice xmlns:p14="http://schemas.microsoft.com/office/powerpoint/2010/main" Requires="p14">
+        <mc:AlternateContent xmlns:mc="http://schemas.openxmlformats.org/markup-compatibility/2006" xmlns:p14="http://schemas.microsoft.com/office/powerpoint/2010/main">
+          <mc:Choice Requires="p14">
             <p:contentPart p14:bwMode="auto" r:id="rId360">
               <p14:nvContentPartPr>
                 <p14:cNvPr id="282" name="インク 281">
@@ -21156,7 +21156,7 @@
               </p14:xfrm>
             </p:contentPart>
           </mc:Choice>
-          <mc:Fallback>
+          <mc:Fallback xmlns="">
             <p:pic>
               <p:nvPicPr>
                 <p:cNvPr id="282" name="インク 281">
@@ -21187,8 +21187,8 @@
             </p:pic>
           </mc:Fallback>
         </mc:AlternateContent>
-        <mc:AlternateContent xmlns:mc="http://schemas.openxmlformats.org/markup-compatibility/2006">
-          <mc:Choice xmlns:p14="http://schemas.microsoft.com/office/powerpoint/2010/main" Requires="p14">
+        <mc:AlternateContent xmlns:mc="http://schemas.openxmlformats.org/markup-compatibility/2006" xmlns:p14="http://schemas.microsoft.com/office/powerpoint/2010/main">
+          <mc:Choice Requires="p14">
             <p:contentPart p14:bwMode="auto" r:id="rId362">
               <p14:nvContentPartPr>
                 <p14:cNvPr id="283" name="インク 282">
@@ -21207,7 +21207,7 @@
               </p14:xfrm>
             </p:contentPart>
           </mc:Choice>
-          <mc:Fallback>
+          <mc:Fallback xmlns="">
             <p:pic>
               <p:nvPicPr>
                 <p:cNvPr id="283" name="インク 282">
@@ -21259,8 +21259,8 @@
             <a:chExt cx="4440029" cy="1695240"/>
           </a:xfrm>
         </p:grpSpPr>
-        <mc:AlternateContent xmlns:mc="http://schemas.openxmlformats.org/markup-compatibility/2006">
-          <mc:Choice xmlns:p14="http://schemas.microsoft.com/office/powerpoint/2010/main" Requires="p14">
+        <mc:AlternateContent xmlns:mc="http://schemas.openxmlformats.org/markup-compatibility/2006" xmlns:p14="http://schemas.microsoft.com/office/powerpoint/2010/main">
+          <mc:Choice Requires="p14">
             <p:contentPart p14:bwMode="auto" r:id="rId364">
               <p14:nvContentPartPr>
                 <p14:cNvPr id="9" name="インク 8">
@@ -21279,7 +21279,7 @@
               </p14:xfrm>
             </p:contentPart>
           </mc:Choice>
-          <mc:Fallback>
+          <mc:Fallback xmlns="">
             <p:pic>
               <p:nvPicPr>
                 <p:cNvPr id="9" name="インク 8">
@@ -21310,8 +21310,8 @@
             </p:pic>
           </mc:Fallback>
         </mc:AlternateContent>
-        <mc:AlternateContent xmlns:mc="http://schemas.openxmlformats.org/markup-compatibility/2006">
-          <mc:Choice xmlns:p14="http://schemas.microsoft.com/office/powerpoint/2010/main" Requires="p14">
+        <mc:AlternateContent xmlns:mc="http://schemas.openxmlformats.org/markup-compatibility/2006" xmlns:p14="http://schemas.microsoft.com/office/powerpoint/2010/main">
+          <mc:Choice Requires="p14">
             <p:contentPart p14:bwMode="auto" r:id="rId366">
               <p14:nvContentPartPr>
                 <p14:cNvPr id="11" name="インク 10">
@@ -21330,7 +21330,7 @@
               </p14:xfrm>
             </p:contentPart>
           </mc:Choice>
-          <mc:Fallback>
+          <mc:Fallback xmlns="">
             <p:pic>
               <p:nvPicPr>
                 <p:cNvPr id="11" name="インク 10">
@@ -21361,8 +21361,8 @@
             </p:pic>
           </mc:Fallback>
         </mc:AlternateContent>
-        <mc:AlternateContent xmlns:mc="http://schemas.openxmlformats.org/markup-compatibility/2006">
-          <mc:Choice xmlns:p14="http://schemas.microsoft.com/office/powerpoint/2010/main" Requires="p14">
+        <mc:AlternateContent xmlns:mc="http://schemas.openxmlformats.org/markup-compatibility/2006" xmlns:p14="http://schemas.microsoft.com/office/powerpoint/2010/main">
+          <mc:Choice Requires="p14">
             <p:contentPart p14:bwMode="auto" r:id="rId368">
               <p14:nvContentPartPr>
                 <p14:cNvPr id="14" name="インク 13">
@@ -21381,7 +21381,7 @@
               </p14:xfrm>
             </p:contentPart>
           </mc:Choice>
-          <mc:Fallback>
+          <mc:Fallback xmlns="">
             <p:pic>
               <p:nvPicPr>
                 <p:cNvPr id="14" name="インク 13">
@@ -21412,8 +21412,8 @@
             </p:pic>
           </mc:Fallback>
         </mc:AlternateContent>
-        <mc:AlternateContent xmlns:mc="http://schemas.openxmlformats.org/markup-compatibility/2006">
-          <mc:Choice xmlns:p14="http://schemas.microsoft.com/office/powerpoint/2010/main" Requires="p14">
+        <mc:AlternateContent xmlns:mc="http://schemas.openxmlformats.org/markup-compatibility/2006" xmlns:p14="http://schemas.microsoft.com/office/powerpoint/2010/main">
+          <mc:Choice Requires="p14">
             <p:contentPart p14:bwMode="auto" r:id="rId370">
               <p14:nvContentPartPr>
                 <p14:cNvPr id="15" name="インク 14">
@@ -21432,7 +21432,7 @@
               </p14:xfrm>
             </p:contentPart>
           </mc:Choice>
-          <mc:Fallback>
+          <mc:Fallback xmlns="">
             <p:pic>
               <p:nvPicPr>
                 <p:cNvPr id="15" name="インク 14">
@@ -21463,8 +21463,8 @@
             </p:pic>
           </mc:Fallback>
         </mc:AlternateContent>
-        <mc:AlternateContent xmlns:mc="http://schemas.openxmlformats.org/markup-compatibility/2006">
-          <mc:Choice xmlns:p14="http://schemas.microsoft.com/office/powerpoint/2010/main" Requires="p14">
+        <mc:AlternateContent xmlns:mc="http://schemas.openxmlformats.org/markup-compatibility/2006" xmlns:p14="http://schemas.microsoft.com/office/powerpoint/2010/main">
+          <mc:Choice Requires="p14">
             <p:contentPart p14:bwMode="auto" r:id="rId372">
               <p14:nvContentPartPr>
                 <p14:cNvPr id="16" name="インク 15">
@@ -21483,7 +21483,7 @@
               </p14:xfrm>
             </p:contentPart>
           </mc:Choice>
-          <mc:Fallback>
+          <mc:Fallback xmlns="">
             <p:pic>
               <p:nvPicPr>
                 <p:cNvPr id="16" name="インク 15">
@@ -21514,8 +21514,8 @@
             </p:pic>
           </mc:Fallback>
         </mc:AlternateContent>
-        <mc:AlternateContent xmlns:mc="http://schemas.openxmlformats.org/markup-compatibility/2006">
-          <mc:Choice xmlns:p14="http://schemas.microsoft.com/office/powerpoint/2010/main" Requires="p14">
+        <mc:AlternateContent xmlns:mc="http://schemas.openxmlformats.org/markup-compatibility/2006" xmlns:p14="http://schemas.microsoft.com/office/powerpoint/2010/main">
+          <mc:Choice Requires="p14">
             <p:contentPart p14:bwMode="auto" r:id="rId374">
               <p14:nvContentPartPr>
                 <p14:cNvPr id="17" name="インク 16">
@@ -21534,7 +21534,7 @@
               </p14:xfrm>
             </p:contentPart>
           </mc:Choice>
-          <mc:Fallback>
+          <mc:Fallback xmlns="">
             <p:pic>
               <p:nvPicPr>
                 <p:cNvPr id="17" name="インク 16">
@@ -21565,8 +21565,8 @@
             </p:pic>
           </mc:Fallback>
         </mc:AlternateContent>
-        <mc:AlternateContent xmlns:mc="http://schemas.openxmlformats.org/markup-compatibility/2006">
-          <mc:Choice xmlns:p14="http://schemas.microsoft.com/office/powerpoint/2010/main" Requires="p14">
+        <mc:AlternateContent xmlns:mc="http://schemas.openxmlformats.org/markup-compatibility/2006" xmlns:p14="http://schemas.microsoft.com/office/powerpoint/2010/main">
+          <mc:Choice Requires="p14">
             <p:contentPart p14:bwMode="auto" r:id="rId376">
               <p14:nvContentPartPr>
                 <p14:cNvPr id="19" name="インク 18">
@@ -21585,7 +21585,7 @@
               </p14:xfrm>
             </p:contentPart>
           </mc:Choice>
-          <mc:Fallback>
+          <mc:Fallback xmlns="">
             <p:pic>
               <p:nvPicPr>
                 <p:cNvPr id="19" name="インク 18">
@@ -21616,8 +21616,8 @@
             </p:pic>
           </mc:Fallback>
         </mc:AlternateContent>
-        <mc:AlternateContent xmlns:mc="http://schemas.openxmlformats.org/markup-compatibility/2006">
-          <mc:Choice xmlns:p14="http://schemas.microsoft.com/office/powerpoint/2010/main" Requires="p14">
+        <mc:AlternateContent xmlns:mc="http://schemas.openxmlformats.org/markup-compatibility/2006" xmlns:p14="http://schemas.microsoft.com/office/powerpoint/2010/main">
+          <mc:Choice Requires="p14">
             <p:contentPart p14:bwMode="auto" r:id="rId378">
               <p14:nvContentPartPr>
                 <p14:cNvPr id="20" name="インク 19">
@@ -21636,7 +21636,7 @@
               </p14:xfrm>
             </p:contentPart>
           </mc:Choice>
-          <mc:Fallback>
+          <mc:Fallback xmlns="">
             <p:pic>
               <p:nvPicPr>
                 <p:cNvPr id="20" name="インク 19">
@@ -21667,8 +21667,8 @@
             </p:pic>
           </mc:Fallback>
         </mc:AlternateContent>
-        <mc:AlternateContent xmlns:mc="http://schemas.openxmlformats.org/markup-compatibility/2006">
-          <mc:Choice xmlns:p14="http://schemas.microsoft.com/office/powerpoint/2010/main" Requires="p14">
+        <mc:AlternateContent xmlns:mc="http://schemas.openxmlformats.org/markup-compatibility/2006" xmlns:p14="http://schemas.microsoft.com/office/powerpoint/2010/main">
+          <mc:Choice Requires="p14">
             <p:contentPart p14:bwMode="auto" r:id="rId380">
               <p14:nvContentPartPr>
                 <p14:cNvPr id="21" name="インク 20">
@@ -21687,7 +21687,7 @@
               </p14:xfrm>
             </p:contentPart>
           </mc:Choice>
-          <mc:Fallback>
+          <mc:Fallback xmlns="">
             <p:pic>
               <p:nvPicPr>
                 <p:cNvPr id="21" name="インク 20">
@@ -21718,8 +21718,8 @@
             </p:pic>
           </mc:Fallback>
         </mc:AlternateContent>
-        <mc:AlternateContent xmlns:mc="http://schemas.openxmlformats.org/markup-compatibility/2006">
-          <mc:Choice xmlns:p14="http://schemas.microsoft.com/office/powerpoint/2010/main" Requires="p14">
+        <mc:AlternateContent xmlns:mc="http://schemas.openxmlformats.org/markup-compatibility/2006" xmlns:p14="http://schemas.microsoft.com/office/powerpoint/2010/main">
+          <mc:Choice Requires="p14">
             <p:contentPart p14:bwMode="auto" r:id="rId382">
               <p14:nvContentPartPr>
                 <p14:cNvPr id="22" name="インク 21">
@@ -21738,7 +21738,7 @@
               </p14:xfrm>
             </p:contentPart>
           </mc:Choice>
-          <mc:Fallback>
+          <mc:Fallback xmlns="">
             <p:pic>
               <p:nvPicPr>
                 <p:cNvPr id="22" name="インク 21">
@@ -21769,8 +21769,8 @@
             </p:pic>
           </mc:Fallback>
         </mc:AlternateContent>
-        <mc:AlternateContent xmlns:mc="http://schemas.openxmlformats.org/markup-compatibility/2006">
-          <mc:Choice xmlns:p14="http://schemas.microsoft.com/office/powerpoint/2010/main" Requires="p14">
+        <mc:AlternateContent xmlns:mc="http://schemas.openxmlformats.org/markup-compatibility/2006" xmlns:p14="http://schemas.microsoft.com/office/powerpoint/2010/main">
+          <mc:Choice Requires="p14">
             <p:contentPart p14:bwMode="auto" r:id="rId384">
               <p14:nvContentPartPr>
                 <p14:cNvPr id="24" name="インク 23">
@@ -21789,7 +21789,7 @@
               </p14:xfrm>
             </p:contentPart>
           </mc:Choice>
-          <mc:Fallback>
+          <mc:Fallback xmlns="">
             <p:pic>
               <p:nvPicPr>
                 <p:cNvPr id="24" name="インク 23">
@@ -21820,8 +21820,8 @@
             </p:pic>
           </mc:Fallback>
         </mc:AlternateContent>
-        <mc:AlternateContent xmlns:mc="http://schemas.openxmlformats.org/markup-compatibility/2006">
-          <mc:Choice xmlns:p14="http://schemas.microsoft.com/office/powerpoint/2010/main" Requires="p14">
+        <mc:AlternateContent xmlns:mc="http://schemas.openxmlformats.org/markup-compatibility/2006" xmlns:p14="http://schemas.microsoft.com/office/powerpoint/2010/main">
+          <mc:Choice Requires="p14">
             <p:contentPart p14:bwMode="auto" r:id="rId386">
               <p14:nvContentPartPr>
                 <p14:cNvPr id="25" name="インク 24">
@@ -21840,7 +21840,7 @@
               </p14:xfrm>
             </p:contentPart>
           </mc:Choice>
-          <mc:Fallback>
+          <mc:Fallback xmlns="">
             <p:pic>
               <p:nvPicPr>
                 <p:cNvPr id="25" name="インク 24">
@@ -21871,8 +21871,8 @@
             </p:pic>
           </mc:Fallback>
         </mc:AlternateContent>
-        <mc:AlternateContent xmlns:mc="http://schemas.openxmlformats.org/markup-compatibility/2006">
-          <mc:Choice xmlns:p14="http://schemas.microsoft.com/office/powerpoint/2010/main" Requires="p14">
+        <mc:AlternateContent xmlns:mc="http://schemas.openxmlformats.org/markup-compatibility/2006" xmlns:p14="http://schemas.microsoft.com/office/powerpoint/2010/main">
+          <mc:Choice Requires="p14">
             <p:contentPart p14:bwMode="auto" r:id="rId388">
               <p14:nvContentPartPr>
                 <p14:cNvPr id="26" name="インク 25">
@@ -21891,7 +21891,7 @@
               </p14:xfrm>
             </p:contentPart>
           </mc:Choice>
-          <mc:Fallback>
+          <mc:Fallback xmlns="">
             <p:pic>
               <p:nvPicPr>
                 <p:cNvPr id="26" name="インク 25">
@@ -21922,8 +21922,8 @@
             </p:pic>
           </mc:Fallback>
         </mc:AlternateContent>
-        <mc:AlternateContent xmlns:mc="http://schemas.openxmlformats.org/markup-compatibility/2006">
-          <mc:Choice xmlns:p14="http://schemas.microsoft.com/office/powerpoint/2010/main" Requires="p14">
+        <mc:AlternateContent xmlns:mc="http://schemas.openxmlformats.org/markup-compatibility/2006" xmlns:p14="http://schemas.microsoft.com/office/powerpoint/2010/main">
+          <mc:Choice Requires="p14">
             <p:contentPart p14:bwMode="auto" r:id="rId390">
               <p14:nvContentPartPr>
                 <p14:cNvPr id="27" name="インク 26">
@@ -21942,7 +21942,7 @@
               </p14:xfrm>
             </p:contentPart>
           </mc:Choice>
-          <mc:Fallback>
+          <mc:Fallback xmlns="">
             <p:pic>
               <p:nvPicPr>
                 <p:cNvPr id="27" name="インク 26">
@@ -21973,8 +21973,8 @@
             </p:pic>
           </mc:Fallback>
         </mc:AlternateContent>
-        <mc:AlternateContent xmlns:mc="http://schemas.openxmlformats.org/markup-compatibility/2006">
-          <mc:Choice xmlns:p14="http://schemas.microsoft.com/office/powerpoint/2010/main" Requires="p14">
+        <mc:AlternateContent xmlns:mc="http://schemas.openxmlformats.org/markup-compatibility/2006" xmlns:p14="http://schemas.microsoft.com/office/powerpoint/2010/main">
+          <mc:Choice Requires="p14">
             <p:contentPart p14:bwMode="auto" r:id="rId392">
               <p14:nvContentPartPr>
                 <p14:cNvPr id="28" name="インク 27">
@@ -21993,7 +21993,7 @@
               </p14:xfrm>
             </p:contentPart>
           </mc:Choice>
-          <mc:Fallback>
+          <mc:Fallback xmlns="">
             <p:pic>
               <p:nvPicPr>
                 <p:cNvPr id="28" name="インク 27">
@@ -22024,8 +22024,8 @@
             </p:pic>
           </mc:Fallback>
         </mc:AlternateContent>
-        <mc:AlternateContent xmlns:mc="http://schemas.openxmlformats.org/markup-compatibility/2006">
-          <mc:Choice xmlns:p14="http://schemas.microsoft.com/office/powerpoint/2010/main" Requires="p14">
+        <mc:AlternateContent xmlns:mc="http://schemas.openxmlformats.org/markup-compatibility/2006" xmlns:p14="http://schemas.microsoft.com/office/powerpoint/2010/main">
+          <mc:Choice Requires="p14">
             <p:contentPart p14:bwMode="auto" r:id="rId394">
               <p14:nvContentPartPr>
                 <p14:cNvPr id="29" name="インク 28">
@@ -22044,7 +22044,7 @@
               </p14:xfrm>
             </p:contentPart>
           </mc:Choice>
-          <mc:Fallback>
+          <mc:Fallback xmlns="">
             <p:pic>
               <p:nvPicPr>
                 <p:cNvPr id="29" name="インク 28">
@@ -22075,8 +22075,8 @@
             </p:pic>
           </mc:Fallback>
         </mc:AlternateContent>
-        <mc:AlternateContent xmlns:mc="http://schemas.openxmlformats.org/markup-compatibility/2006">
-          <mc:Choice xmlns:p14="http://schemas.microsoft.com/office/powerpoint/2010/main" Requires="p14">
+        <mc:AlternateContent xmlns:mc="http://schemas.openxmlformats.org/markup-compatibility/2006" xmlns:p14="http://schemas.microsoft.com/office/powerpoint/2010/main">
+          <mc:Choice Requires="p14">
             <p:contentPart p14:bwMode="auto" r:id="rId396">
               <p14:nvContentPartPr>
                 <p14:cNvPr id="30" name="インク 29">
@@ -22095,7 +22095,7 @@
               </p14:xfrm>
             </p:contentPart>
           </mc:Choice>
-          <mc:Fallback>
+          <mc:Fallback xmlns="">
             <p:pic>
               <p:nvPicPr>
                 <p:cNvPr id="30" name="インク 29">
@@ -22126,8 +22126,8 @@
             </p:pic>
           </mc:Fallback>
         </mc:AlternateContent>
-        <mc:AlternateContent xmlns:mc="http://schemas.openxmlformats.org/markup-compatibility/2006">
-          <mc:Choice xmlns:p14="http://schemas.microsoft.com/office/powerpoint/2010/main" Requires="p14">
+        <mc:AlternateContent xmlns:mc="http://schemas.openxmlformats.org/markup-compatibility/2006" xmlns:p14="http://schemas.microsoft.com/office/powerpoint/2010/main">
+          <mc:Choice Requires="p14">
             <p:contentPart p14:bwMode="auto" r:id="rId398">
               <p14:nvContentPartPr>
                 <p14:cNvPr id="31" name="インク 30">
@@ -22146,7 +22146,7 @@
               </p14:xfrm>
             </p:contentPart>
           </mc:Choice>
-          <mc:Fallback>
+          <mc:Fallback xmlns="">
             <p:pic>
               <p:nvPicPr>
                 <p:cNvPr id="31" name="インク 30">
@@ -22177,8 +22177,8 @@
             </p:pic>
           </mc:Fallback>
         </mc:AlternateContent>
-        <mc:AlternateContent xmlns:mc="http://schemas.openxmlformats.org/markup-compatibility/2006">
-          <mc:Choice xmlns:p14="http://schemas.microsoft.com/office/powerpoint/2010/main" Requires="p14">
+        <mc:AlternateContent xmlns:mc="http://schemas.openxmlformats.org/markup-compatibility/2006" xmlns:p14="http://schemas.microsoft.com/office/powerpoint/2010/main">
+          <mc:Choice Requires="p14">
             <p:contentPart p14:bwMode="auto" r:id="rId400">
               <p14:nvContentPartPr>
                 <p14:cNvPr id="32" name="インク 31">
@@ -22197,7 +22197,7 @@
               </p14:xfrm>
             </p:contentPart>
           </mc:Choice>
-          <mc:Fallback>
+          <mc:Fallback xmlns="">
             <p:pic>
               <p:nvPicPr>
                 <p:cNvPr id="32" name="インク 31">
@@ -22228,8 +22228,8 @@
             </p:pic>
           </mc:Fallback>
         </mc:AlternateContent>
-        <mc:AlternateContent xmlns:mc="http://schemas.openxmlformats.org/markup-compatibility/2006">
-          <mc:Choice xmlns:p14="http://schemas.microsoft.com/office/powerpoint/2010/main" Requires="p14">
+        <mc:AlternateContent xmlns:mc="http://schemas.openxmlformats.org/markup-compatibility/2006" xmlns:p14="http://schemas.microsoft.com/office/powerpoint/2010/main">
+          <mc:Choice Requires="p14">
             <p:contentPart p14:bwMode="auto" r:id="rId402">
               <p14:nvContentPartPr>
                 <p14:cNvPr id="33" name="インク 32">
@@ -22248,7 +22248,7 @@
               </p14:xfrm>
             </p:contentPart>
           </mc:Choice>
-          <mc:Fallback>
+          <mc:Fallback xmlns="">
             <p:pic>
               <p:nvPicPr>
                 <p:cNvPr id="33" name="インク 32">
@@ -22279,8 +22279,8 @@
             </p:pic>
           </mc:Fallback>
         </mc:AlternateContent>
-        <mc:AlternateContent xmlns:mc="http://schemas.openxmlformats.org/markup-compatibility/2006">
-          <mc:Choice xmlns:p14="http://schemas.microsoft.com/office/powerpoint/2010/main" Requires="p14">
+        <mc:AlternateContent xmlns:mc="http://schemas.openxmlformats.org/markup-compatibility/2006" xmlns:p14="http://schemas.microsoft.com/office/powerpoint/2010/main">
+          <mc:Choice Requires="p14">
             <p:contentPart p14:bwMode="auto" r:id="rId404">
               <p14:nvContentPartPr>
                 <p14:cNvPr id="35" name="インク 34">
@@ -22299,7 +22299,7 @@
               </p14:xfrm>
             </p:contentPart>
           </mc:Choice>
-          <mc:Fallback>
+          <mc:Fallback xmlns="">
             <p:pic>
               <p:nvPicPr>
                 <p:cNvPr id="35" name="インク 34">
@@ -22330,8 +22330,8 @@
             </p:pic>
           </mc:Fallback>
         </mc:AlternateContent>
-        <mc:AlternateContent xmlns:mc="http://schemas.openxmlformats.org/markup-compatibility/2006">
-          <mc:Choice xmlns:p14="http://schemas.microsoft.com/office/powerpoint/2010/main" Requires="p14">
+        <mc:AlternateContent xmlns:mc="http://schemas.openxmlformats.org/markup-compatibility/2006" xmlns:p14="http://schemas.microsoft.com/office/powerpoint/2010/main">
+          <mc:Choice Requires="p14">
             <p:contentPart p14:bwMode="auto" r:id="rId406">
               <p14:nvContentPartPr>
                 <p14:cNvPr id="36" name="インク 35">
@@ -22350,7 +22350,7 @@
               </p14:xfrm>
             </p:contentPart>
           </mc:Choice>
-          <mc:Fallback>
+          <mc:Fallback xmlns="">
             <p:pic>
               <p:nvPicPr>
                 <p:cNvPr id="36" name="インク 35">
@@ -22381,8 +22381,8 @@
             </p:pic>
           </mc:Fallback>
         </mc:AlternateContent>
-        <mc:AlternateContent xmlns:mc="http://schemas.openxmlformats.org/markup-compatibility/2006">
-          <mc:Choice xmlns:p14="http://schemas.microsoft.com/office/powerpoint/2010/main" Requires="p14">
+        <mc:AlternateContent xmlns:mc="http://schemas.openxmlformats.org/markup-compatibility/2006" xmlns:p14="http://schemas.microsoft.com/office/powerpoint/2010/main">
+          <mc:Choice Requires="p14">
             <p:contentPart p14:bwMode="auto" r:id="rId408">
               <p14:nvContentPartPr>
                 <p14:cNvPr id="37" name="インク 36">
@@ -22401,7 +22401,7 @@
               </p14:xfrm>
             </p:contentPart>
           </mc:Choice>
-          <mc:Fallback>
+          <mc:Fallback xmlns="">
             <p:pic>
               <p:nvPicPr>
                 <p:cNvPr id="37" name="インク 36">
@@ -22432,8 +22432,8 @@
             </p:pic>
           </mc:Fallback>
         </mc:AlternateContent>
-        <mc:AlternateContent xmlns:mc="http://schemas.openxmlformats.org/markup-compatibility/2006">
-          <mc:Choice xmlns:p14="http://schemas.microsoft.com/office/powerpoint/2010/main" Requires="p14">
+        <mc:AlternateContent xmlns:mc="http://schemas.openxmlformats.org/markup-compatibility/2006" xmlns:p14="http://schemas.microsoft.com/office/powerpoint/2010/main">
+          <mc:Choice Requires="p14">
             <p:contentPart p14:bwMode="auto" r:id="rId410">
               <p14:nvContentPartPr>
                 <p14:cNvPr id="38" name="インク 37">
@@ -22452,7 +22452,7 @@
               </p14:xfrm>
             </p:contentPart>
           </mc:Choice>
-          <mc:Fallback>
+          <mc:Fallback xmlns="">
             <p:pic>
               <p:nvPicPr>
                 <p:cNvPr id="38" name="インク 37">
@@ -22483,8 +22483,8 @@
             </p:pic>
           </mc:Fallback>
         </mc:AlternateContent>
-        <mc:AlternateContent xmlns:mc="http://schemas.openxmlformats.org/markup-compatibility/2006">
-          <mc:Choice xmlns:p14="http://schemas.microsoft.com/office/powerpoint/2010/main" Requires="p14">
+        <mc:AlternateContent xmlns:mc="http://schemas.openxmlformats.org/markup-compatibility/2006" xmlns:p14="http://schemas.microsoft.com/office/powerpoint/2010/main">
+          <mc:Choice Requires="p14">
             <p:contentPart p14:bwMode="auto" r:id="rId412">
               <p14:nvContentPartPr>
                 <p14:cNvPr id="39" name="インク 38">
@@ -22503,7 +22503,7 @@
               </p14:xfrm>
             </p:contentPart>
           </mc:Choice>
-          <mc:Fallback>
+          <mc:Fallback xmlns="">
             <p:pic>
               <p:nvPicPr>
                 <p:cNvPr id="39" name="インク 38">
@@ -22534,8 +22534,8 @@
             </p:pic>
           </mc:Fallback>
         </mc:AlternateContent>
-        <mc:AlternateContent xmlns:mc="http://schemas.openxmlformats.org/markup-compatibility/2006">
-          <mc:Choice xmlns:p14="http://schemas.microsoft.com/office/powerpoint/2010/main" Requires="p14">
+        <mc:AlternateContent xmlns:mc="http://schemas.openxmlformats.org/markup-compatibility/2006" xmlns:p14="http://schemas.microsoft.com/office/powerpoint/2010/main">
+          <mc:Choice Requires="p14">
             <p:contentPart p14:bwMode="auto" r:id="rId414">
               <p14:nvContentPartPr>
                 <p14:cNvPr id="40" name="インク 39">
@@ -22554,7 +22554,7 @@
               </p14:xfrm>
             </p:contentPart>
           </mc:Choice>
-          <mc:Fallback>
+          <mc:Fallback xmlns="">
             <p:pic>
               <p:nvPicPr>
                 <p:cNvPr id="40" name="インク 39">
@@ -22585,8 +22585,8 @@
             </p:pic>
           </mc:Fallback>
         </mc:AlternateContent>
-        <mc:AlternateContent xmlns:mc="http://schemas.openxmlformats.org/markup-compatibility/2006">
-          <mc:Choice xmlns:p14="http://schemas.microsoft.com/office/powerpoint/2010/main" Requires="p14">
+        <mc:AlternateContent xmlns:mc="http://schemas.openxmlformats.org/markup-compatibility/2006" xmlns:p14="http://schemas.microsoft.com/office/powerpoint/2010/main">
+          <mc:Choice Requires="p14">
             <p:contentPart p14:bwMode="auto" r:id="rId416">
               <p14:nvContentPartPr>
                 <p14:cNvPr id="41" name="インク 40">
@@ -22605,7 +22605,7 @@
               </p14:xfrm>
             </p:contentPart>
           </mc:Choice>
-          <mc:Fallback>
+          <mc:Fallback xmlns="">
             <p:pic>
               <p:nvPicPr>
                 <p:cNvPr id="41" name="インク 40">
@@ -22636,8 +22636,8 @@
             </p:pic>
           </mc:Fallback>
         </mc:AlternateContent>
-        <mc:AlternateContent xmlns:mc="http://schemas.openxmlformats.org/markup-compatibility/2006">
-          <mc:Choice xmlns:p14="http://schemas.microsoft.com/office/powerpoint/2010/main" Requires="p14">
+        <mc:AlternateContent xmlns:mc="http://schemas.openxmlformats.org/markup-compatibility/2006" xmlns:p14="http://schemas.microsoft.com/office/powerpoint/2010/main">
+          <mc:Choice Requires="p14">
             <p:contentPart p14:bwMode="auto" r:id="rId418">
               <p14:nvContentPartPr>
                 <p14:cNvPr id="42" name="インク 41">
@@ -22656,7 +22656,7 @@
               </p14:xfrm>
             </p:contentPart>
           </mc:Choice>
-          <mc:Fallback>
+          <mc:Fallback xmlns="">
             <p:pic>
               <p:nvPicPr>
                 <p:cNvPr id="42" name="インク 41">
@@ -22687,8 +22687,8 @@
             </p:pic>
           </mc:Fallback>
         </mc:AlternateContent>
-        <mc:AlternateContent xmlns:mc="http://schemas.openxmlformats.org/markup-compatibility/2006">
-          <mc:Choice xmlns:p14="http://schemas.microsoft.com/office/powerpoint/2010/main" Requires="p14">
+        <mc:AlternateContent xmlns:mc="http://schemas.openxmlformats.org/markup-compatibility/2006" xmlns:p14="http://schemas.microsoft.com/office/powerpoint/2010/main">
+          <mc:Choice Requires="p14">
             <p:contentPart p14:bwMode="auto" r:id="rId420">
               <p14:nvContentPartPr>
                 <p14:cNvPr id="43" name="インク 42">
@@ -22707,7 +22707,7 @@
               </p14:xfrm>
             </p:contentPart>
           </mc:Choice>
-          <mc:Fallback>
+          <mc:Fallback xmlns="">
             <p:pic>
               <p:nvPicPr>
                 <p:cNvPr id="43" name="インク 42">
@@ -22738,8 +22738,8 @@
             </p:pic>
           </mc:Fallback>
         </mc:AlternateContent>
-        <mc:AlternateContent xmlns:mc="http://schemas.openxmlformats.org/markup-compatibility/2006">
-          <mc:Choice xmlns:p14="http://schemas.microsoft.com/office/powerpoint/2010/main" Requires="p14">
+        <mc:AlternateContent xmlns:mc="http://schemas.openxmlformats.org/markup-compatibility/2006" xmlns:p14="http://schemas.microsoft.com/office/powerpoint/2010/main">
+          <mc:Choice Requires="p14">
             <p:contentPart p14:bwMode="auto" r:id="rId422">
               <p14:nvContentPartPr>
                 <p14:cNvPr id="44" name="インク 43">
@@ -22758,7 +22758,7 @@
               </p14:xfrm>
             </p:contentPart>
           </mc:Choice>
-          <mc:Fallback>
+          <mc:Fallback xmlns="">
             <p:pic>
               <p:nvPicPr>
                 <p:cNvPr id="44" name="インク 43">
@@ -22789,8 +22789,8 @@
             </p:pic>
           </mc:Fallback>
         </mc:AlternateContent>
-        <mc:AlternateContent xmlns:mc="http://schemas.openxmlformats.org/markup-compatibility/2006">
-          <mc:Choice xmlns:p14="http://schemas.microsoft.com/office/powerpoint/2010/main" Requires="p14">
+        <mc:AlternateContent xmlns:mc="http://schemas.openxmlformats.org/markup-compatibility/2006" xmlns:p14="http://schemas.microsoft.com/office/powerpoint/2010/main">
+          <mc:Choice Requires="p14">
             <p:contentPart p14:bwMode="auto" r:id="rId424">
               <p14:nvContentPartPr>
                 <p14:cNvPr id="45" name="インク 44">
@@ -22809,7 +22809,7 @@
               </p14:xfrm>
             </p:contentPart>
           </mc:Choice>
-          <mc:Fallback>
+          <mc:Fallback xmlns="">
             <p:pic>
               <p:nvPicPr>
                 <p:cNvPr id="45" name="インク 44">
@@ -22840,8 +22840,8 @@
             </p:pic>
           </mc:Fallback>
         </mc:AlternateContent>
-        <mc:AlternateContent xmlns:mc="http://schemas.openxmlformats.org/markup-compatibility/2006">
-          <mc:Choice xmlns:p14="http://schemas.microsoft.com/office/powerpoint/2010/main" Requires="p14">
+        <mc:AlternateContent xmlns:mc="http://schemas.openxmlformats.org/markup-compatibility/2006" xmlns:p14="http://schemas.microsoft.com/office/powerpoint/2010/main">
+          <mc:Choice Requires="p14">
             <p:contentPart p14:bwMode="auto" r:id="rId426">
               <p14:nvContentPartPr>
                 <p14:cNvPr id="46" name="インク 45">
@@ -22860,7 +22860,7 @@
               </p14:xfrm>
             </p:contentPart>
           </mc:Choice>
-          <mc:Fallback>
+          <mc:Fallback xmlns="">
             <p:pic>
               <p:nvPicPr>
                 <p:cNvPr id="46" name="インク 45">
@@ -22891,8 +22891,8 @@
             </p:pic>
           </mc:Fallback>
         </mc:AlternateContent>
-        <mc:AlternateContent xmlns:mc="http://schemas.openxmlformats.org/markup-compatibility/2006">
-          <mc:Choice xmlns:p14="http://schemas.microsoft.com/office/powerpoint/2010/main" Requires="p14">
+        <mc:AlternateContent xmlns:mc="http://schemas.openxmlformats.org/markup-compatibility/2006" xmlns:p14="http://schemas.microsoft.com/office/powerpoint/2010/main">
+          <mc:Choice Requires="p14">
             <p:contentPart p14:bwMode="auto" r:id="rId428">
               <p14:nvContentPartPr>
                 <p14:cNvPr id="47" name="インク 46">
@@ -22911,7 +22911,7 @@
               </p14:xfrm>
             </p:contentPart>
           </mc:Choice>
-          <mc:Fallback>
+          <mc:Fallback xmlns="">
             <p:pic>
               <p:nvPicPr>
                 <p:cNvPr id="47" name="インク 46">
@@ -22942,8 +22942,8 @@
             </p:pic>
           </mc:Fallback>
         </mc:AlternateContent>
-        <mc:AlternateContent xmlns:mc="http://schemas.openxmlformats.org/markup-compatibility/2006">
-          <mc:Choice xmlns:p14="http://schemas.microsoft.com/office/powerpoint/2010/main" Requires="p14">
+        <mc:AlternateContent xmlns:mc="http://schemas.openxmlformats.org/markup-compatibility/2006" xmlns:p14="http://schemas.microsoft.com/office/powerpoint/2010/main">
+          <mc:Choice Requires="p14">
             <p:contentPart p14:bwMode="auto" r:id="rId430">
               <p14:nvContentPartPr>
                 <p14:cNvPr id="48" name="インク 47">
@@ -22962,7 +22962,7 @@
               </p14:xfrm>
             </p:contentPart>
           </mc:Choice>
-          <mc:Fallback>
+          <mc:Fallback xmlns="">
             <p:pic>
               <p:nvPicPr>
                 <p:cNvPr id="48" name="インク 47">
@@ -22993,8 +22993,8 @@
             </p:pic>
           </mc:Fallback>
         </mc:AlternateContent>
-        <mc:AlternateContent xmlns:mc="http://schemas.openxmlformats.org/markup-compatibility/2006">
-          <mc:Choice xmlns:p14="http://schemas.microsoft.com/office/powerpoint/2010/main" Requires="p14">
+        <mc:AlternateContent xmlns:mc="http://schemas.openxmlformats.org/markup-compatibility/2006" xmlns:p14="http://schemas.microsoft.com/office/powerpoint/2010/main">
+          <mc:Choice Requires="p14">
             <p:contentPart p14:bwMode="auto" r:id="rId432">
               <p14:nvContentPartPr>
                 <p14:cNvPr id="49" name="インク 48">
@@ -23013,7 +23013,7 @@
               </p14:xfrm>
             </p:contentPart>
           </mc:Choice>
-          <mc:Fallback>
+          <mc:Fallback xmlns="">
             <p:pic>
               <p:nvPicPr>
                 <p:cNvPr id="49" name="インク 48">
@@ -23044,8 +23044,8 @@
             </p:pic>
           </mc:Fallback>
         </mc:AlternateContent>
-        <mc:AlternateContent xmlns:mc="http://schemas.openxmlformats.org/markup-compatibility/2006">
-          <mc:Choice xmlns:p14="http://schemas.microsoft.com/office/powerpoint/2010/main" Requires="p14">
+        <mc:AlternateContent xmlns:mc="http://schemas.openxmlformats.org/markup-compatibility/2006" xmlns:p14="http://schemas.microsoft.com/office/powerpoint/2010/main">
+          <mc:Choice Requires="p14">
             <p:contentPart p14:bwMode="auto" r:id="rId434">
               <p14:nvContentPartPr>
                 <p14:cNvPr id="50" name="インク 49">
@@ -23064,7 +23064,7 @@
               </p14:xfrm>
             </p:contentPart>
           </mc:Choice>
-          <mc:Fallback>
+          <mc:Fallback xmlns="">
             <p:pic>
               <p:nvPicPr>
                 <p:cNvPr id="50" name="インク 49">
@@ -23095,8 +23095,8 @@
             </p:pic>
           </mc:Fallback>
         </mc:AlternateContent>
-        <mc:AlternateContent xmlns:mc="http://schemas.openxmlformats.org/markup-compatibility/2006">
-          <mc:Choice xmlns:p14="http://schemas.microsoft.com/office/powerpoint/2010/main" Requires="p14">
+        <mc:AlternateContent xmlns:mc="http://schemas.openxmlformats.org/markup-compatibility/2006" xmlns:p14="http://schemas.microsoft.com/office/powerpoint/2010/main">
+          <mc:Choice Requires="p14">
             <p:contentPart p14:bwMode="auto" r:id="rId436">
               <p14:nvContentPartPr>
                 <p14:cNvPr id="52" name="インク 51">
@@ -23115,7 +23115,7 @@
               </p14:xfrm>
             </p:contentPart>
           </mc:Choice>
-          <mc:Fallback>
+          <mc:Fallback xmlns="">
             <p:pic>
               <p:nvPicPr>
                 <p:cNvPr id="52" name="インク 51">
@@ -23146,8 +23146,8 @@
             </p:pic>
           </mc:Fallback>
         </mc:AlternateContent>
-        <mc:AlternateContent xmlns:mc="http://schemas.openxmlformats.org/markup-compatibility/2006">
-          <mc:Choice xmlns:p14="http://schemas.microsoft.com/office/powerpoint/2010/main" Requires="p14">
+        <mc:AlternateContent xmlns:mc="http://schemas.openxmlformats.org/markup-compatibility/2006" xmlns:p14="http://schemas.microsoft.com/office/powerpoint/2010/main">
+          <mc:Choice Requires="p14">
             <p:contentPart p14:bwMode="auto" r:id="rId438">
               <p14:nvContentPartPr>
                 <p14:cNvPr id="53" name="インク 52">
@@ -23166,7 +23166,7 @@
               </p14:xfrm>
             </p:contentPart>
           </mc:Choice>
-          <mc:Fallback>
+          <mc:Fallback xmlns="">
             <p:pic>
               <p:nvPicPr>
                 <p:cNvPr id="53" name="インク 52">
@@ -23197,8 +23197,8 @@
             </p:pic>
           </mc:Fallback>
         </mc:AlternateContent>
-        <mc:AlternateContent xmlns:mc="http://schemas.openxmlformats.org/markup-compatibility/2006">
-          <mc:Choice xmlns:p14="http://schemas.microsoft.com/office/powerpoint/2010/main" Requires="p14">
+        <mc:AlternateContent xmlns:mc="http://schemas.openxmlformats.org/markup-compatibility/2006" xmlns:p14="http://schemas.microsoft.com/office/powerpoint/2010/main">
+          <mc:Choice Requires="p14">
             <p:contentPart p14:bwMode="auto" r:id="rId440">
               <p14:nvContentPartPr>
                 <p14:cNvPr id="55" name="インク 54">
@@ -23217,7 +23217,7 @@
               </p14:xfrm>
             </p:contentPart>
           </mc:Choice>
-          <mc:Fallback>
+          <mc:Fallback xmlns="">
             <p:pic>
               <p:nvPicPr>
                 <p:cNvPr id="55" name="インク 54">
@@ -23248,8 +23248,8 @@
             </p:pic>
           </mc:Fallback>
         </mc:AlternateContent>
-        <mc:AlternateContent xmlns:mc="http://schemas.openxmlformats.org/markup-compatibility/2006">
-          <mc:Choice xmlns:p14="http://schemas.microsoft.com/office/powerpoint/2010/main" Requires="p14">
+        <mc:AlternateContent xmlns:mc="http://schemas.openxmlformats.org/markup-compatibility/2006" xmlns:p14="http://schemas.microsoft.com/office/powerpoint/2010/main">
+          <mc:Choice Requires="p14">
             <p:contentPart p14:bwMode="auto" r:id="rId442">
               <p14:nvContentPartPr>
                 <p14:cNvPr id="56" name="インク 55">
@@ -23268,7 +23268,7 @@
               </p14:xfrm>
             </p:contentPart>
           </mc:Choice>
-          <mc:Fallback>
+          <mc:Fallback xmlns="">
             <p:pic>
               <p:nvPicPr>
                 <p:cNvPr id="56" name="インク 55">
@@ -23299,8 +23299,8 @@
             </p:pic>
           </mc:Fallback>
         </mc:AlternateContent>
-        <mc:AlternateContent xmlns:mc="http://schemas.openxmlformats.org/markup-compatibility/2006">
-          <mc:Choice xmlns:p14="http://schemas.microsoft.com/office/powerpoint/2010/main" Requires="p14">
+        <mc:AlternateContent xmlns:mc="http://schemas.openxmlformats.org/markup-compatibility/2006" xmlns:p14="http://schemas.microsoft.com/office/powerpoint/2010/main">
+          <mc:Choice Requires="p14">
             <p:contentPart p14:bwMode="auto" r:id="rId444">
               <p14:nvContentPartPr>
                 <p14:cNvPr id="57" name="インク 56">
@@ -23319,7 +23319,7 @@
               </p14:xfrm>
             </p:contentPart>
           </mc:Choice>
-          <mc:Fallback>
+          <mc:Fallback xmlns="">
             <p:pic>
               <p:nvPicPr>
                 <p:cNvPr id="57" name="インク 56">
@@ -23350,8 +23350,8 @@
             </p:pic>
           </mc:Fallback>
         </mc:AlternateContent>
-        <mc:AlternateContent xmlns:mc="http://schemas.openxmlformats.org/markup-compatibility/2006">
-          <mc:Choice xmlns:p14="http://schemas.microsoft.com/office/powerpoint/2010/main" Requires="p14">
+        <mc:AlternateContent xmlns:mc="http://schemas.openxmlformats.org/markup-compatibility/2006" xmlns:p14="http://schemas.microsoft.com/office/powerpoint/2010/main">
+          <mc:Choice Requires="p14">
             <p:contentPart p14:bwMode="auto" r:id="rId446">
               <p14:nvContentPartPr>
                 <p14:cNvPr id="58" name="インク 57">
@@ -23370,7 +23370,7 @@
               </p14:xfrm>
             </p:contentPart>
           </mc:Choice>
-          <mc:Fallback>
+          <mc:Fallback xmlns="">
             <p:pic>
               <p:nvPicPr>
                 <p:cNvPr id="58" name="インク 57">
@@ -23401,8 +23401,8 @@
             </p:pic>
           </mc:Fallback>
         </mc:AlternateContent>
-        <mc:AlternateContent xmlns:mc="http://schemas.openxmlformats.org/markup-compatibility/2006">
-          <mc:Choice xmlns:p14="http://schemas.microsoft.com/office/powerpoint/2010/main" Requires="p14">
+        <mc:AlternateContent xmlns:mc="http://schemas.openxmlformats.org/markup-compatibility/2006" xmlns:p14="http://schemas.microsoft.com/office/powerpoint/2010/main">
+          <mc:Choice Requires="p14">
             <p:contentPart p14:bwMode="auto" r:id="rId448">
               <p14:nvContentPartPr>
                 <p14:cNvPr id="59" name="インク 58">
@@ -23421,7 +23421,7 @@
               </p14:xfrm>
             </p:contentPart>
           </mc:Choice>
-          <mc:Fallback>
+          <mc:Fallback xmlns="">
             <p:pic>
               <p:nvPicPr>
                 <p:cNvPr id="59" name="インク 58">
@@ -23452,8 +23452,8 @@
             </p:pic>
           </mc:Fallback>
         </mc:AlternateContent>
-        <mc:AlternateContent xmlns:mc="http://schemas.openxmlformats.org/markup-compatibility/2006">
-          <mc:Choice xmlns:p14="http://schemas.microsoft.com/office/powerpoint/2010/main" Requires="p14">
+        <mc:AlternateContent xmlns:mc="http://schemas.openxmlformats.org/markup-compatibility/2006" xmlns:p14="http://schemas.microsoft.com/office/powerpoint/2010/main">
+          <mc:Choice Requires="p14">
             <p:contentPart p14:bwMode="auto" r:id="rId450">
               <p14:nvContentPartPr>
                 <p14:cNvPr id="60" name="インク 59">
@@ -23472,7 +23472,7 @@
               </p14:xfrm>
             </p:contentPart>
           </mc:Choice>
-          <mc:Fallback>
+          <mc:Fallback xmlns="">
             <p:pic>
               <p:nvPicPr>
                 <p:cNvPr id="60" name="インク 59">
@@ -23503,8 +23503,8 @@
             </p:pic>
           </mc:Fallback>
         </mc:AlternateContent>
-        <mc:AlternateContent xmlns:mc="http://schemas.openxmlformats.org/markup-compatibility/2006">
-          <mc:Choice xmlns:p14="http://schemas.microsoft.com/office/powerpoint/2010/main" Requires="p14">
+        <mc:AlternateContent xmlns:mc="http://schemas.openxmlformats.org/markup-compatibility/2006" xmlns:p14="http://schemas.microsoft.com/office/powerpoint/2010/main">
+          <mc:Choice Requires="p14">
             <p:contentPart p14:bwMode="auto" r:id="rId452">
               <p14:nvContentPartPr>
                 <p14:cNvPr id="61" name="インク 60">
@@ -23523,7 +23523,7 @@
               </p14:xfrm>
             </p:contentPart>
           </mc:Choice>
-          <mc:Fallback>
+          <mc:Fallback xmlns="">
             <p:pic>
               <p:nvPicPr>
                 <p:cNvPr id="61" name="インク 60">
@@ -23554,8 +23554,8 @@
             </p:pic>
           </mc:Fallback>
         </mc:AlternateContent>
-        <mc:AlternateContent xmlns:mc="http://schemas.openxmlformats.org/markup-compatibility/2006">
-          <mc:Choice xmlns:p14="http://schemas.microsoft.com/office/powerpoint/2010/main" Requires="p14">
+        <mc:AlternateContent xmlns:mc="http://schemas.openxmlformats.org/markup-compatibility/2006" xmlns:p14="http://schemas.microsoft.com/office/powerpoint/2010/main">
+          <mc:Choice Requires="p14">
             <p:contentPart p14:bwMode="auto" r:id="rId454">
               <p14:nvContentPartPr>
                 <p14:cNvPr id="101" name="インク 100">
@@ -23574,7 +23574,7 @@
               </p14:xfrm>
             </p:contentPart>
           </mc:Choice>
-          <mc:Fallback>
+          <mc:Fallback xmlns="">
             <p:pic>
               <p:nvPicPr>
                 <p:cNvPr id="101" name="インク 100">
@@ -23605,8 +23605,8 @@
             </p:pic>
           </mc:Fallback>
         </mc:AlternateContent>
-        <mc:AlternateContent xmlns:mc="http://schemas.openxmlformats.org/markup-compatibility/2006">
-          <mc:Choice xmlns:p14="http://schemas.microsoft.com/office/powerpoint/2010/main" Requires="p14">
+        <mc:AlternateContent xmlns:mc="http://schemas.openxmlformats.org/markup-compatibility/2006" xmlns:p14="http://schemas.microsoft.com/office/powerpoint/2010/main">
+          <mc:Choice Requires="p14">
             <p:contentPart p14:bwMode="auto" r:id="rId456">
               <p14:nvContentPartPr>
                 <p14:cNvPr id="102" name="インク 101">
@@ -23625,7 +23625,7 @@
               </p14:xfrm>
             </p:contentPart>
           </mc:Choice>
-          <mc:Fallback>
+          <mc:Fallback xmlns="">
             <p:pic>
               <p:nvPicPr>
                 <p:cNvPr id="102" name="インク 101">
@@ -23656,8 +23656,8 @@
             </p:pic>
           </mc:Fallback>
         </mc:AlternateContent>
-        <mc:AlternateContent xmlns:mc="http://schemas.openxmlformats.org/markup-compatibility/2006">
-          <mc:Choice xmlns:p14="http://schemas.microsoft.com/office/powerpoint/2010/main" Requires="p14">
+        <mc:AlternateContent xmlns:mc="http://schemas.openxmlformats.org/markup-compatibility/2006" xmlns:p14="http://schemas.microsoft.com/office/powerpoint/2010/main">
+          <mc:Choice Requires="p14">
             <p:contentPart p14:bwMode="auto" r:id="rId458">
               <p14:nvContentPartPr>
                 <p14:cNvPr id="103" name="インク 102">
@@ -23676,7 +23676,7 @@
               </p14:xfrm>
             </p:contentPart>
           </mc:Choice>
-          <mc:Fallback>
+          <mc:Fallback xmlns="">
             <p:pic>
               <p:nvPicPr>
                 <p:cNvPr id="103" name="インク 102">
@@ -23707,8 +23707,8 @@
             </p:pic>
           </mc:Fallback>
         </mc:AlternateContent>
-        <mc:AlternateContent xmlns:mc="http://schemas.openxmlformats.org/markup-compatibility/2006">
-          <mc:Choice xmlns:p14="http://schemas.microsoft.com/office/powerpoint/2010/main" Requires="p14">
+        <mc:AlternateContent xmlns:mc="http://schemas.openxmlformats.org/markup-compatibility/2006" xmlns:p14="http://schemas.microsoft.com/office/powerpoint/2010/main">
+          <mc:Choice Requires="p14">
             <p:contentPart p14:bwMode="auto" r:id="rId460">
               <p14:nvContentPartPr>
                 <p14:cNvPr id="104" name="インク 103">
@@ -23727,7 +23727,7 @@
               </p14:xfrm>
             </p:contentPart>
           </mc:Choice>
-          <mc:Fallback>
+          <mc:Fallback xmlns="">
             <p:pic>
               <p:nvPicPr>
                 <p:cNvPr id="104" name="インク 103">
@@ -23758,8 +23758,8 @@
             </p:pic>
           </mc:Fallback>
         </mc:AlternateContent>
-        <mc:AlternateContent xmlns:mc="http://schemas.openxmlformats.org/markup-compatibility/2006">
-          <mc:Choice xmlns:p14="http://schemas.microsoft.com/office/powerpoint/2010/main" Requires="p14">
+        <mc:AlternateContent xmlns:mc="http://schemas.openxmlformats.org/markup-compatibility/2006" xmlns:p14="http://schemas.microsoft.com/office/powerpoint/2010/main">
+          <mc:Choice Requires="p14">
             <p:contentPart p14:bwMode="auto" r:id="rId462">
               <p14:nvContentPartPr>
                 <p14:cNvPr id="105" name="インク 104">
@@ -23778,7 +23778,7 @@
               </p14:xfrm>
             </p:contentPart>
           </mc:Choice>
-          <mc:Fallback>
+          <mc:Fallback xmlns="">
             <p:pic>
               <p:nvPicPr>
                 <p:cNvPr id="105" name="インク 104">
@@ -23809,8 +23809,8 @@
             </p:pic>
           </mc:Fallback>
         </mc:AlternateContent>
-        <mc:AlternateContent xmlns:mc="http://schemas.openxmlformats.org/markup-compatibility/2006">
-          <mc:Choice xmlns:p14="http://schemas.microsoft.com/office/powerpoint/2010/main" Requires="p14">
+        <mc:AlternateContent xmlns:mc="http://schemas.openxmlformats.org/markup-compatibility/2006" xmlns:p14="http://schemas.microsoft.com/office/powerpoint/2010/main">
+          <mc:Choice Requires="p14">
             <p:contentPart p14:bwMode="auto" r:id="rId464">
               <p14:nvContentPartPr>
                 <p14:cNvPr id="106" name="インク 105">
@@ -23829,7 +23829,7 @@
               </p14:xfrm>
             </p:contentPart>
           </mc:Choice>
-          <mc:Fallback>
+          <mc:Fallback xmlns="">
             <p:pic>
               <p:nvPicPr>
                 <p:cNvPr id="106" name="インク 105">
@@ -23911,8 +23911,8 @@
             <a:chExt cx="1265760" cy="483480"/>
           </a:xfrm>
         </p:grpSpPr>
-        <mc:AlternateContent xmlns:mc="http://schemas.openxmlformats.org/markup-compatibility/2006">
-          <mc:Choice xmlns:p14="http://schemas.microsoft.com/office/powerpoint/2010/main" Requires="p14">
+        <mc:AlternateContent xmlns:mc="http://schemas.openxmlformats.org/markup-compatibility/2006" xmlns:p14="http://schemas.microsoft.com/office/powerpoint/2010/main">
+          <mc:Choice Requires="p14">
             <p:contentPart p14:bwMode="auto" r:id="rId467">
               <p14:nvContentPartPr>
                 <p14:cNvPr id="8" name="インク 7">
@@ -23931,7 +23931,7 @@
               </p14:xfrm>
             </p:contentPart>
           </mc:Choice>
-          <mc:Fallback>
+          <mc:Fallback xmlns="">
             <p:pic>
               <p:nvPicPr>
                 <p:cNvPr id="8" name="インク 7">
@@ -23962,8 +23962,8 @@
             </p:pic>
           </mc:Fallback>
         </mc:AlternateContent>
-        <mc:AlternateContent xmlns:mc="http://schemas.openxmlformats.org/markup-compatibility/2006">
-          <mc:Choice xmlns:p14="http://schemas.microsoft.com/office/powerpoint/2010/main" Requires="p14">
+        <mc:AlternateContent xmlns:mc="http://schemas.openxmlformats.org/markup-compatibility/2006" xmlns:p14="http://schemas.microsoft.com/office/powerpoint/2010/main">
+          <mc:Choice Requires="p14">
             <p:contentPart p14:bwMode="auto" r:id="rId469">
               <p14:nvContentPartPr>
                 <p14:cNvPr id="10" name="インク 9">
@@ -23982,7 +23982,7 @@
               </p14:xfrm>
             </p:contentPart>
           </mc:Choice>
-          <mc:Fallback>
+          <mc:Fallback xmlns="">
             <p:pic>
               <p:nvPicPr>
                 <p:cNvPr id="10" name="インク 9">
@@ -24013,8 +24013,8 @@
             </p:pic>
           </mc:Fallback>
         </mc:AlternateContent>
-        <mc:AlternateContent xmlns:mc="http://schemas.openxmlformats.org/markup-compatibility/2006">
-          <mc:Choice xmlns:p14="http://schemas.microsoft.com/office/powerpoint/2010/main" Requires="p14">
+        <mc:AlternateContent xmlns:mc="http://schemas.openxmlformats.org/markup-compatibility/2006" xmlns:p14="http://schemas.microsoft.com/office/powerpoint/2010/main">
+          <mc:Choice Requires="p14">
             <p:contentPart p14:bwMode="auto" r:id="rId471">
               <p14:nvContentPartPr>
                 <p14:cNvPr id="12" name="インク 11">
@@ -24033,7 +24033,7 @@
               </p14:xfrm>
             </p:contentPart>
           </mc:Choice>
-          <mc:Fallback>
+          <mc:Fallback xmlns="">
             <p:pic>
               <p:nvPicPr>
                 <p:cNvPr id="12" name="インク 11">
@@ -24064,8 +24064,8 @@
             </p:pic>
           </mc:Fallback>
         </mc:AlternateContent>
-        <mc:AlternateContent xmlns:mc="http://schemas.openxmlformats.org/markup-compatibility/2006">
-          <mc:Choice xmlns:p14="http://schemas.microsoft.com/office/powerpoint/2010/main" Requires="p14">
+        <mc:AlternateContent xmlns:mc="http://schemas.openxmlformats.org/markup-compatibility/2006" xmlns:p14="http://schemas.microsoft.com/office/powerpoint/2010/main">
+          <mc:Choice Requires="p14">
             <p:contentPart p14:bwMode="auto" r:id="rId473">
               <p14:nvContentPartPr>
                 <p14:cNvPr id="13" name="インク 12">
@@ -24084,7 +24084,7 @@
               </p14:xfrm>
             </p:contentPart>
           </mc:Choice>
-          <mc:Fallback>
+          <mc:Fallback xmlns="">
             <p:pic>
               <p:nvPicPr>
                 <p:cNvPr id="13" name="インク 12">
@@ -24115,8 +24115,8 @@
             </p:pic>
           </mc:Fallback>
         </mc:AlternateContent>
-        <mc:AlternateContent xmlns:mc="http://schemas.openxmlformats.org/markup-compatibility/2006">
-          <mc:Choice xmlns:p14="http://schemas.microsoft.com/office/powerpoint/2010/main" Requires="p14">
+        <mc:AlternateContent xmlns:mc="http://schemas.openxmlformats.org/markup-compatibility/2006" xmlns:p14="http://schemas.microsoft.com/office/powerpoint/2010/main">
+          <mc:Choice Requires="p14">
             <p:contentPart p14:bwMode="auto" r:id="rId475">
               <p14:nvContentPartPr>
                 <p14:cNvPr id="18" name="インク 17">
@@ -24135,7 +24135,7 @@
               </p14:xfrm>
             </p:contentPart>
           </mc:Choice>
-          <mc:Fallback>
+          <mc:Fallback xmlns="">
             <p:pic>
               <p:nvPicPr>
                 <p:cNvPr id="18" name="インク 17">
@@ -24166,8 +24166,8 @@
             </p:pic>
           </mc:Fallback>
         </mc:AlternateContent>
-        <mc:AlternateContent xmlns:mc="http://schemas.openxmlformats.org/markup-compatibility/2006">
-          <mc:Choice xmlns:p14="http://schemas.microsoft.com/office/powerpoint/2010/main" Requires="p14">
+        <mc:AlternateContent xmlns:mc="http://schemas.openxmlformats.org/markup-compatibility/2006" xmlns:p14="http://schemas.microsoft.com/office/powerpoint/2010/main">
+          <mc:Choice Requires="p14">
             <p:contentPart p14:bwMode="auto" r:id="rId477">
               <p14:nvContentPartPr>
                 <p14:cNvPr id="23" name="インク 22">
@@ -24186,7 +24186,7 @@
               </p14:xfrm>
             </p:contentPart>
           </mc:Choice>
-          <mc:Fallback>
+          <mc:Fallback xmlns="">
             <p:pic>
               <p:nvPicPr>
                 <p:cNvPr id="23" name="インク 22">
@@ -24217,8 +24217,8 @@
             </p:pic>
           </mc:Fallback>
         </mc:AlternateContent>
-        <mc:AlternateContent xmlns:mc="http://schemas.openxmlformats.org/markup-compatibility/2006">
-          <mc:Choice xmlns:p14="http://schemas.microsoft.com/office/powerpoint/2010/main" Requires="p14">
+        <mc:AlternateContent xmlns:mc="http://schemas.openxmlformats.org/markup-compatibility/2006" xmlns:p14="http://schemas.microsoft.com/office/powerpoint/2010/main">
+          <mc:Choice Requires="p14">
             <p:contentPart p14:bwMode="auto" r:id="rId479">
               <p14:nvContentPartPr>
                 <p14:cNvPr id="34" name="インク 33">
@@ -24237,7 +24237,7 @@
               </p14:xfrm>
             </p:contentPart>
           </mc:Choice>
-          <mc:Fallback>
+          <mc:Fallback xmlns="">
             <p:pic>
               <p:nvPicPr>
                 <p:cNvPr id="34" name="インク 33">
@@ -24289,8 +24289,8 @@
             <a:chExt cx="365760" cy="275040"/>
           </a:xfrm>
         </p:grpSpPr>
-        <mc:AlternateContent xmlns:mc="http://schemas.openxmlformats.org/markup-compatibility/2006">
-          <mc:Choice xmlns:p14="http://schemas.microsoft.com/office/powerpoint/2010/main" Requires="p14">
+        <mc:AlternateContent xmlns:mc="http://schemas.openxmlformats.org/markup-compatibility/2006" xmlns:p14="http://schemas.microsoft.com/office/powerpoint/2010/main">
+          <mc:Choice Requires="p14">
             <p:contentPart p14:bwMode="auto" r:id="rId481">
               <p14:nvContentPartPr>
                 <p14:cNvPr id="54" name="インク 53">
@@ -24309,7 +24309,7 @@
               </p14:xfrm>
             </p:contentPart>
           </mc:Choice>
-          <mc:Fallback>
+          <mc:Fallback xmlns="">
             <p:pic>
               <p:nvPicPr>
                 <p:cNvPr id="54" name="インク 53">
@@ -24340,8 +24340,8 @@
             </p:pic>
           </mc:Fallback>
         </mc:AlternateContent>
-        <mc:AlternateContent xmlns:mc="http://schemas.openxmlformats.org/markup-compatibility/2006">
-          <mc:Choice xmlns:p14="http://schemas.microsoft.com/office/powerpoint/2010/main" Requires="p14">
+        <mc:AlternateContent xmlns:mc="http://schemas.openxmlformats.org/markup-compatibility/2006" xmlns:p14="http://schemas.microsoft.com/office/powerpoint/2010/main">
+          <mc:Choice Requires="p14">
             <p:contentPart p14:bwMode="auto" r:id="rId483">
               <p14:nvContentPartPr>
                 <p14:cNvPr id="62" name="インク 61">
@@ -24360,7 +24360,7 @@
               </p14:xfrm>
             </p:contentPart>
           </mc:Choice>
-          <mc:Fallback>
+          <mc:Fallback xmlns="">
             <p:pic>
               <p:nvPicPr>
                 <p:cNvPr id="62" name="インク 61">
